--- a/1_Presentaciones/Sesion_4_Teoria.pptx
+++ b/1_Presentaciones/Sesion_4_Teoria.pptx
@@ -145,6 +145,43 @@
 </p:presentation>
 </file>
 
+<file path=ppt/revisionInfo.xml><?xml version="1.0" encoding="utf-8"?>
+<p1510:revInfo xmlns:a="http://schemas.openxmlformats.org/drawingml/2006/main" xmlns:r="http://schemas.openxmlformats.org/officeDocument/2006/relationships" xmlns:p1510="http://schemas.microsoft.com/office/powerpoint/2015/10/main">
+  <p1510:revLst>
+    <p1510:client id="{81B96BB3-7EF3-4641-8728-A364ABBF598C}" v="4" dt="2021-11-08T16:26:14.122"/>
+  </p1510:revLst>
+</p1510:revInfo>
+</file>
+
+<file path=ppt/changesInfos/changesInfo1.xml><?xml version="1.0" encoding="utf-8"?>
+<pc:chgInfo xmlns:a="http://schemas.openxmlformats.org/drawingml/2006/main" xmlns:r="http://schemas.openxmlformats.org/officeDocument/2006/relationships" xmlns:ac="http://schemas.microsoft.com/office/drawing/2013/main/command" xmlns:pc="http://schemas.microsoft.com/office/powerpoint/2013/main/command">
+  <pc:docChgLst>
+    <pc:chgData name="Mikel Lumbreras" userId="e57255e2-e72e-47e1-86e5-705636f423c9" providerId="ADAL" clId="{81B96BB3-7EF3-4641-8728-A364ABBF598C}"/>
+    <pc:docChg chg="modSld">
+      <pc:chgData name="Mikel Lumbreras" userId="e57255e2-e72e-47e1-86e5-705636f423c9" providerId="ADAL" clId="{81B96BB3-7EF3-4641-8728-A364ABBF598C}" dt="2021-11-08T16:26:14.122" v="2"/>
+      <pc:docMkLst>
+        <pc:docMk/>
+      </pc:docMkLst>
+      <pc:sldChg chg="modSp">
+        <pc:chgData name="Mikel Lumbreras" userId="e57255e2-e72e-47e1-86e5-705636f423c9" providerId="ADAL" clId="{81B96BB3-7EF3-4641-8728-A364ABBF598C}" dt="2021-11-08T16:26:14.122" v="2"/>
+        <pc:sldMkLst>
+          <pc:docMk/>
+          <pc:sldMk cId="3436341517" sldId="261"/>
+        </pc:sldMkLst>
+        <pc:graphicFrameChg chg="mod">
+          <ac:chgData name="Mikel Lumbreras" userId="e57255e2-e72e-47e1-86e5-705636f423c9" providerId="ADAL" clId="{81B96BB3-7EF3-4641-8728-A364ABBF598C}" dt="2021-11-08T16:26:14.122" v="2"/>
+          <ac:graphicFrameMkLst>
+            <pc:docMk/>
+            <pc:sldMk cId="3436341517" sldId="261"/>
+            <ac:graphicFrameMk id="6" creationId="{3A62E472-57DE-45F4-89B6-E389A35DCDD4}"/>
+          </ac:graphicFrameMkLst>
+        </pc:graphicFrameChg>
+      </pc:sldChg>
+    </pc:docChg>
+  </pc:docChgLst>
+</pc:chgInfo>
+</file>
+
 <file path=ppt/notesMasters/notesMaster1.xml><?xml version="1.0" encoding="utf-8"?>
 <p:notesMaster xmlns:a="http://schemas.openxmlformats.org/drawingml/2006/main" xmlns:r="http://schemas.openxmlformats.org/officeDocument/2006/relationships" xmlns:p="http://schemas.openxmlformats.org/presentationml/2006/main">
   <p:cSld>
@@ -227,7 +264,7 @@
           <a:p>
             <a:fld id="{D49BC84A-3884-429B-A7E7-0390EDA0EFB2}" type="datetimeFigureOut">
               <a:rPr lang="es-ES" smtClean="0"/>
-              <a:t>03/09/2021</a:t>
+              <a:t>08/11/2021</a:t>
             </a:fld>
             <a:endParaRPr lang="es-ES"/>
           </a:p>
@@ -291,38 +328,37 @@
           <a:p>
             <a:pPr lvl="0"/>
             <a:r>
-              <a:rPr lang="es-ES" smtClean="0"/>
+              <a:rPr lang="es-ES"/>
               <a:t>Editar el estilo de texto del patrón</a:t>
             </a:r>
           </a:p>
           <a:p>
             <a:pPr lvl="1"/>
             <a:r>
-              <a:rPr lang="es-ES" smtClean="0"/>
+              <a:rPr lang="es-ES"/>
               <a:t>Segundo nivel</a:t>
             </a:r>
           </a:p>
           <a:p>
             <a:pPr lvl="2"/>
             <a:r>
-              <a:rPr lang="es-ES" smtClean="0"/>
+              <a:rPr lang="es-ES"/>
               <a:t>Tercer nivel</a:t>
             </a:r>
           </a:p>
           <a:p>
             <a:pPr lvl="3"/>
             <a:r>
-              <a:rPr lang="es-ES" smtClean="0"/>
+              <a:rPr lang="es-ES"/>
               <a:t>Cuarto nivel</a:t>
             </a:r>
           </a:p>
           <a:p>
             <a:pPr lvl="4"/>
             <a:r>
-              <a:rPr lang="es-ES" smtClean="0"/>
+              <a:rPr lang="es-ES"/>
               <a:t>Quinto nivel</a:t>
             </a:r>
-            <a:endParaRPr lang="es-ES"/>
           </a:p>
         </p:txBody>
       </p:sp>
@@ -537,7 +573,7 @@
           </a:lstStyle>
           <a:p>
             <a:r>
-              <a:rPr lang="es-ES" smtClean="0"/>
+              <a:rPr lang="es-ES"/>
               <a:t>Haga clic para modificar el estilo de título del patrón</a:t>
             </a:r>
             <a:endParaRPr lang="en-GB"/>
@@ -602,7 +638,7 @@
           </a:lstStyle>
           <a:p>
             <a:r>
-              <a:rPr lang="es-ES" smtClean="0"/>
+              <a:rPr lang="es-ES"/>
               <a:t>Haga clic para editar el estilo de subtítulo del patrón</a:t>
             </a:r>
             <a:endParaRPr lang="en-GB"/>
@@ -626,7 +662,7 @@
           <a:p>
             <a:fld id="{31A5FAD9-4F41-45A2-94CB-CF6C3F2E165E}" type="datetimeFigureOut">
               <a:rPr lang="en-GB" smtClean="0"/>
-              <a:t>03/09/2021</a:t>
+              <a:t>08/11/2021</a:t>
             </a:fld>
             <a:endParaRPr lang="en-GB"/>
           </a:p>
@@ -720,7 +756,7 @@
           <a:lstStyle/>
           <a:p>
             <a:r>
-              <a:rPr lang="es-ES" smtClean="0"/>
+              <a:rPr lang="es-ES"/>
               <a:t>Haga clic para modificar el estilo de título del patrón</a:t>
             </a:r>
             <a:endParaRPr lang="en-GB"/>
@@ -744,35 +780,35 @@
           <a:p>
             <a:pPr lvl="0"/>
             <a:r>
-              <a:rPr lang="es-ES" smtClean="0"/>
+              <a:rPr lang="es-ES"/>
               <a:t>Editar el estilo de texto del patrón</a:t>
             </a:r>
           </a:p>
           <a:p>
             <a:pPr lvl="1"/>
             <a:r>
-              <a:rPr lang="es-ES" smtClean="0"/>
+              <a:rPr lang="es-ES"/>
               <a:t>Segundo nivel</a:t>
             </a:r>
           </a:p>
           <a:p>
             <a:pPr lvl="2"/>
             <a:r>
-              <a:rPr lang="es-ES" smtClean="0"/>
+              <a:rPr lang="es-ES"/>
               <a:t>Tercer nivel</a:t>
             </a:r>
           </a:p>
           <a:p>
             <a:pPr lvl="3"/>
             <a:r>
-              <a:rPr lang="es-ES" smtClean="0"/>
+              <a:rPr lang="es-ES"/>
               <a:t>Cuarto nivel</a:t>
             </a:r>
           </a:p>
           <a:p>
             <a:pPr lvl="4"/>
             <a:r>
-              <a:rPr lang="es-ES" smtClean="0"/>
+              <a:rPr lang="es-ES"/>
               <a:t>Quinto nivel</a:t>
             </a:r>
             <a:endParaRPr lang="en-GB"/>
@@ -796,7 +832,7 @@
           <a:p>
             <a:fld id="{31A5FAD9-4F41-45A2-94CB-CF6C3F2E165E}" type="datetimeFigureOut">
               <a:rPr lang="en-GB" smtClean="0"/>
-              <a:t>03/09/2021</a:t>
+              <a:t>08/11/2021</a:t>
             </a:fld>
             <a:endParaRPr lang="en-GB"/>
           </a:p>
@@ -895,7 +931,7 @@
           <a:lstStyle/>
           <a:p>
             <a:r>
-              <a:rPr lang="es-ES" smtClean="0"/>
+              <a:rPr lang="es-ES"/>
               <a:t>Haga clic para modificar el estilo de título del patrón</a:t>
             </a:r>
             <a:endParaRPr lang="en-GB"/>
@@ -924,35 +960,35 @@
           <a:p>
             <a:pPr lvl="0"/>
             <a:r>
-              <a:rPr lang="es-ES" smtClean="0"/>
+              <a:rPr lang="es-ES"/>
               <a:t>Editar el estilo de texto del patrón</a:t>
             </a:r>
           </a:p>
           <a:p>
             <a:pPr lvl="1"/>
             <a:r>
-              <a:rPr lang="es-ES" smtClean="0"/>
+              <a:rPr lang="es-ES"/>
               <a:t>Segundo nivel</a:t>
             </a:r>
           </a:p>
           <a:p>
             <a:pPr lvl="2"/>
             <a:r>
-              <a:rPr lang="es-ES" smtClean="0"/>
+              <a:rPr lang="es-ES"/>
               <a:t>Tercer nivel</a:t>
             </a:r>
           </a:p>
           <a:p>
             <a:pPr lvl="3"/>
             <a:r>
-              <a:rPr lang="es-ES" smtClean="0"/>
+              <a:rPr lang="es-ES"/>
               <a:t>Cuarto nivel</a:t>
             </a:r>
           </a:p>
           <a:p>
             <a:pPr lvl="4"/>
             <a:r>
-              <a:rPr lang="es-ES" smtClean="0"/>
+              <a:rPr lang="es-ES"/>
               <a:t>Quinto nivel</a:t>
             </a:r>
             <a:endParaRPr lang="en-GB"/>
@@ -976,7 +1012,7 @@
           <a:p>
             <a:fld id="{31A5FAD9-4F41-45A2-94CB-CF6C3F2E165E}" type="datetimeFigureOut">
               <a:rPr lang="en-GB" smtClean="0"/>
-              <a:t>03/09/2021</a:t>
+              <a:t>08/11/2021</a:t>
             </a:fld>
             <a:endParaRPr lang="en-GB"/>
           </a:p>
@@ -2495,7 +2531,7 @@
           <a:p>
             <a:fld id="{4A42529D-B5B1-47E1-A19B-037CCFF42894}" type="datetimeFigureOut">
               <a:rPr lang="en-GB" smtClean="0"/>
-              <a:t>03/09/2021</a:t>
+              <a:t>08/11/2021</a:t>
             </a:fld>
             <a:endParaRPr lang="en-GB"/>
           </a:p>
@@ -2597,7 +2633,7 @@
           <a:lstStyle/>
           <a:p>
             <a:r>
-              <a:rPr lang="es-ES" smtClean="0"/>
+              <a:rPr lang="es-ES"/>
               <a:t>Haga clic para modificar el estilo de título del patrón</a:t>
             </a:r>
             <a:endParaRPr lang="en-GB"/>
@@ -2621,35 +2657,35 @@
           <a:p>
             <a:pPr lvl="0"/>
             <a:r>
-              <a:rPr lang="es-ES" smtClean="0"/>
+              <a:rPr lang="es-ES"/>
               <a:t>Editar el estilo de texto del patrón</a:t>
             </a:r>
           </a:p>
           <a:p>
             <a:pPr lvl="1"/>
             <a:r>
-              <a:rPr lang="es-ES" smtClean="0"/>
+              <a:rPr lang="es-ES"/>
               <a:t>Segundo nivel</a:t>
             </a:r>
           </a:p>
           <a:p>
             <a:pPr lvl="2"/>
             <a:r>
-              <a:rPr lang="es-ES" smtClean="0"/>
+              <a:rPr lang="es-ES"/>
               <a:t>Tercer nivel</a:t>
             </a:r>
           </a:p>
           <a:p>
             <a:pPr lvl="3"/>
             <a:r>
-              <a:rPr lang="es-ES" smtClean="0"/>
+              <a:rPr lang="es-ES"/>
               <a:t>Cuarto nivel</a:t>
             </a:r>
           </a:p>
           <a:p>
             <a:pPr lvl="4"/>
             <a:r>
-              <a:rPr lang="es-ES" smtClean="0"/>
+              <a:rPr lang="es-ES"/>
               <a:t>Quinto nivel</a:t>
             </a:r>
             <a:endParaRPr lang="en-GB"/>
@@ -2673,7 +2709,7 @@
           <a:p>
             <a:fld id="{31A5FAD9-4F41-45A2-94CB-CF6C3F2E165E}" type="datetimeFigureOut">
               <a:rPr lang="en-GB" smtClean="0"/>
-              <a:t>03/09/2021</a:t>
+              <a:t>08/11/2021</a:t>
             </a:fld>
             <a:endParaRPr lang="en-GB"/>
           </a:p>
@@ -2958,7 +2994,7 @@
           <a:p>
             <a:fld id="{4A42529D-B5B1-47E1-A19B-037CCFF42894}" type="datetimeFigureOut">
               <a:rPr lang="en-GB" smtClean="0"/>
-              <a:t>03/09/2021</a:t>
+              <a:t>08/11/2021</a:t>
             </a:fld>
             <a:endParaRPr lang="en-GB"/>
           </a:p>
@@ -3227,7 +3263,7 @@
           <a:p>
             <a:fld id="{4A42529D-B5B1-47E1-A19B-037CCFF42894}" type="datetimeFigureOut">
               <a:rPr lang="en-GB" smtClean="0"/>
-              <a:t>03/09/2021</a:t>
+              <a:t>08/11/2021</a:t>
             </a:fld>
             <a:endParaRPr lang="en-GB"/>
           </a:p>
@@ -3413,7 +3449,7 @@
           <a:p>
             <a:fld id="{4A42529D-B5B1-47E1-A19B-037CCFF42894}" type="datetimeFigureOut">
               <a:rPr lang="en-GB" smtClean="0"/>
-              <a:t>03/09/2021</a:t>
+              <a:t>08/11/2021</a:t>
             </a:fld>
             <a:endParaRPr lang="en-GB"/>
           </a:p>
@@ -3609,7 +3645,7 @@
           <a:p>
             <a:fld id="{4A42529D-B5B1-47E1-A19B-037CCFF42894}" type="datetimeFigureOut">
               <a:rPr lang="en-GB" smtClean="0"/>
-              <a:t>03/09/2021</a:t>
+              <a:t>08/11/2021</a:t>
             </a:fld>
             <a:endParaRPr lang="en-GB"/>
           </a:p>
@@ -3720,7 +3756,7 @@
           </a:lstStyle>
           <a:p>
             <a:r>
-              <a:rPr lang="es-ES" smtClean="0"/>
+              <a:rPr lang="es-ES"/>
               <a:t>Haga clic para modificar el estilo de título del patrón</a:t>
             </a:r>
             <a:endParaRPr lang="en-GB"/>
@@ -3840,7 +3876,7 @@
           <a:p>
             <a:pPr lvl="0"/>
             <a:r>
-              <a:rPr lang="es-ES" smtClean="0"/>
+              <a:rPr lang="es-ES"/>
               <a:t>Editar el estilo de texto del patrón</a:t>
             </a:r>
           </a:p>
@@ -3863,7 +3899,7 @@
           <a:p>
             <a:fld id="{31A5FAD9-4F41-45A2-94CB-CF6C3F2E165E}" type="datetimeFigureOut">
               <a:rPr lang="en-GB" smtClean="0"/>
-              <a:t>03/09/2021</a:t>
+              <a:t>08/11/2021</a:t>
             </a:fld>
             <a:endParaRPr lang="en-GB"/>
           </a:p>
@@ -3957,7 +3993,7 @@
           <a:lstStyle/>
           <a:p>
             <a:r>
-              <a:rPr lang="es-ES" smtClean="0"/>
+              <a:rPr lang="es-ES"/>
               <a:t>Haga clic para modificar el estilo de título del patrón</a:t>
             </a:r>
             <a:endParaRPr lang="en-GB"/>
@@ -3986,35 +4022,35 @@
           <a:p>
             <a:pPr lvl="0"/>
             <a:r>
-              <a:rPr lang="es-ES" smtClean="0"/>
+              <a:rPr lang="es-ES"/>
               <a:t>Editar el estilo de texto del patrón</a:t>
             </a:r>
           </a:p>
           <a:p>
             <a:pPr lvl="1"/>
             <a:r>
-              <a:rPr lang="es-ES" smtClean="0"/>
+              <a:rPr lang="es-ES"/>
               <a:t>Segundo nivel</a:t>
             </a:r>
           </a:p>
           <a:p>
             <a:pPr lvl="2"/>
             <a:r>
-              <a:rPr lang="es-ES" smtClean="0"/>
+              <a:rPr lang="es-ES"/>
               <a:t>Tercer nivel</a:t>
             </a:r>
           </a:p>
           <a:p>
             <a:pPr lvl="3"/>
             <a:r>
-              <a:rPr lang="es-ES" smtClean="0"/>
+              <a:rPr lang="es-ES"/>
               <a:t>Cuarto nivel</a:t>
             </a:r>
           </a:p>
           <a:p>
             <a:pPr lvl="4"/>
             <a:r>
-              <a:rPr lang="es-ES" smtClean="0"/>
+              <a:rPr lang="es-ES"/>
               <a:t>Quinto nivel</a:t>
             </a:r>
             <a:endParaRPr lang="en-GB"/>
@@ -4043,35 +4079,35 @@
           <a:p>
             <a:pPr lvl="0"/>
             <a:r>
-              <a:rPr lang="es-ES" smtClean="0"/>
+              <a:rPr lang="es-ES"/>
               <a:t>Editar el estilo de texto del patrón</a:t>
             </a:r>
           </a:p>
           <a:p>
             <a:pPr lvl="1"/>
             <a:r>
-              <a:rPr lang="es-ES" smtClean="0"/>
+              <a:rPr lang="es-ES"/>
               <a:t>Segundo nivel</a:t>
             </a:r>
           </a:p>
           <a:p>
             <a:pPr lvl="2"/>
             <a:r>
-              <a:rPr lang="es-ES" smtClean="0"/>
+              <a:rPr lang="es-ES"/>
               <a:t>Tercer nivel</a:t>
             </a:r>
           </a:p>
           <a:p>
             <a:pPr lvl="3"/>
             <a:r>
-              <a:rPr lang="es-ES" smtClean="0"/>
+              <a:rPr lang="es-ES"/>
               <a:t>Cuarto nivel</a:t>
             </a:r>
           </a:p>
           <a:p>
             <a:pPr lvl="4"/>
             <a:r>
-              <a:rPr lang="es-ES" smtClean="0"/>
+              <a:rPr lang="es-ES"/>
               <a:t>Quinto nivel</a:t>
             </a:r>
             <a:endParaRPr lang="en-GB"/>
@@ -4095,7 +4131,7 @@
           <a:p>
             <a:fld id="{31A5FAD9-4F41-45A2-94CB-CF6C3F2E165E}" type="datetimeFigureOut">
               <a:rPr lang="en-GB" smtClean="0"/>
-              <a:t>03/09/2021</a:t>
+              <a:t>08/11/2021</a:t>
             </a:fld>
             <a:endParaRPr lang="en-GB"/>
           </a:p>
@@ -4194,7 +4230,7 @@
           <a:lstStyle/>
           <a:p>
             <a:r>
-              <a:rPr lang="es-ES" smtClean="0"/>
+              <a:rPr lang="es-ES"/>
               <a:t>Haga clic para modificar el estilo de título del patrón</a:t>
             </a:r>
             <a:endParaRPr lang="en-GB"/>
@@ -4260,7 +4296,7 @@
           <a:p>
             <a:pPr lvl="0"/>
             <a:r>
-              <a:rPr lang="es-ES" smtClean="0"/>
+              <a:rPr lang="es-ES"/>
               <a:t>Editar el estilo de texto del patrón</a:t>
             </a:r>
           </a:p>
@@ -4288,35 +4324,35 @@
           <a:p>
             <a:pPr lvl="0"/>
             <a:r>
-              <a:rPr lang="es-ES" smtClean="0"/>
+              <a:rPr lang="es-ES"/>
               <a:t>Editar el estilo de texto del patrón</a:t>
             </a:r>
           </a:p>
           <a:p>
             <a:pPr lvl="1"/>
             <a:r>
-              <a:rPr lang="es-ES" smtClean="0"/>
+              <a:rPr lang="es-ES"/>
               <a:t>Segundo nivel</a:t>
             </a:r>
           </a:p>
           <a:p>
             <a:pPr lvl="2"/>
             <a:r>
-              <a:rPr lang="es-ES" smtClean="0"/>
+              <a:rPr lang="es-ES"/>
               <a:t>Tercer nivel</a:t>
             </a:r>
           </a:p>
           <a:p>
             <a:pPr lvl="3"/>
             <a:r>
-              <a:rPr lang="es-ES" smtClean="0"/>
+              <a:rPr lang="es-ES"/>
               <a:t>Cuarto nivel</a:t>
             </a:r>
           </a:p>
           <a:p>
             <a:pPr lvl="4"/>
             <a:r>
-              <a:rPr lang="es-ES" smtClean="0"/>
+              <a:rPr lang="es-ES"/>
               <a:t>Quinto nivel</a:t>
             </a:r>
             <a:endParaRPr lang="en-GB"/>
@@ -4382,7 +4418,7 @@
           <a:p>
             <a:pPr lvl="0"/>
             <a:r>
-              <a:rPr lang="es-ES" smtClean="0"/>
+              <a:rPr lang="es-ES"/>
               <a:t>Editar el estilo de texto del patrón</a:t>
             </a:r>
           </a:p>
@@ -4410,35 +4446,35 @@
           <a:p>
             <a:pPr lvl="0"/>
             <a:r>
-              <a:rPr lang="es-ES" smtClean="0"/>
+              <a:rPr lang="es-ES"/>
               <a:t>Editar el estilo de texto del patrón</a:t>
             </a:r>
           </a:p>
           <a:p>
             <a:pPr lvl="1"/>
             <a:r>
-              <a:rPr lang="es-ES" smtClean="0"/>
+              <a:rPr lang="es-ES"/>
               <a:t>Segundo nivel</a:t>
             </a:r>
           </a:p>
           <a:p>
             <a:pPr lvl="2"/>
             <a:r>
-              <a:rPr lang="es-ES" smtClean="0"/>
+              <a:rPr lang="es-ES"/>
               <a:t>Tercer nivel</a:t>
             </a:r>
           </a:p>
           <a:p>
             <a:pPr lvl="3"/>
             <a:r>
-              <a:rPr lang="es-ES" smtClean="0"/>
+              <a:rPr lang="es-ES"/>
               <a:t>Cuarto nivel</a:t>
             </a:r>
           </a:p>
           <a:p>
             <a:pPr lvl="4"/>
             <a:r>
-              <a:rPr lang="es-ES" smtClean="0"/>
+              <a:rPr lang="es-ES"/>
               <a:t>Quinto nivel</a:t>
             </a:r>
             <a:endParaRPr lang="en-GB"/>
@@ -4462,7 +4498,7 @@
           <a:p>
             <a:fld id="{31A5FAD9-4F41-45A2-94CB-CF6C3F2E165E}" type="datetimeFigureOut">
               <a:rPr lang="en-GB" smtClean="0"/>
-              <a:t>03/09/2021</a:t>
+              <a:t>08/11/2021</a:t>
             </a:fld>
             <a:endParaRPr lang="en-GB"/>
           </a:p>
@@ -4556,7 +4592,7 @@
           <a:lstStyle/>
           <a:p>
             <a:r>
-              <a:rPr lang="es-ES" smtClean="0"/>
+              <a:rPr lang="es-ES"/>
               <a:t>Haga clic para modificar el estilo de título del patrón</a:t>
             </a:r>
             <a:endParaRPr lang="en-GB"/>
@@ -4580,7 +4616,7 @@
           <a:p>
             <a:fld id="{31A5FAD9-4F41-45A2-94CB-CF6C3F2E165E}" type="datetimeFigureOut">
               <a:rPr lang="en-GB" smtClean="0"/>
-              <a:t>03/09/2021</a:t>
+              <a:t>08/11/2021</a:t>
             </a:fld>
             <a:endParaRPr lang="en-GB"/>
           </a:p>
@@ -4675,7 +4711,7 @@
           <a:p>
             <a:fld id="{31A5FAD9-4F41-45A2-94CB-CF6C3F2E165E}" type="datetimeFigureOut">
               <a:rPr lang="en-GB" smtClean="0"/>
-              <a:t>03/09/2021</a:t>
+              <a:t>08/11/2021</a:t>
             </a:fld>
             <a:endParaRPr lang="en-GB"/>
           </a:p>
@@ -4778,7 +4814,7 @@
           </a:lstStyle>
           <a:p>
             <a:r>
-              <a:rPr lang="es-ES" smtClean="0"/>
+              <a:rPr lang="es-ES"/>
               <a:t>Haga clic para modificar el estilo de título del patrón</a:t>
             </a:r>
             <a:endParaRPr lang="en-GB"/>
@@ -4835,35 +4871,35 @@
           <a:p>
             <a:pPr lvl="0"/>
             <a:r>
-              <a:rPr lang="es-ES" smtClean="0"/>
+              <a:rPr lang="es-ES"/>
               <a:t>Editar el estilo de texto del patrón</a:t>
             </a:r>
           </a:p>
           <a:p>
             <a:pPr lvl="1"/>
             <a:r>
-              <a:rPr lang="es-ES" smtClean="0"/>
+              <a:rPr lang="es-ES"/>
               <a:t>Segundo nivel</a:t>
             </a:r>
           </a:p>
           <a:p>
             <a:pPr lvl="2"/>
             <a:r>
-              <a:rPr lang="es-ES" smtClean="0"/>
+              <a:rPr lang="es-ES"/>
               <a:t>Tercer nivel</a:t>
             </a:r>
           </a:p>
           <a:p>
             <a:pPr lvl="3"/>
             <a:r>
-              <a:rPr lang="es-ES" smtClean="0"/>
+              <a:rPr lang="es-ES"/>
               <a:t>Cuarto nivel</a:t>
             </a:r>
           </a:p>
           <a:p>
             <a:pPr lvl="4"/>
             <a:r>
-              <a:rPr lang="es-ES" smtClean="0"/>
+              <a:rPr lang="es-ES"/>
               <a:t>Quinto nivel</a:t>
             </a:r>
             <a:endParaRPr lang="en-GB"/>
@@ -4929,7 +4965,7 @@
           <a:p>
             <a:pPr lvl="0"/>
             <a:r>
-              <a:rPr lang="es-ES" smtClean="0"/>
+              <a:rPr lang="es-ES"/>
               <a:t>Editar el estilo de texto del patrón</a:t>
             </a:r>
           </a:p>
@@ -4952,7 +4988,7 @@
           <a:p>
             <a:fld id="{31A5FAD9-4F41-45A2-94CB-CF6C3F2E165E}" type="datetimeFigureOut">
               <a:rPr lang="en-GB" smtClean="0"/>
-              <a:t>03/09/2021</a:t>
+              <a:t>08/11/2021</a:t>
             </a:fld>
             <a:endParaRPr lang="en-GB"/>
           </a:p>
@@ -5055,7 +5091,7 @@
           </a:lstStyle>
           <a:p>
             <a:r>
-              <a:rPr lang="es-ES" smtClean="0"/>
+              <a:rPr lang="es-ES"/>
               <a:t>Haga clic para modificar el estilo de título del patrón</a:t>
             </a:r>
             <a:endParaRPr lang="en-GB"/>
@@ -5182,7 +5218,7 @@
           <a:p>
             <a:pPr lvl="0"/>
             <a:r>
-              <a:rPr lang="es-ES" smtClean="0"/>
+              <a:rPr lang="es-ES"/>
               <a:t>Editar el estilo de texto del patrón</a:t>
             </a:r>
           </a:p>
@@ -5205,7 +5241,7 @@
           <a:p>
             <a:fld id="{31A5FAD9-4F41-45A2-94CB-CF6C3F2E165E}" type="datetimeFigureOut">
               <a:rPr lang="en-GB" smtClean="0"/>
-              <a:t>03/09/2021</a:t>
+              <a:t>08/11/2021</a:t>
             </a:fld>
             <a:endParaRPr lang="en-GB"/>
           </a:p>
@@ -5314,7 +5350,7 @@
           <a:lstStyle/>
           <a:p>
             <a:r>
-              <a:rPr lang="es-ES" smtClean="0"/>
+              <a:rPr lang="es-ES"/>
               <a:t>Haga clic para modificar el estilo de título del patrón</a:t>
             </a:r>
             <a:endParaRPr lang="en-GB"/>
@@ -5348,35 +5384,35 @@
           <a:p>
             <a:pPr lvl="0"/>
             <a:r>
-              <a:rPr lang="es-ES" smtClean="0"/>
+              <a:rPr lang="es-ES"/>
               <a:t>Editar el estilo de texto del patrón</a:t>
             </a:r>
           </a:p>
           <a:p>
             <a:pPr lvl="1"/>
             <a:r>
-              <a:rPr lang="es-ES" smtClean="0"/>
+              <a:rPr lang="es-ES"/>
               <a:t>Segundo nivel</a:t>
             </a:r>
           </a:p>
           <a:p>
             <a:pPr lvl="2"/>
             <a:r>
-              <a:rPr lang="es-ES" smtClean="0"/>
+              <a:rPr lang="es-ES"/>
               <a:t>Tercer nivel</a:t>
             </a:r>
           </a:p>
           <a:p>
             <a:pPr lvl="3"/>
             <a:r>
-              <a:rPr lang="es-ES" smtClean="0"/>
+              <a:rPr lang="es-ES"/>
               <a:t>Cuarto nivel</a:t>
             </a:r>
           </a:p>
           <a:p>
             <a:pPr lvl="4"/>
             <a:r>
-              <a:rPr lang="es-ES" smtClean="0"/>
+              <a:rPr lang="es-ES"/>
               <a:t>Quinto nivel</a:t>
             </a:r>
             <a:endParaRPr lang="en-GB"/>
@@ -5418,7 +5454,7 @@
           <a:p>
             <a:fld id="{31A5FAD9-4F41-45A2-94CB-CF6C3F2E165E}" type="datetimeFigureOut">
               <a:rPr lang="en-GB" smtClean="0"/>
-              <a:t>03/09/2021</a:t>
+              <a:t>08/11/2021</a:t>
             </a:fld>
             <a:endParaRPr lang="en-GB"/>
           </a:p>
@@ -6474,57 +6510,48 @@
           <a:lstStyle/>
           <a:p>
             <a:r>
-              <a:rPr lang="es-ES" dirty="0" smtClean="0"/>
+              <a:rPr lang="es-ES" dirty="0"/>
               <a:t>Introducción Clustering No-supervisado</a:t>
             </a:r>
+          </a:p>
+        </p:txBody>
+      </p:sp>
+      <p:sp>
+        <p:nvSpPr>
+          <p:cNvPr id="3" name="Marcador de contenido 2"/>
+          <p:cNvSpPr>
+            <a:spLocks noGrp="1"/>
+          </p:cNvSpPr>
+          <p:nvPr>
+            <p:ph idx="1"/>
+          </p:nvPr>
+        </p:nvSpPr>
+        <p:spPr/>
+        <p:txBody>
+          <a:bodyPr/>
+          <a:lstStyle/>
+          <a:p>
+            <a:pPr marL="0" indent="0" algn="just">
+              <a:buNone/>
+            </a:pPr>
+            <a:r>
+              <a:rPr lang="es-ES" dirty="0"/>
+              <a:t>¿Qué es?</a:t>
+            </a:r>
+          </a:p>
+          <a:p>
+            <a:pPr marL="0" indent="0" algn="just">
+              <a:buNone/>
+            </a:pPr>
             <a:endParaRPr lang="es-ES" dirty="0"/>
           </a:p>
-        </p:txBody>
-      </p:sp>
-      <p:sp>
-        <p:nvSpPr>
-          <p:cNvPr id="3" name="Marcador de contenido 2"/>
-          <p:cNvSpPr>
-            <a:spLocks noGrp="1"/>
-          </p:cNvSpPr>
-          <p:nvPr>
-            <p:ph idx="1"/>
-          </p:nvPr>
-        </p:nvSpPr>
-        <p:spPr/>
-        <p:txBody>
-          <a:bodyPr/>
-          <a:lstStyle/>
           <a:p>
             <a:pPr marL="0" indent="0" algn="just">
               <a:buNone/>
             </a:pPr>
             <a:r>
-              <a:rPr lang="es-ES" dirty="0" smtClean="0"/>
-              <a:t>¿Qué es?</a:t>
-            </a:r>
-          </a:p>
-          <a:p>
-            <a:pPr marL="0" indent="0" algn="just">
-              <a:buNone/>
-            </a:pPr>
-            <a:endParaRPr lang="es-ES" dirty="0" smtClean="0"/>
-          </a:p>
-          <a:p>
-            <a:pPr marL="0" indent="0" algn="just">
-              <a:buNone/>
-            </a:pPr>
-            <a:r>
-              <a:rPr lang="es-ES" dirty="0" smtClean="0"/>
-              <a:t>“Si </a:t>
-            </a:r>
-            <a:r>
               <a:rPr lang="es-ES" dirty="0"/>
-              <a:t>no se dispone del conjunto de entrenamiento, es decir, no existe conocimiento acerca de las etiquetas de los patrones, entonces para clasificar objetos se necesita un proceso previo de análisis de los datos que se conoce como clasificación no supervisada, aprendizaje no supervisado o técnicas de agrupamiento (clustering), que proporcionan un conocimiento sobre la estructura de los </a:t>
-            </a:r>
-            <a:r>
-              <a:rPr lang="es-ES" dirty="0" smtClean="0"/>
-              <a:t>datos”</a:t>
+              <a:t>“Si no se dispone del conjunto de entrenamiento, es decir, no existe conocimiento acerca de las etiquetas de los patrones, entonces para clasificar objetos se necesita un proceso previo de análisis de los datos que se conoce como clasificación no supervisada, aprendizaje no supervisado o técnicas de agrupamiento (clustering), que proporcionan un conocimiento sobre la estructura de los datos”</a:t>
             </a:r>
           </a:p>
           <a:p>
@@ -6588,13 +6615,8 @@
           <a:p>
             <a:r>
               <a:rPr lang="es-ES" dirty="0"/>
-              <a:t>Introducción </a:t>
-            </a:r>
-            <a:r>
-              <a:rPr lang="es-ES" dirty="0" smtClean="0"/>
-              <a:t>Clustering No-supervisado</a:t>
-            </a:r>
-            <a:endParaRPr lang="es-ES" dirty="0"/>
+              <a:t>Introducción Clustering No-supervisado</a:t>
+            </a:r>
           </a:p>
         </p:txBody>
       </p:sp>
@@ -6663,10 +6685,9 @@
           <a:p>
             <a:pPr algn="ctr"/>
             <a:r>
-              <a:rPr lang="es-ES" sz="2800" dirty="0" smtClean="0"/>
+              <a:rPr lang="es-ES" sz="2800" dirty="0"/>
               <a:t>Atributos y clases</a:t>
             </a:r>
-            <a:endParaRPr lang="es-ES" sz="2800" dirty="0"/>
           </a:p>
         </p:txBody>
       </p:sp>
@@ -6694,10 +6715,9 @@
           <a:p>
             <a:pPr algn="ctr"/>
             <a:r>
-              <a:rPr lang="es-ES" sz="2800" dirty="0" smtClean="0"/>
+              <a:rPr lang="es-ES" sz="2800" dirty="0"/>
               <a:t>Solo atributos</a:t>
             </a:r>
-            <a:endParaRPr lang="es-ES" sz="2800" dirty="0"/>
           </a:p>
         </p:txBody>
       </p:sp>
@@ -6772,17 +6792,17 @@
               <a:buNone/>
             </a:pPr>
             <a:r>
-              <a:rPr lang="es-ES" dirty="0" smtClean="0"/>
+              <a:rPr lang="es-ES" dirty="0"/>
               <a:t>En resumen…</a:t>
             </a:r>
           </a:p>
           <a:p>
             <a:r>
-              <a:rPr lang="es-ES" sz="3200" dirty="0" smtClean="0"/>
+              <a:rPr lang="es-ES" sz="3200" dirty="0"/>
               <a:t>El clustering es una técnica para encontrar grupos con ciertas similitudes dentro del grupo de datos </a:t>
             </a:r>
             <a:r>
-              <a:rPr lang="es-ES" sz="3200" dirty="0" smtClean="0">
+              <a:rPr lang="es-ES" sz="3200" dirty="0">
                 <a:sym typeface="Wingdings" panose="05000000000000000000" pitchFamily="2" charset="2"/>
               </a:rPr>
               <a:t> Clústeres </a:t>
@@ -6790,19 +6810,19 @@
           </a:p>
           <a:p>
             <a:r>
-              <a:rPr lang="es-ES" sz="3200" dirty="0" smtClean="0"/>
+              <a:rPr lang="es-ES" sz="3200" dirty="0"/>
               <a:t>Es una técnica clasificada dentro de clasificación NO-SUPERVISADA</a:t>
             </a:r>
           </a:p>
           <a:p>
             <a:r>
-              <a:rPr lang="es-ES" sz="3200" dirty="0" smtClean="0"/>
+              <a:rPr lang="es-ES" sz="3200" dirty="0"/>
               <a:t>Solo se basa en los atributos de las variables</a:t>
             </a:r>
           </a:p>
           <a:p>
             <a:r>
-              <a:rPr lang="es-ES" sz="3200" dirty="0" smtClean="0"/>
+              <a:rPr lang="es-ES" sz="3200" dirty="0"/>
               <a:t>Aplicaciones??</a:t>
             </a:r>
           </a:p>
@@ -6857,19 +6877,19 @@
           <a:lstStyle/>
           <a:p>
             <a:r>
-              <a:rPr lang="en-GB" dirty="0" smtClean="0"/>
+              <a:rPr lang="en-GB" dirty="0"/>
               <a:t>Clustering: </a:t>
             </a:r>
             <a:r>
-              <a:rPr lang="en-GB" dirty="0" err="1" smtClean="0"/>
+              <a:rPr lang="en-GB" dirty="0" err="1"/>
               <a:t>Algoritmos</a:t>
             </a:r>
             <a:r>
-              <a:rPr lang="en-GB" dirty="0" smtClean="0"/>
+              <a:rPr lang="en-GB" dirty="0"/>
               <a:t> </a:t>
             </a:r>
             <a:r>
-              <a:rPr lang="en-GB" dirty="0" err="1" smtClean="0"/>
+              <a:rPr lang="en-GB" dirty="0" err="1"/>
               <a:t>Comunes</a:t>
             </a:r>
             <a:endParaRPr lang="en-GB" dirty="0"/>
@@ -6902,10 +6922,9 @@
               <a:buNone/>
             </a:pPr>
             <a:r>
-              <a:rPr lang="es-ES" sz="3600" dirty="0" smtClean="0"/>
+              <a:rPr lang="es-ES" sz="3600" dirty="0"/>
               <a:t>Dentro de los algoritmos del clustering, existen diversos tipos (entre otros) </a:t>
             </a:r>
-            <a:endParaRPr lang="es-ES" sz="3600" dirty="0"/>
           </a:p>
         </p:txBody>
       </p:sp>
@@ -7128,19 +7147,19 @@
           <a:lstStyle/>
           <a:p>
             <a:r>
-              <a:rPr lang="en-GB" dirty="0" smtClean="0"/>
+              <a:rPr lang="en-GB" dirty="0"/>
               <a:t>Clustering: </a:t>
             </a:r>
             <a:r>
-              <a:rPr lang="en-GB" dirty="0" err="1" smtClean="0"/>
+              <a:rPr lang="en-GB" dirty="0" err="1"/>
               <a:t>Algoritmos</a:t>
             </a:r>
             <a:r>
-              <a:rPr lang="en-GB" dirty="0" smtClean="0"/>
+              <a:rPr lang="en-GB" dirty="0"/>
               <a:t> </a:t>
             </a:r>
             <a:r>
-              <a:rPr lang="en-GB" dirty="0" err="1" smtClean="0"/>
+              <a:rPr lang="en-GB" dirty="0" err="1"/>
               <a:t>Comunes</a:t>
             </a:r>
             <a:endParaRPr lang="en-GB" dirty="0"/>
@@ -7272,10 +7291,9 @@
           <a:lstStyle/>
           <a:p>
             <a:r>
-              <a:rPr lang="es-ES" dirty="0" smtClean="0"/>
+              <a:rPr lang="es-ES" dirty="0"/>
               <a:t>Identificación de Outliers</a:t>
             </a:r>
-            <a:endParaRPr lang="es-ES" dirty="0"/>
           </a:p>
         </p:txBody>
       </p:sp>
@@ -7295,7 +7313,7 @@
           <a:lstStyle/>
           <a:p>
             <a:r>
-              <a:rPr lang="en-GB" dirty="0" smtClean="0"/>
+              <a:rPr lang="en-GB" dirty="0"/>
               <a:t>Definición de outliers:</a:t>
             </a:r>
           </a:p>
@@ -7304,33 +7322,20 @@
               <a:buNone/>
             </a:pPr>
             <a:r>
-              <a:rPr lang="en-GB" dirty="0" smtClean="0"/>
+              <a:rPr lang="en-GB" dirty="0"/>
               <a:t>“</a:t>
             </a:r>
             <a:r>
               <a:rPr lang="es-ES" dirty="0"/>
-              <a:t>Los </a:t>
-            </a:r>
-            <a:r>
-              <a:rPr lang="es-ES" dirty="0" smtClean="0"/>
-              <a:t>outliers o valores </a:t>
-            </a:r>
+              <a:t>Los outliers o valores atípicos en un conjunto de datos se definen como observaciones anómalas que podrían haber sido causadas por errores de lectura o por un pico de corriente en la fuente de datos o por diversas razones”</a:t>
+            </a:r>
+          </a:p>
+          <a:p>
+            <a:pPr marL="0" indent="0">
+              <a:buNone/>
+            </a:pPr>
             <a:r>
               <a:rPr lang="es-ES" dirty="0"/>
-              <a:t>atípicos en un conjunto de datos se definen como observaciones anómalas que podrían haber sido causadas por errores de lectura </a:t>
-            </a:r>
-            <a:r>
-              <a:rPr lang="es-ES" dirty="0" smtClean="0"/>
-              <a:t>o por un pico de corriente en la fuente de datos o por diversas razones”</a:t>
-            </a:r>
-            <a:endParaRPr lang="es-ES" dirty="0"/>
-          </a:p>
-          <a:p>
-            <a:pPr marL="0" indent="0">
-              <a:buNone/>
-            </a:pPr>
-            <a:r>
-              <a:rPr lang="es-ES" dirty="0" smtClean="0"/>
               <a:t>La identificación de outliers es un paso clave para todas las aplicaciones relacionadas con la minería de datos, ya que pueden perturbar la naturaleza real de los datos </a:t>
             </a:r>
           </a:p>
@@ -7423,10 +7428,9 @@
           <a:lstStyle/>
           <a:p>
             <a:r>
-              <a:rPr lang="es-ES" dirty="0" smtClean="0"/>
+              <a:rPr lang="es-ES" dirty="0"/>
               <a:t>Identificación de Outliers</a:t>
             </a:r>
-            <a:endParaRPr lang="es-ES" dirty="0"/>
           </a:p>
         </p:txBody>
       </p:sp>
@@ -7454,32 +7458,20 @@
               <a:buNone/>
             </a:pPr>
             <a:r>
-              <a:rPr lang="en-GB" dirty="0" smtClean="0"/>
+              <a:rPr lang="en-GB" dirty="0"/>
               <a:t>Q1 </a:t>
             </a:r>
             <a:r>
-              <a:rPr lang="en-GB" dirty="0" smtClean="0">
+              <a:rPr lang="en-GB" dirty="0">
                 <a:sym typeface="Wingdings" panose="05000000000000000000" pitchFamily="2" charset="2"/>
               </a:rPr>
               <a:t> </a:t>
-            </a:r>
-            <a:r>
-              <a:rPr lang="es-ES" dirty="0" smtClean="0">
-                <a:sym typeface="Wingdings" panose="05000000000000000000" pitchFamily="2" charset="2"/>
-              </a:rPr>
-              <a:t>25</a:t>
             </a:r>
             <a:r>
               <a:rPr lang="es-ES" dirty="0">
                 <a:sym typeface="Wingdings" panose="05000000000000000000" pitchFamily="2" charset="2"/>
               </a:rPr>
-              <a:t>% de las observaciones están por </a:t>
-            </a:r>
-            <a:r>
-              <a:rPr lang="es-ES" dirty="0" smtClean="0">
-                <a:sym typeface="Wingdings" panose="05000000000000000000" pitchFamily="2" charset="2"/>
-              </a:rPr>
-              <a:t>debajo</a:t>
+              <a:t>25% de las observaciones están por debajo</a:t>
             </a:r>
           </a:p>
           <a:p>
@@ -7487,7 +7479,7 @@
               <a:buNone/>
             </a:pPr>
             <a:r>
-              <a:rPr lang="en-GB" dirty="0" smtClean="0"/>
+              <a:rPr lang="en-GB" dirty="0"/>
               <a:t>Q2 </a:t>
             </a:r>
             <a:r>
@@ -7497,16 +7489,10 @@
               <a:t> </a:t>
             </a:r>
             <a:r>
-              <a:rPr lang="es-ES" dirty="0" smtClean="0">
-                <a:sym typeface="Wingdings" panose="05000000000000000000" pitchFamily="2" charset="2"/>
-              </a:rPr>
-              <a:t>50% </a:t>
-            </a:r>
-            <a:r>
               <a:rPr lang="es-ES" dirty="0">
                 <a:sym typeface="Wingdings" panose="05000000000000000000" pitchFamily="2" charset="2"/>
               </a:rPr>
-              <a:t>de las observaciones están por debajo</a:t>
+              <a:t>50% de las observaciones están por debajo</a:t>
             </a:r>
             <a:endParaRPr lang="en-GB" dirty="0"/>
           </a:p>
@@ -7515,7 +7501,7 @@
               <a:buNone/>
             </a:pPr>
             <a:r>
-              <a:rPr lang="en-GB" dirty="0" smtClean="0"/>
+              <a:rPr lang="en-GB" dirty="0"/>
               <a:t>Q3 </a:t>
             </a:r>
             <a:r>
@@ -7525,16 +7511,10 @@
               <a:t> </a:t>
             </a:r>
             <a:r>
-              <a:rPr lang="es-ES" dirty="0" smtClean="0">
-                <a:sym typeface="Wingdings" panose="05000000000000000000" pitchFamily="2" charset="2"/>
-              </a:rPr>
-              <a:t>75% </a:t>
-            </a:r>
-            <a:r>
               <a:rPr lang="es-ES" dirty="0">
                 <a:sym typeface="Wingdings" panose="05000000000000000000" pitchFamily="2" charset="2"/>
               </a:rPr>
-              <a:t>de las observaciones están por debajo</a:t>
+              <a:t>75% de las observaciones están por debajo</a:t>
             </a:r>
             <a:endParaRPr lang="en-GB" dirty="0"/>
           </a:p>
@@ -7542,7 +7522,7 @@
             <a:pPr marL="0" indent="0">
               <a:buNone/>
             </a:pPr>
-            <a:endParaRPr lang="en-GB" dirty="0" smtClean="0"/>
+            <a:endParaRPr lang="en-GB" dirty="0"/>
           </a:p>
         </p:txBody>
       </p:sp>
@@ -7570,13 +7550,8 @@
           <a:p>
             <a:r>
               <a:rPr lang="es-ES" sz="3200" b="1" dirty="0"/>
-              <a:t>Método </a:t>
-            </a:r>
-            <a:r>
-              <a:rPr lang="es-ES" sz="3200" b="1" dirty="0" smtClean="0"/>
-              <a:t>Intercuartílico IQR</a:t>
-            </a:r>
-            <a:endParaRPr lang="es-ES" sz="3200" b="1" dirty="0"/>
+              <a:t>Método Intercuartílico IQR</a:t>
+            </a:r>
           </a:p>
         </p:txBody>
       </p:sp>
@@ -7648,10 +7623,9 @@
           <a:lstStyle/>
           <a:p>
             <a:r>
-              <a:rPr lang="es-ES" dirty="0" smtClean="0"/>
+              <a:rPr lang="es-ES" dirty="0"/>
               <a:t>Identificación de Outliers</a:t>
             </a:r>
-            <a:endParaRPr lang="es-ES" dirty="0"/>
           </a:p>
         </p:txBody>
       </p:sp>
@@ -7709,22 +7683,21 @@
           <a:lstStyle/>
           <a:p>
             <a:r>
-              <a:rPr lang="es-ES" sz="3200" b="1" dirty="0" err="1" smtClean="0"/>
+              <a:rPr lang="es-ES" sz="3200" b="1" dirty="0" err="1"/>
               <a:t>Density</a:t>
             </a:r>
             <a:r>
-              <a:rPr lang="es-ES" sz="3200" b="1" dirty="0" smtClean="0"/>
+              <a:rPr lang="es-ES" sz="3200" b="1" dirty="0"/>
               <a:t> </a:t>
             </a:r>
             <a:r>
-              <a:rPr lang="es-ES" sz="3200" b="1" dirty="0" err="1" smtClean="0"/>
+              <a:rPr lang="es-ES" sz="3200" b="1" dirty="0" err="1"/>
               <a:t>Based</a:t>
             </a:r>
             <a:r>
-              <a:rPr lang="es-ES" sz="3200" b="1" dirty="0" smtClean="0"/>
+              <a:rPr lang="es-ES" sz="3200" b="1" dirty="0"/>
               <a:t> Clustering - DBSCAN</a:t>
             </a:r>
-            <a:endParaRPr lang="es-ES" sz="3200" b="1" dirty="0"/>
           </a:p>
         </p:txBody>
       </p:sp>
@@ -7815,10 +7788,9 @@
           <a:lstStyle/>
           <a:p>
             <a:r>
-              <a:rPr lang="es-ES" dirty="0" smtClean="0"/>
+              <a:rPr lang="es-ES" dirty="0"/>
               <a:t>Identificación de Outliers</a:t>
             </a:r>
-            <a:endParaRPr lang="es-ES" dirty="0"/>
           </a:p>
         </p:txBody>
       </p:sp>
@@ -7857,15 +7829,7 @@
             </a:pPr>
             <a:r>
               <a:rPr lang="es-ES" altLang="es-ES" sz="2000" dirty="0"/>
-              <a:t>Un punto </a:t>
-            </a:r>
-            <a:r>
-              <a:rPr lang="es-ES" altLang="es-ES" sz="2000" dirty="0" smtClean="0"/>
-              <a:t>p</a:t>
-            </a:r>
-            <a:r>
-              <a:rPr lang="es-ES" altLang="es-ES" sz="2000" dirty="0"/>
-              <a:t> es un punto núcleo si al menos </a:t>
+              <a:t>Un punto p es un punto núcleo si al menos </a:t>
             </a:r>
             <a:r>
               <a:rPr lang="es-ES" altLang="es-ES" sz="2000" dirty="0" err="1"/>
@@ -7873,23 +7837,7 @@
             </a:r>
             <a:r>
               <a:rPr lang="es-ES" altLang="es-ES" sz="2000" dirty="0"/>
-              <a:t> puntos están a una distancia ε de él y, esos puntos son directamente alcanzables </a:t>
-            </a:r>
-            <a:r>
-              <a:rPr lang="es-ES" altLang="es-ES" sz="2000" dirty="0" smtClean="0"/>
-              <a:t>desde</a:t>
-            </a:r>
-            <a:r>
-              <a:rPr lang="es-ES" altLang="es-ES" sz="2000" dirty="0"/>
-              <a:t> </a:t>
-            </a:r>
-            <a:r>
-              <a:rPr lang="es-ES" altLang="es-ES" sz="2000" dirty="0" smtClean="0"/>
-              <a:t>p. </a:t>
-            </a:r>
-            <a:r>
-              <a:rPr lang="es-ES" altLang="es-ES" sz="2000" dirty="0"/>
-              <a:t>No es posible tener puntos directamente alcanzables desde un punto que no sea un núcleo.</a:t>
+              <a:t> puntos están a una distancia ε de él y, esos puntos son directamente alcanzables desde p. No es posible tener puntos directamente alcanzables desde un punto que no sea un núcleo.</a:t>
             </a:r>
           </a:p>
           <a:p>
@@ -7906,77 +7854,8 @@
             </a:pPr>
             <a:r>
               <a:rPr lang="es-ES" altLang="es-ES" sz="2000" dirty="0"/>
-              <a:t>Un punto </a:t>
-            </a:r>
-            <a:r>
-              <a:rPr lang="es-ES" altLang="es-ES" sz="2000" dirty="0" smtClean="0"/>
-              <a:t>q es</a:t>
-            </a:r>
-            <a:r>
-              <a:rPr lang="es-ES" altLang="es-ES" sz="2000" dirty="0"/>
-              <a:t> alcanzable </a:t>
-            </a:r>
-            <a:r>
-              <a:rPr lang="es-ES" altLang="es-ES" sz="2000" dirty="0" smtClean="0"/>
-              <a:t>desde si </a:t>
-            </a:r>
-            <a:r>
-              <a:rPr lang="es-ES" altLang="es-ES" sz="2000" dirty="0"/>
-              <a:t>existe una secuencia de puntos </a:t>
-            </a:r>
-            <a:r>
-              <a:rPr lang="es-ES" altLang="es-ES" sz="2000" dirty="0" smtClean="0"/>
-              <a:t>pi donde</a:t>
-            </a:r>
-            <a:r>
-              <a:rPr lang="es-ES" altLang="es-ES" sz="2000" dirty="0"/>
-              <a:t> </a:t>
-            </a:r>
-            <a:r>
-              <a:rPr lang="es-ES" altLang="es-ES" sz="2000" dirty="0" smtClean="0"/>
-              <a:t>y</a:t>
-            </a:r>
-            <a:r>
-              <a:rPr lang="es-ES" altLang="es-ES" sz="2000" dirty="0"/>
-              <a:t> </a:t>
-            </a:r>
-            <a:r>
-              <a:rPr lang="es-ES" altLang="es-ES" sz="2000" dirty="0" smtClean="0"/>
-              <a:t>tal </a:t>
-            </a:r>
-            <a:r>
-              <a:rPr lang="es-ES" altLang="es-ES" sz="2000" dirty="0"/>
-              <a:t>que cada punto </a:t>
-            </a:r>
-            <a:r>
-              <a:rPr lang="es-ES" altLang="es-ES" sz="2000" dirty="0" smtClean="0"/>
-              <a:t>es </a:t>
-            </a:r>
-            <a:r>
-              <a:rPr lang="es-ES" altLang="es-ES" sz="2000" dirty="0"/>
-              <a:t>directamente alcanzable </a:t>
-            </a:r>
-            <a:r>
-              <a:rPr lang="es-ES" altLang="es-ES" sz="2000" dirty="0" smtClean="0"/>
-              <a:t>desde</a:t>
-            </a:r>
-            <a:r>
-              <a:rPr lang="es-ES" altLang="es-ES" sz="2000" dirty="0"/>
-              <a:t> </a:t>
-            </a:r>
-            <a:r>
-              <a:rPr lang="es-ES" altLang="es-ES" sz="2000" dirty="0" smtClean="0"/>
-              <a:t>p; </a:t>
-            </a:r>
-            <a:r>
-              <a:rPr lang="es-ES" altLang="es-ES" sz="2000" dirty="0"/>
-              <a:t>es decir, todos los puntos de la secuencia deben ser puntos núcleos, con la posible excepción de </a:t>
-            </a:r>
-            <a:r>
-              <a:rPr lang="es-ES" altLang="es-ES" sz="2000" dirty="0" smtClean="0"/>
-              <a:t>q.</a:t>
-            </a:r>
-            <a:endParaRPr lang="es-ES" altLang="es-ES" sz="2000" dirty="0"/>
+              <a:t>Un punto q es alcanzable desde si existe una secuencia de puntos pi donde y tal que cada punto es directamente alcanzable desde p; es decir, todos los puntos de la secuencia deben ser puntos núcleos, con la posible excepción de q.</a:t>
+            </a:r>
           </a:p>
           <a:p>
             <a:pPr algn="just" eaLnBrk="0" fontAlgn="base" hangingPunct="0">
@@ -8026,23 +7905,23 @@
           <a:lstStyle/>
           <a:p>
             <a:r>
-              <a:rPr lang="es-ES" sz="3200" b="1" dirty="0" err="1" smtClean="0"/>
+              <a:rPr lang="es-ES" sz="3200" b="1" dirty="0" err="1"/>
               <a:t>Density</a:t>
             </a:r>
             <a:r>
-              <a:rPr lang="es-ES" sz="3200" b="1" dirty="0" smtClean="0"/>
+              <a:rPr lang="es-ES" sz="3200" b="1" dirty="0"/>
               <a:t> </a:t>
             </a:r>
             <a:r>
-              <a:rPr lang="es-ES" sz="3200" b="1" dirty="0" err="1" smtClean="0"/>
+              <a:rPr lang="es-ES" sz="3200" b="1" dirty="0" err="1"/>
               <a:t>Based</a:t>
             </a:r>
             <a:r>
-              <a:rPr lang="es-ES" sz="3200" b="1" dirty="0" smtClean="0"/>
+              <a:rPr lang="es-ES" sz="3200" b="1" dirty="0"/>
               <a:t> Clustering – DBSCAN (</a:t>
             </a:r>
             <a:r>
-              <a:rPr lang="en-GB" sz="3200" b="1" dirty="0" smtClean="0"/>
+              <a:rPr lang="en-GB" sz="3200" b="1" dirty="0"/>
               <a:t>Algorithm)</a:t>
             </a:r>
             <a:endParaRPr lang="es-ES" sz="3200" b="1" dirty="0"/>
@@ -8119,7 +7998,7 @@
               <a:buNone/>
               <a:tabLst/>
             </a:pPr>
-            <a:endParaRPr kumimoji="0" lang="es-ES" altLang="es-ES" sz="1800" b="0" i="0" u="none" strike="noStrike" cap="none" normalizeH="0" baseline="0" dirty="0" smtClean="0">
+            <a:endParaRPr kumimoji="0" lang="es-ES" altLang="es-ES" sz="1800" b="0" i="0" u="none" strike="noStrike" cap="none" normalizeH="0" baseline="0" dirty="0">
               <a:ln>
                 <a:noFill/>
               </a:ln>
@@ -8147,7 +8026,7 @@
               <a:buNone/>
               <a:tabLst/>
             </a:pPr>
-            <a:endParaRPr kumimoji="0" lang="es-ES" altLang="es-ES" sz="1000" b="0" i="0" u="none" strike="noStrike" cap="none" normalizeH="0" baseline="0" dirty="0" smtClean="0">
+            <a:endParaRPr kumimoji="0" lang="es-ES" altLang="es-ES" sz="1000" b="0" i="0" u="none" strike="noStrike" cap="none" normalizeH="0" baseline="0" dirty="0">
               <a:ln>
                 <a:noFill/>
               </a:ln>
@@ -8638,10 +8517,9 @@
           <a:lstStyle/>
           <a:p>
             <a:r>
-              <a:rPr lang="es-ES" dirty="0" smtClean="0"/>
+              <a:rPr lang="es-ES" dirty="0"/>
               <a:t>Identificación de Outliers</a:t>
             </a:r>
-            <a:endParaRPr lang="es-ES" dirty="0"/>
           </a:p>
         </p:txBody>
       </p:sp>
@@ -8671,29 +8549,29 @@
               <a:buNone/>
             </a:pPr>
             <a:r>
-              <a:rPr lang="es-ES" b="1" dirty="0" smtClean="0"/>
+              <a:rPr lang="es-ES" b="1" dirty="0"/>
               <a:t>Implementación en R </a:t>
             </a:r>
             <a:r>
-              <a:rPr lang="es-ES" b="1" dirty="0" smtClean="0">
+              <a:rPr lang="es-ES" b="1" dirty="0">
                 <a:sym typeface="Wingdings" panose="05000000000000000000" pitchFamily="2" charset="2"/>
               </a:rPr>
               <a:t> Determinar </a:t>
             </a:r>
             <a:r>
-              <a:rPr lang="es-ES" b="1" dirty="0" err="1" smtClean="0">
+              <a:rPr lang="es-ES" b="1" dirty="0" err="1">
                 <a:sym typeface="Wingdings" panose="05000000000000000000" pitchFamily="2" charset="2"/>
               </a:rPr>
               <a:t>Eps</a:t>
             </a:r>
             <a:r>
-              <a:rPr lang="es-ES" b="1" dirty="0" smtClean="0">
+              <a:rPr lang="es-ES" b="1" dirty="0">
                 <a:sym typeface="Wingdings" panose="05000000000000000000" pitchFamily="2" charset="2"/>
               </a:rPr>
               <a:t> y </a:t>
             </a:r>
             <a:r>
-              <a:rPr lang="es-ES" b="1" dirty="0" err="1" smtClean="0">
+              <a:rPr lang="es-ES" b="1" dirty="0" err="1">
                 <a:sym typeface="Wingdings" panose="05000000000000000000" pitchFamily="2" charset="2"/>
               </a:rPr>
               <a:t>Minpts</a:t>
@@ -8707,25 +8585,25 @@
               <a:buNone/>
             </a:pPr>
             <a:r>
-              <a:rPr lang="es-ES" b="1" dirty="0" err="1" smtClean="0">
+              <a:rPr lang="es-ES" b="1" dirty="0" err="1">
                 <a:sym typeface="Wingdings" panose="05000000000000000000" pitchFamily="2" charset="2"/>
               </a:rPr>
               <a:t>MinPts</a:t>
             </a:r>
             <a:r>
-              <a:rPr lang="es-ES" b="1" dirty="0" smtClean="0">
+              <a:rPr lang="es-ES" b="1" dirty="0">
                 <a:sym typeface="Wingdings" panose="05000000000000000000" pitchFamily="2" charset="2"/>
               </a:rPr>
               <a:t> se inicializa como el numero de dimensión del </a:t>
             </a:r>
             <a:r>
-              <a:rPr lang="es-ES" b="1" dirty="0" err="1" smtClean="0">
+              <a:rPr lang="es-ES" b="1" dirty="0" err="1">
                 <a:sym typeface="Wingdings" panose="05000000000000000000" pitchFamily="2" charset="2"/>
               </a:rPr>
               <a:t>dataset</a:t>
             </a:r>
             <a:r>
-              <a:rPr lang="es-ES" b="1" dirty="0" smtClean="0">
+              <a:rPr lang="es-ES" b="1" dirty="0">
                 <a:sym typeface="Wingdings" panose="05000000000000000000" pitchFamily="2" charset="2"/>
               </a:rPr>
               <a:t> + 1</a:t>
@@ -8762,23 +8640,23 @@
           <a:lstStyle/>
           <a:p>
             <a:r>
-              <a:rPr lang="es-ES" sz="3200" b="1" dirty="0" err="1" smtClean="0"/>
+              <a:rPr lang="es-ES" sz="3200" b="1" dirty="0" err="1"/>
               <a:t>Density</a:t>
             </a:r>
             <a:r>
-              <a:rPr lang="es-ES" sz="3200" b="1" dirty="0" smtClean="0"/>
+              <a:rPr lang="es-ES" sz="3200" b="1" dirty="0"/>
               <a:t> </a:t>
             </a:r>
             <a:r>
-              <a:rPr lang="es-ES" sz="3200" b="1" dirty="0" err="1" smtClean="0"/>
+              <a:rPr lang="es-ES" sz="3200" b="1" dirty="0" err="1"/>
               <a:t>Based</a:t>
             </a:r>
             <a:r>
-              <a:rPr lang="es-ES" sz="3200" b="1" dirty="0" smtClean="0"/>
+              <a:rPr lang="es-ES" sz="3200" b="1" dirty="0"/>
               <a:t> Clustering – DBSCAN (</a:t>
             </a:r>
             <a:r>
-              <a:rPr lang="en-GB" sz="3200" b="1" dirty="0" smtClean="0"/>
+              <a:rPr lang="en-GB" sz="3200" b="1" dirty="0"/>
               <a:t>Algorithm)</a:t>
             </a:r>
             <a:endParaRPr lang="es-ES" sz="3200" b="1" dirty="0"/>
@@ -8855,7 +8733,7 @@
               <a:buNone/>
               <a:tabLst/>
             </a:pPr>
-            <a:endParaRPr kumimoji="0" lang="es-ES" altLang="es-ES" sz="1800" b="0" i="0" u="none" strike="noStrike" cap="none" normalizeH="0" baseline="0" dirty="0" smtClean="0">
+            <a:endParaRPr kumimoji="0" lang="es-ES" altLang="es-ES" sz="1800" b="0" i="0" u="none" strike="noStrike" cap="none" normalizeH="0" baseline="0" dirty="0">
               <a:ln>
                 <a:noFill/>
               </a:ln>
@@ -8883,7 +8761,7 @@
               <a:buNone/>
               <a:tabLst/>
             </a:pPr>
-            <a:endParaRPr kumimoji="0" lang="es-ES" altLang="es-ES" sz="1000" b="0" i="0" u="none" strike="noStrike" cap="none" normalizeH="0" baseline="0" dirty="0" smtClean="0">
+            <a:endParaRPr kumimoji="0" lang="es-ES" altLang="es-ES" sz="1000" b="0" i="0" u="none" strike="noStrike" cap="none" normalizeH="0" baseline="0" dirty="0">
               <a:ln>
                 <a:noFill/>
               </a:ln>
@@ -9559,18 +9437,17 @@
           <a:lstStyle/>
           <a:p>
             <a:r>
-              <a:rPr lang="es-ES" dirty="0" smtClean="0"/>
+              <a:rPr lang="es-ES" dirty="0"/>
               <a:t>Algoritmos más Comunes: K-</a:t>
             </a:r>
             <a:r>
-              <a:rPr lang="es-ES" dirty="0" err="1" smtClean="0"/>
+              <a:rPr lang="es-ES" dirty="0" err="1"/>
               <a:t>means</a:t>
             </a:r>
             <a:r>
-              <a:rPr lang="es-ES" dirty="0" smtClean="0"/>
+              <a:rPr lang="es-ES" dirty="0"/>
               <a:t> </a:t>
             </a:r>
-            <a:endParaRPr lang="es-ES" dirty="0"/>
           </a:p>
         </p:txBody>
       </p:sp>
@@ -9595,26 +9472,9 @@
               <a:buNone/>
             </a:pPr>
             <a:r>
-              <a:rPr lang="es-ES" sz="3200" dirty="0" smtClean="0"/>
-              <a:t>“Este </a:t>
-            </a:r>
-            <a:r>
               <a:rPr lang="es-ES" sz="3200" dirty="0"/>
-              <a:t>algoritmo es parte de los algoritmos de agrupación en clústeres de particiones y es uno de los algoritmos de agrupación en clústeres más utilizados, probablemente debido a su robustez y flexibilidad. Algunos estudios ([5</a:t>
-            </a:r>
-            <a:r>
-              <a:rPr lang="es-ES" sz="3200" dirty="0" smtClean="0"/>
-              <a:t>]-[</a:t>
-            </a:r>
-            <a:r>
-              <a:rPr lang="es-ES" sz="3200" dirty="0"/>
-              <a:t>6]) muestran que este algoritmo es el más apropiado para la aplicación en la agrupación de perfiles eléctricos, por lo que es muy útil también en perfiles de demanda de </a:t>
-            </a:r>
-            <a:r>
-              <a:rPr lang="es-ES" sz="3200" dirty="0" smtClean="0"/>
-              <a:t>calor”</a:t>
-            </a:r>
-            <a:endParaRPr lang="es-ES" sz="3200" dirty="0"/>
+              <a:t>“Este algoritmo es parte de los algoritmos de agrupación en clústeres de particiones y es uno de los algoritmos de agrupación en clústeres más utilizados, probablemente debido a su robustez y flexibilidad. Algunos estudios ([5]-[6]) muestran que este algoritmo es el más apropiado para la aplicación en la agrupación de perfiles eléctricos, por lo que es muy útil también en perfiles de demanda de calor”</a:t>
+            </a:r>
           </a:p>
         </p:txBody>
       </p:sp>
@@ -9664,18 +9524,17 @@
           <a:lstStyle/>
           <a:p>
             <a:r>
-              <a:rPr lang="es-ES" dirty="0" smtClean="0"/>
+              <a:rPr lang="es-ES" dirty="0"/>
               <a:t>Algoritmos más Comunes: K-</a:t>
             </a:r>
             <a:r>
-              <a:rPr lang="es-ES" dirty="0" err="1" smtClean="0"/>
+              <a:rPr lang="es-ES" dirty="0" err="1"/>
               <a:t>means</a:t>
             </a:r>
             <a:r>
-              <a:rPr lang="es-ES" dirty="0" smtClean="0"/>
+              <a:rPr lang="es-ES" dirty="0"/>
               <a:t> </a:t>
             </a:r>
-            <a:endParaRPr lang="es-ES" dirty="0"/>
           </a:p>
         </p:txBody>
       </p:sp>
@@ -9710,11 +9569,11 @@
               <a:t>El algoritmo comienza con la selección aleatoria de K </a:t>
             </a:r>
             <a:r>
-              <a:rPr lang="es-ES" sz="2400" dirty="0" err="1" smtClean="0"/>
+              <a:rPr lang="es-ES" sz="2400" dirty="0" err="1"/>
               <a:t>centroides</a:t>
             </a:r>
             <a:r>
-              <a:rPr lang="es-ES" sz="2400" dirty="0" smtClean="0"/>
+              <a:rPr lang="es-ES" sz="2400" dirty="0"/>
               <a:t>.</a:t>
             </a:r>
           </a:p>
@@ -9724,12 +9583,8 @@
               <a:buAutoNum type="arabicPeriod"/>
             </a:pPr>
             <a:r>
-              <a:rPr lang="es-ES" sz="2400" dirty="0" smtClean="0"/>
-              <a:t>Cada </a:t>
-            </a:r>
-            <a:r>
               <a:rPr lang="es-ES" sz="2400" dirty="0"/>
-              <a:t>observación se asigna al </a:t>
+              <a:t>Cada observación se asigna al </a:t>
             </a:r>
             <a:r>
               <a:rPr lang="es-ES" sz="2400" dirty="0" err="1"/>
@@ -9740,11 +9595,11 @@
               <a:t> más cercano en función de la distancia de disimilitud entre la observación y el </a:t>
             </a:r>
             <a:r>
-              <a:rPr lang="es-ES" sz="2400" dirty="0" err="1" smtClean="0"/>
+              <a:rPr lang="es-ES" sz="2400" dirty="0" err="1"/>
               <a:t>centroide</a:t>
             </a:r>
             <a:r>
-              <a:rPr lang="es-ES" sz="2400" dirty="0" smtClean="0"/>
+              <a:rPr lang="es-ES" sz="2400" dirty="0"/>
               <a:t>.</a:t>
             </a:r>
           </a:p>
@@ -9754,7 +9609,7 @@
               <a:buAutoNum type="arabicPeriod"/>
             </a:pPr>
             <a:r>
-              <a:rPr lang="es-ES" sz="2400" dirty="0" smtClean="0"/>
+              <a:rPr lang="es-ES" sz="2400" dirty="0"/>
               <a:t>Los </a:t>
             </a:r>
             <a:r>
@@ -9763,11 +9618,7 @@
             </a:r>
             <a:r>
               <a:rPr lang="es-ES" sz="2400" dirty="0"/>
-              <a:t> de cada grupo se actualizan calculando el valor medio de las observaciones en el </a:t>
-            </a:r>
-            <a:r>
-              <a:rPr lang="es-ES" sz="2400" dirty="0" smtClean="0"/>
-              <a:t>grupo.</a:t>
+              <a:t> de cada grupo se actualizan calculando el valor medio de las observaciones en el grupo.</a:t>
             </a:r>
           </a:p>
           <a:p>
@@ -9783,7 +9634,7 @@
               <a:rPr lang="es-ES" sz="2400" dirty="0" err="1"/>
               <a:t>centroides</a:t>
             </a:r>
-            <a:endParaRPr lang="es-ES" sz="2400" dirty="0" smtClean="0"/>
+            <a:endParaRPr lang="es-ES" sz="2400" dirty="0"/>
           </a:p>
           <a:p>
             <a:pPr marL="514350" indent="-514350">
@@ -9881,18 +9732,17 @@
           <a:lstStyle/>
           <a:p>
             <a:r>
-              <a:rPr lang="es-ES" dirty="0" smtClean="0"/>
+              <a:rPr lang="es-ES" dirty="0"/>
               <a:t>Algoritmos más Comunes: K-</a:t>
             </a:r>
             <a:r>
-              <a:rPr lang="es-ES" dirty="0" err="1" smtClean="0"/>
+              <a:rPr lang="es-ES" dirty="0" err="1"/>
               <a:t>medoids</a:t>
             </a:r>
             <a:r>
-              <a:rPr lang="es-ES" dirty="0" smtClean="0"/>
+              <a:rPr lang="es-ES" dirty="0"/>
               <a:t> (PAM) </a:t>
             </a:r>
-            <a:endParaRPr lang="es-ES" dirty="0"/>
           </a:p>
         </p:txBody>
       </p:sp>
@@ -9923,45 +9773,24 @@
             </a:pPr>
             <a:r>
               <a:rPr lang="es-ES" sz="3200" dirty="0"/>
-              <a:t>“En la agrupación de </a:t>
-            </a:r>
-            <a:r>
-              <a:rPr lang="es-ES" sz="3200" dirty="0" smtClean="0"/>
-              <a:t>k-</a:t>
-            </a:r>
-            <a:r>
-              <a:rPr lang="es-ES" sz="3200" dirty="0" err="1" smtClean="0"/>
+              <a:t>“En la agrupación de k-</a:t>
+            </a:r>
+            <a:r>
+              <a:rPr lang="es-ES" sz="3200" dirty="0" err="1"/>
               <a:t>medoids</a:t>
             </a:r>
             <a:r>
               <a:rPr lang="es-ES" sz="3200" dirty="0"/>
-              <a:t>, cada grupo </a:t>
-            </a:r>
-            <a:r>
-              <a:rPr lang="es-ES" sz="3200" dirty="0" smtClean="0"/>
-              <a:t>está representado </a:t>
+              <a:t>, cada grupo está representado por uno de los puntos de datos en el grupo. Estos puntos se denominan </a:t>
+            </a:r>
+            <a:r>
+              <a:rPr lang="es-ES" sz="3200" dirty="0" err="1"/>
+              <a:t>medoids</a:t>
             </a:r>
             <a:r>
               <a:rPr lang="es-ES" sz="3200" dirty="0"/>
-              <a:t>por uno de los puntos de datos en el grupo. Estos puntos se denominan </a:t>
-            </a:r>
-            <a:r>
-              <a:rPr lang="es-ES" sz="3200" dirty="0" err="1" smtClean="0"/>
-              <a:t>medoids</a:t>
-            </a:r>
-            <a:r>
-              <a:rPr lang="es-ES" sz="3200" dirty="0" smtClean="0"/>
-              <a:t> </a:t>
-            </a:r>
-            <a:r>
-              <a:rPr lang="es-ES" sz="3200" dirty="0"/>
-              <a:t>de </a:t>
-            </a:r>
-            <a:r>
-              <a:rPr lang="es-ES" sz="3200" dirty="0" smtClean="0"/>
-              <a:t>clúster”</a:t>
-            </a:r>
-            <a:endParaRPr lang="es-ES" sz="3200" dirty="0"/>
+              <a:t> de clúster”</a:t>
+            </a:r>
           </a:p>
         </p:txBody>
       </p:sp>
@@ -10103,7 +9932,7 @@
               <a:t>Assign every object to its closest </a:t>
             </a:r>
             <a:r>
-              <a:rPr lang="en-US" sz="2400" dirty="0" err="1" smtClean="0"/>
+              <a:rPr lang="en-US" sz="2400" dirty="0" err="1"/>
               <a:t>medoid</a:t>
             </a:r>
             <a:endParaRPr lang="en-US" sz="2400" dirty="0"/>
@@ -10187,7 +10016,7 @@
           </a:lstStyle>
           <a:p>
             <a:r>
-              <a:rPr lang="es-ES" smtClean="0"/>
+              <a:rPr lang="es-ES"/>
               <a:t>Algoritmos más Comunes: K-medoids (PAM) </a:t>
             </a:r>
             <a:endParaRPr lang="es-ES" dirty="0"/>
@@ -10240,30 +10069,29 @@
           <a:lstStyle/>
           <a:p>
             <a:r>
-              <a:rPr lang="es-ES" dirty="0" err="1" smtClean="0"/>
+              <a:rPr lang="es-ES" dirty="0" err="1"/>
               <a:t>Cluster</a:t>
             </a:r>
             <a:r>
-              <a:rPr lang="es-ES" dirty="0" smtClean="0"/>
+              <a:rPr lang="es-ES" dirty="0"/>
               <a:t> </a:t>
             </a:r>
             <a:r>
-              <a:rPr lang="es-ES" dirty="0" err="1" smtClean="0"/>
+              <a:rPr lang="es-ES" dirty="0" err="1"/>
               <a:t>Validation</a:t>
             </a:r>
             <a:r>
-              <a:rPr lang="es-ES" dirty="0" smtClean="0"/>
+              <a:rPr lang="es-ES" dirty="0"/>
               <a:t> Indexes (</a:t>
             </a:r>
             <a:r>
-              <a:rPr lang="es-ES" dirty="0" err="1" smtClean="0"/>
+              <a:rPr lang="es-ES" dirty="0" err="1"/>
               <a:t>CVIs</a:t>
             </a:r>
             <a:r>
-              <a:rPr lang="es-ES" dirty="0" smtClean="0"/>
+              <a:rPr lang="es-ES" dirty="0"/>
               <a:t>)</a:t>
             </a:r>
-            <a:endParaRPr lang="es-ES" dirty="0"/>
           </a:p>
         </p:txBody>
       </p:sp>
@@ -10284,15 +10112,15 @@
           <a:p>
             <a:pPr algn="just"/>
             <a:r>
-              <a:rPr lang="es-ES" dirty="0" smtClean="0"/>
+              <a:rPr lang="es-ES" dirty="0"/>
               <a:t>Los índices de validación de clústeres o </a:t>
             </a:r>
             <a:r>
-              <a:rPr lang="es-ES" dirty="0" err="1" smtClean="0"/>
+              <a:rPr lang="es-ES" dirty="0" err="1"/>
               <a:t>CVIs</a:t>
             </a:r>
             <a:r>
-              <a:rPr lang="es-ES" dirty="0" smtClean="0"/>
+              <a:rPr lang="es-ES" dirty="0"/>
               <a:t> son índices matemáticos que se utilizan para evaluar cuantitativamente la calidad de los clústeres. Se clasifican:</a:t>
             </a:r>
           </a:p>
@@ -10303,14 +10131,9 @@
               <a:t>Externos</a:t>
             </a:r>
             <a:r>
-              <a:rPr lang="es-ES" dirty="0" smtClean="0"/>
-              <a:t>: Estos </a:t>
-            </a:r>
-            <a:r>
               <a:rPr lang="es-ES" dirty="0"/>
-              <a:t>índices utilizan datos etiquetados externos para calcular la eficacia del proceso de agrupación. Estos datos externos se consideran como la verdadera condición.</a:t>
-            </a:r>
-            <a:endParaRPr lang="es-ES" dirty="0" smtClean="0"/>
+              <a:t>: Estos índices utilizan datos etiquetados externos para calcular la eficacia del proceso de agrupación. Estos datos externos se consideran como la verdadera condición.</a:t>
+            </a:r>
           </a:p>
           <a:p>
             <a:pPr lvl="1" algn="just"/>
@@ -10319,14 +10142,9 @@
               <a:t>Internos: </a:t>
             </a:r>
             <a:r>
-              <a:rPr lang="es-ES" dirty="0" smtClean="0"/>
-              <a:t>utilizan </a:t>
-            </a:r>
-            <a:r>
               <a:rPr lang="es-ES" dirty="0"/>
-              <a:t>la información interna de los clústeres para evaluar este proceso de clasificación </a:t>
-            </a:r>
-            <a:endParaRPr lang="es-ES" dirty="0" smtClean="0"/>
+              <a:t>utilizan la información interna de los clústeres para evaluar este proceso de clasificación </a:t>
+            </a:r>
           </a:p>
         </p:txBody>
       </p:sp>
@@ -10376,30 +10194,29 @@
           <a:lstStyle/>
           <a:p>
             <a:r>
-              <a:rPr lang="es-ES" dirty="0" err="1" smtClean="0"/>
+              <a:rPr lang="es-ES" dirty="0" err="1"/>
               <a:t>Cluster</a:t>
             </a:r>
             <a:r>
-              <a:rPr lang="es-ES" dirty="0" smtClean="0"/>
+              <a:rPr lang="es-ES" dirty="0"/>
               <a:t> </a:t>
             </a:r>
             <a:r>
-              <a:rPr lang="es-ES" dirty="0" err="1" smtClean="0"/>
+              <a:rPr lang="es-ES" dirty="0" err="1"/>
               <a:t>Validation</a:t>
             </a:r>
             <a:r>
-              <a:rPr lang="es-ES" dirty="0" smtClean="0"/>
+              <a:rPr lang="es-ES" dirty="0"/>
               <a:t> Indexes (</a:t>
             </a:r>
             <a:r>
-              <a:rPr lang="es-ES" dirty="0" err="1" smtClean="0"/>
+              <a:rPr lang="es-ES" dirty="0" err="1"/>
               <a:t>CVIs</a:t>
             </a:r>
             <a:r>
-              <a:rPr lang="es-ES" dirty="0" smtClean="0"/>
+              <a:rPr lang="es-ES" dirty="0"/>
               <a:t>)</a:t>
             </a:r>
-            <a:endParaRPr lang="es-ES" dirty="0"/>
           </a:p>
         </p:txBody>
       </p:sp>
@@ -10479,13 +10296,8 @@
             </a:r>
             <a:r>
               <a:rPr lang="es-ES" dirty="0"/>
-              <a:t> de los </a:t>
-            </a:r>
-            <a:r>
-              <a:rPr lang="es-ES" dirty="0" smtClean="0"/>
-              <a:t>clúster.</a:t>
-            </a:r>
-            <a:endParaRPr lang="es-ES" dirty="0"/>
+              <a:t> de los clúster.</a:t>
+            </a:r>
           </a:p>
         </p:txBody>
       </p:sp>
@@ -10535,23 +10347,23 @@
           <a:lstStyle/>
           <a:p>
             <a:r>
-              <a:rPr lang="en-GB" dirty="0" err="1" smtClean="0"/>
+              <a:rPr lang="en-GB" dirty="0" err="1"/>
               <a:t>Adicional</a:t>
             </a:r>
             <a:r>
-              <a:rPr lang="en-GB" dirty="0" smtClean="0"/>
+              <a:rPr lang="en-GB" dirty="0"/>
               <a:t>: </a:t>
             </a:r>
             <a:r>
-              <a:rPr lang="en-GB" dirty="0" err="1" smtClean="0"/>
+              <a:rPr lang="en-GB" dirty="0" err="1"/>
               <a:t>Métodos</a:t>
             </a:r>
             <a:r>
-              <a:rPr lang="en-GB" dirty="0" smtClean="0"/>
+              <a:rPr lang="en-GB" dirty="0"/>
               <a:t> de </a:t>
             </a:r>
             <a:r>
-              <a:rPr lang="en-GB" dirty="0" err="1" smtClean="0"/>
+              <a:rPr lang="en-GB" dirty="0" err="1"/>
               <a:t>Imputación</a:t>
             </a:r>
             <a:endParaRPr lang="en-GB" dirty="0"/>
@@ -10579,55 +10391,55 @@
               <a:buNone/>
             </a:pPr>
             <a:r>
-              <a:rPr lang="es-ES" b="1" u="sng" dirty="0" err="1" smtClean="0"/>
+              <a:rPr lang="es-ES" b="1" u="sng" dirty="0" err="1"/>
               <a:t>Indice</a:t>
             </a:r>
             <a:r>
-              <a:rPr lang="es-ES" b="1" u="sng" dirty="0" smtClean="0"/>
+              <a:rPr lang="es-ES" b="1" u="sng" dirty="0"/>
               <a:t> de </a:t>
             </a:r>
             <a:r>
-              <a:rPr lang="es-ES" b="1" u="sng" dirty="0" err="1" smtClean="0"/>
+              <a:rPr lang="es-ES" b="1" u="sng" dirty="0" err="1"/>
               <a:t>Silhouette</a:t>
             </a:r>
             <a:r>
-              <a:rPr lang="es-ES" b="1" u="sng" dirty="0" smtClean="0"/>
+              <a:rPr lang="es-ES" b="1" u="sng" dirty="0"/>
               <a:t> </a:t>
             </a:r>
             <a:r>
-              <a:rPr lang="es-ES" b="1" u="sng" dirty="0" smtClean="0">
+              <a:rPr lang="es-ES" b="1" u="sng" dirty="0">
                 <a:sym typeface="Wingdings" panose="05000000000000000000" pitchFamily="2" charset="2"/>
               </a:rPr>
               <a:t> </a:t>
             </a:r>
             <a:r>
-              <a:rPr lang="es-ES" dirty="0" smtClean="0">
+              <a:rPr lang="es-ES" dirty="0">
                 <a:sym typeface="Wingdings" panose="05000000000000000000" pitchFamily="2" charset="2"/>
               </a:rPr>
               <a:t>Se busca </a:t>
             </a:r>
             <a:r>
-              <a:rPr lang="es-ES" b="1" dirty="0" smtClean="0">
+              <a:rPr lang="es-ES" b="1" dirty="0">
                 <a:sym typeface="Wingdings" panose="05000000000000000000" pitchFamily="2" charset="2"/>
               </a:rPr>
               <a:t>maximizar</a:t>
             </a:r>
             <a:r>
-              <a:rPr lang="es-ES" dirty="0" smtClean="0">
+              <a:rPr lang="es-ES" dirty="0">
                 <a:sym typeface="Wingdings" panose="05000000000000000000" pitchFamily="2" charset="2"/>
               </a:rPr>
               <a:t> el índice</a:t>
             </a:r>
-            <a:endParaRPr lang="es-ES" dirty="0" smtClean="0"/>
+            <a:endParaRPr lang="es-ES" dirty="0"/>
           </a:p>
           <a:p>
             <a:pPr marL="0" indent="0">
               <a:buNone/>
             </a:pPr>
-            <a:endParaRPr lang="es-ES" dirty="0" smtClean="0"/>
-          </a:p>
-          <a:p>
-            <a:endParaRPr lang="es-ES" dirty="0" smtClean="0"/>
+            <a:endParaRPr lang="es-ES" dirty="0"/>
+          </a:p>
+          <a:p>
+            <a:endParaRPr lang="es-ES" dirty="0"/>
           </a:p>
           <a:p>
             <a:endParaRPr lang="es-ES" dirty="0"/>
@@ -10641,15 +10453,15 @@
               <a:t>Índice de </a:t>
             </a:r>
             <a:r>
-              <a:rPr lang="es-ES" b="1" u="sng" dirty="0" err="1" smtClean="0"/>
+              <a:rPr lang="es-ES" b="1" u="sng" dirty="0" err="1"/>
               <a:t>Dunn</a:t>
             </a:r>
             <a:r>
-              <a:rPr lang="es-ES" b="1" u="sng" dirty="0" smtClean="0"/>
+              <a:rPr lang="es-ES" b="1" u="sng" dirty="0"/>
               <a:t> </a:t>
             </a:r>
             <a:r>
-              <a:rPr lang="es-ES" b="1" u="sng" dirty="0" smtClean="0">
+              <a:rPr lang="es-ES" b="1" u="sng" dirty="0">
                 <a:sym typeface="Wingdings" panose="05000000000000000000" pitchFamily="2" charset="2"/>
               </a:rPr>
               <a:t> </a:t>
@@ -10670,13 +10482,7 @@
               <a:rPr lang="es-ES" dirty="0">
                 <a:sym typeface="Wingdings" panose="05000000000000000000" pitchFamily="2" charset="2"/>
               </a:rPr>
-              <a:t> el </a:t>
-            </a:r>
-            <a:r>
-              <a:rPr lang="es-ES" dirty="0" smtClean="0">
-                <a:sym typeface="Wingdings" panose="05000000000000000000" pitchFamily="2" charset="2"/>
-              </a:rPr>
-              <a:t>índice</a:t>
+              <a:t> el índice</a:t>
             </a:r>
           </a:p>
           <a:p>
@@ -10692,20 +10498,16 @@
               <a:buNone/>
             </a:pPr>
             <a:r>
-              <a:rPr lang="es-ES" dirty="0" smtClean="0"/>
+              <a:rPr lang="es-ES" dirty="0"/>
               <a:t>		d</a:t>
             </a:r>
             <a:r>
-              <a:rPr lang="es-ES" baseline="-25000" dirty="0" smtClean="0"/>
+              <a:rPr lang="es-ES" baseline="-25000" dirty="0"/>
               <a:t>min</a:t>
             </a:r>
             <a:r>
-              <a:rPr lang="es-ES" dirty="0" smtClean="0"/>
-              <a:t> </a:t>
-            </a:r>
-            <a:r>
               <a:rPr lang="es-ES" dirty="0"/>
-              <a:t>la distancia mínima entre puntos de diferentes grupos</a:t>
+              <a:t> la distancia mínima entre puntos de diferentes grupos</a:t>
             </a:r>
           </a:p>
           <a:p>
@@ -10713,12 +10515,8 @@
               <a:buNone/>
             </a:pPr>
             <a:r>
-              <a:rPr lang="es-ES" dirty="0" smtClean="0"/>
-              <a:t>		y </a:t>
-            </a:r>
-            <a:r>
               <a:rPr lang="es-ES" dirty="0"/>
-              <a:t>d</a:t>
+              <a:t>		y d</a:t>
             </a:r>
             <a:r>
               <a:rPr lang="es-ES" baseline="-25000" dirty="0"/>
@@ -10802,7 +10600,7 @@
           <a:lstStyle/>
           <a:p>
             <a:r>
-              <a:rPr lang="es-ES" dirty="0" smtClean="0"/>
+              <a:rPr lang="es-ES" dirty="0"/>
               <a:t>Hay bastante matemática detrás. Para mas información: </a:t>
             </a:r>
           </a:p>
@@ -10811,19 +10609,12 @@
               <a:rPr lang="es-ES" dirty="0">
                 <a:hlinkClick r:id="rId4"/>
               </a:rPr>
-              <a:t>https://www.datanovia.com/en/lessons/cluster-validation-statistics-must-know-methods/#</a:t>
-            </a:r>
-            <a:r>
-              <a:rPr lang="es-ES" dirty="0" smtClean="0">
-                <a:hlinkClick r:id="rId4"/>
-              </a:rPr>
-              <a:t>silhouette-coefficient</a:t>
-            </a:r>
-            <a:r>
-              <a:rPr lang="es-ES" dirty="0" smtClean="0"/>
+              <a:t>https://www.datanovia.com/en/lessons/cluster-validation-statistics-must-know-methods/#silhouette-coefficient</a:t>
+            </a:r>
+            <a:r>
+              <a:rPr lang="es-ES" dirty="0"/>
               <a:t> </a:t>
             </a:r>
-            <a:endParaRPr lang="es-ES" dirty="0"/>
           </a:p>
         </p:txBody>
       </p:sp>
@@ -10873,23 +10664,23 @@
           <a:lstStyle/>
           <a:p>
             <a:r>
-              <a:rPr lang="en-GB" dirty="0" err="1" smtClean="0"/>
+              <a:rPr lang="en-GB" dirty="0" err="1"/>
               <a:t>Adicional</a:t>
             </a:r>
             <a:r>
-              <a:rPr lang="en-GB" dirty="0" smtClean="0"/>
+              <a:rPr lang="en-GB" dirty="0"/>
               <a:t>: </a:t>
             </a:r>
             <a:r>
-              <a:rPr lang="en-GB" dirty="0" err="1" smtClean="0"/>
+              <a:rPr lang="en-GB" dirty="0" err="1"/>
               <a:t>Métodos</a:t>
             </a:r>
             <a:r>
-              <a:rPr lang="en-GB" dirty="0" smtClean="0"/>
+              <a:rPr lang="en-GB" dirty="0"/>
               <a:t> de </a:t>
             </a:r>
             <a:r>
-              <a:rPr lang="en-GB" dirty="0" err="1" smtClean="0"/>
+              <a:rPr lang="en-GB" dirty="0" err="1"/>
               <a:t>Imputación</a:t>
             </a:r>
             <a:endParaRPr lang="en-GB" dirty="0"/>
@@ -10961,14 +10752,13 @@
           <a:lstStyle/>
           <a:p>
             <a:r>
-              <a:rPr lang="en-GB" dirty="0" err="1" smtClean="0"/>
+              <a:rPr lang="en-GB" dirty="0" err="1"/>
               <a:t>Conclusiones</a:t>
             </a:r>
             <a:r>
-              <a:rPr lang="en-GB" dirty="0" smtClean="0"/>
+              <a:rPr lang="en-GB" dirty="0"/>
               <a:t> Finales</a:t>
             </a:r>
-            <a:endParaRPr lang="en-GB" dirty="0"/>
           </a:p>
         </p:txBody>
       </p:sp>
@@ -11037,22 +10827,21 @@
           <a:lstStyle/>
           <a:p>
             <a:r>
-              <a:rPr lang="en-GB" dirty="0" err="1" smtClean="0"/>
+              <a:rPr lang="en-GB" dirty="0" err="1"/>
               <a:t>Concepto</a:t>
             </a:r>
             <a:r>
-              <a:rPr lang="en-GB" dirty="0" smtClean="0"/>
+              <a:rPr lang="en-GB" dirty="0"/>
               <a:t> </a:t>
             </a:r>
             <a:r>
-              <a:rPr lang="en-GB" dirty="0" err="1" smtClean="0"/>
+              <a:rPr lang="en-GB" dirty="0" err="1"/>
               <a:t>Práctica</a:t>
             </a:r>
             <a:r>
-              <a:rPr lang="en-GB" dirty="0" smtClean="0"/>
+              <a:rPr lang="en-GB" dirty="0"/>
               <a:t> 4 </a:t>
             </a:r>
-            <a:endParaRPr lang="en-GB" dirty="0"/>
           </a:p>
         </p:txBody>
       </p:sp>
@@ -11072,50 +10861,46 @@
           <a:lstStyle/>
           <a:p>
             <a:r>
-              <a:rPr lang="es-ES" dirty="0" smtClean="0"/>
+              <a:rPr lang="es-ES" dirty="0"/>
               <a:t>Análisis e identificación de outliers de perfiles de temperatura de suministro de un </a:t>
             </a:r>
             <a:r>
-              <a:rPr lang="es-ES" dirty="0" err="1" smtClean="0"/>
+              <a:rPr lang="es-ES" dirty="0" err="1"/>
               <a:t>district-heating</a:t>
             </a:r>
             <a:r>
               <a:rPr lang="es-ES" dirty="0"/>
-              <a:t> </a:t>
-            </a:r>
-            <a:r>
-              <a:rPr lang="es-ES" dirty="0" smtClean="0"/>
-              <a:t>o red de distrito.</a:t>
-            </a:r>
-          </a:p>
-          <a:p>
-            <a:r>
-              <a:rPr lang="es-ES" dirty="0" smtClean="0"/>
+              <a:t> o red de distrito.</a:t>
+            </a:r>
+          </a:p>
+          <a:p>
+            <a:r>
+              <a:rPr lang="es-ES" dirty="0"/>
               <a:t>Análisis de clustering no-supervisado usando k-</a:t>
             </a:r>
             <a:r>
-              <a:rPr lang="es-ES" dirty="0" err="1" smtClean="0"/>
+              <a:rPr lang="es-ES" dirty="0" err="1"/>
               <a:t>means</a:t>
             </a:r>
             <a:r>
-              <a:rPr lang="es-ES" dirty="0" smtClean="0"/>
+              <a:rPr lang="es-ES" dirty="0"/>
               <a:t> de los perfiles de uno de los edificios</a:t>
             </a:r>
           </a:p>
           <a:p>
             <a:r>
-              <a:rPr lang="es-ES" dirty="0" smtClean="0"/>
+              <a:rPr lang="es-ES" dirty="0"/>
               <a:t>Validación de clústeres</a:t>
             </a:r>
           </a:p>
           <a:p>
             <a:r>
-              <a:rPr lang="es-ES" dirty="0" smtClean="0"/>
+              <a:rPr lang="es-ES" dirty="0"/>
               <a:t>Plotear los clústeres </a:t>
             </a:r>
           </a:p>
           <a:p>
-            <a:endParaRPr lang="es-ES" dirty="0" smtClean="0"/>
+            <a:endParaRPr lang="es-ES" dirty="0"/>
           </a:p>
           <a:p>
             <a:endParaRPr lang="es-ES" dirty="0"/>
@@ -11476,12 +11261,16 @@
             <a:graphicFrameLocks noGrp="1"/>
           </p:cNvGraphicFramePr>
           <p:nvPr>
-            <p:extLst/>
+            <p:extLst>
+              <p:ext uri="{D42A27DB-BD31-4B8C-83A1-F6EECF244321}">
+                <p14:modId xmlns:p14="http://schemas.microsoft.com/office/powerpoint/2010/main" val="2924436976"/>
+              </p:ext>
+            </p:extLst>
           </p:nvPr>
         </p:nvGraphicFramePr>
         <p:xfrm>
           <a:off x="965790" y="1260825"/>
-          <a:ext cx="10857615" cy="4881880"/>
+          <a:ext cx="10857615" cy="4638040"/>
         </p:xfrm>
         <a:graphic>
           <a:graphicData uri="http://schemas.openxmlformats.org/drawingml/2006/table">
@@ -11574,18 +11363,10 @@
                     </a:p>
                     <a:p>
                       <a:r>
-                        <a:rPr lang="es-ES" sz="1600" dirty="0">
-                          <a:highlight>
-                            <a:srgbClr val="FFFF00"/>
-                          </a:highlight>
-                        </a:rPr>
-                        <a:t>(FECHAS Y HORARIOS)</a:t>
+                        <a:rPr lang="es-ES" sz="1600" dirty="0"/>
+                        <a:t>2021/11/09</a:t>
                       </a:r>
-                      <a:endParaRPr lang="en-GB" sz="1600" dirty="0">
-                        <a:highlight>
-                          <a:srgbClr val="FFFF00"/>
-                        </a:highlight>
-                      </a:endParaRPr>
+                      <a:endParaRPr lang="en-GB" sz="1600" dirty="0"/>
                     </a:p>
                   </a:txBody>
                   <a:tcPr/>
@@ -11789,36 +11570,11 @@
                       </a:r>
                     </a:p>
                     <a:p>
-                      <a:pPr marL="0" marR="0" lvl="0" indent="0" algn="l" defTabSz="914400" rtl="0" eaLnBrk="1" fontAlgn="auto" latinLnBrk="0" hangingPunct="1">
-                        <a:lnSpc>
-                          <a:spcPct val="100000"/>
-                        </a:lnSpc>
-                        <a:spcBef>
-                          <a:spcPts val="0"/>
-                        </a:spcBef>
-                        <a:spcAft>
-                          <a:spcPts val="0"/>
-                        </a:spcAft>
-                        <a:buClrTx/>
-                        <a:buSzTx/>
-                        <a:buFontTx/>
-                        <a:buNone/>
-                        <a:tabLst/>
-                        <a:defRPr/>
-                      </a:pPr>
                       <a:r>
-                        <a:rPr lang="es-ES" sz="1600" dirty="0">
-                          <a:highlight>
-                            <a:srgbClr val="FFFF00"/>
-                          </a:highlight>
-                        </a:rPr>
-                        <a:t>(FECHAS Y HORARIOS)</a:t>
+                        <a:rPr lang="es-ES" sz="1600" dirty="0"/>
+                        <a:t>2021/11/16</a:t>
                       </a:r>
-                      <a:endParaRPr lang="en-GB" sz="1600" dirty="0">
-                        <a:highlight>
-                          <a:srgbClr val="FFFF00"/>
-                        </a:highlight>
-                      </a:endParaRPr>
+                      <a:endParaRPr lang="en-GB" sz="1600" dirty="0"/>
                     </a:p>
                   </a:txBody>
                   <a:tcPr/>
@@ -11947,36 +11703,11 @@
                       </a:r>
                     </a:p>
                     <a:p>
-                      <a:pPr marL="0" marR="0" lvl="0" indent="0" algn="l" defTabSz="914400" rtl="0" eaLnBrk="1" fontAlgn="auto" latinLnBrk="0" hangingPunct="1">
-                        <a:lnSpc>
-                          <a:spcPct val="100000"/>
-                        </a:lnSpc>
-                        <a:spcBef>
-                          <a:spcPts val="0"/>
-                        </a:spcBef>
-                        <a:spcAft>
-                          <a:spcPts val="0"/>
-                        </a:spcAft>
-                        <a:buClrTx/>
-                        <a:buSzTx/>
-                        <a:buFontTx/>
-                        <a:buNone/>
-                        <a:tabLst/>
-                        <a:defRPr/>
-                      </a:pPr>
                       <a:r>
-                        <a:rPr lang="es-ES" sz="1600" dirty="0">
-                          <a:highlight>
-                            <a:srgbClr val="FFFF00"/>
-                          </a:highlight>
-                        </a:rPr>
-                        <a:t>(FECHAS Y HORARIOS)</a:t>
+                        <a:rPr lang="es-ES" sz="1600" dirty="0"/>
+                        <a:t>2021/11/23</a:t>
                       </a:r>
-                      <a:endParaRPr lang="en-GB" sz="1600" dirty="0">
-                        <a:highlight>
-                          <a:srgbClr val="FFFF00"/>
-                        </a:highlight>
-                      </a:endParaRPr>
+                      <a:endParaRPr lang="en-GB" sz="1600" dirty="0"/>
                     </a:p>
                   </a:txBody>
                   <a:tcPr/>
@@ -12134,18 +11865,9 @@
                     <a:lstStyle/>
                     <a:p>
                       <a:r>
-                        <a:rPr lang="es-ES" sz="1600" dirty="0">
-                          <a:highlight>
-                            <a:srgbClr val="FFFF00"/>
-                          </a:highlight>
-                        </a:rPr>
-                        <a:t>CONTENIDO</a:t>
+                        <a:rPr lang="es-ES" sz="1600" dirty="0"/>
+                        <a:t>Análisis de cargas térmicas de un edificio</a:t>
                       </a:r>
-                      <a:endParaRPr lang="en-GB" sz="1600" dirty="0">
-                        <a:highlight>
-                          <a:srgbClr val="FFFF00"/>
-                        </a:highlight>
-                      </a:endParaRPr>
                     </a:p>
                   </a:txBody>
                   <a:tcPr/>
@@ -12186,18 +11908,10 @@
                         <a:defRPr/>
                       </a:pPr>
                       <a:r>
-                        <a:rPr lang="es-ES" sz="1600" dirty="0">
-                          <a:highlight>
-                            <a:srgbClr val="FFFF00"/>
-                          </a:highlight>
-                        </a:rPr>
-                        <a:t>(FECHAS Y HORARIOS)</a:t>
+                        <a:rPr lang="es-ES" sz="1600" dirty="0"/>
+                        <a:t>2021/11/30</a:t>
                       </a:r>
-                      <a:endParaRPr lang="en-GB" sz="1600" dirty="0">
-                        <a:highlight>
-                          <a:srgbClr val="FFFF00"/>
-                        </a:highlight>
-                      </a:endParaRPr>
+                      <a:endParaRPr lang="en-GB" sz="1600" dirty="0"/>
                     </a:p>
                   </a:txBody>
                   <a:tcPr/>
@@ -12519,11 +12233,11 @@
               <a:buNone/>
             </a:pPr>
             <a:r>
-              <a:rPr lang="es-ES" sz="2000" b="1" dirty="0" smtClean="0"/>
+              <a:rPr lang="es-ES" sz="2000" b="1" dirty="0"/>
               <a:t>Mikel LUMBRERAS MUGAGUREN,</a:t>
             </a:r>
             <a:r>
-              <a:rPr lang="es-ES" sz="2000" dirty="0" smtClean="0"/>
+              <a:rPr lang="es-ES" sz="2000" dirty="0"/>
               <a:t> </a:t>
             </a:r>
             <a:r>
@@ -12539,150 +12253,147 @@
               <a:t> </a:t>
             </a:r>
             <a:r>
-              <a:rPr lang="en-GB" sz="2000" dirty="0" err="1" smtClean="0">
+              <a:rPr lang="en-GB" sz="2000" dirty="0" err="1">
                 <a:ea typeface="Times New Roman" panose="02020603050405020304" pitchFamily="18" charset="0"/>
               </a:rPr>
               <a:t>Predoctoral</a:t>
             </a:r>
             <a:r>
-              <a:rPr lang="en-GB" sz="2000" dirty="0" smtClean="0">
+              <a:rPr lang="en-GB" sz="2000" dirty="0">
                 <a:ea typeface="Times New Roman" panose="02020603050405020304" pitchFamily="18" charset="0"/>
               </a:rPr>
               <a:t> </a:t>
             </a:r>
             <a:r>
-              <a:rPr lang="en-GB" sz="2000" dirty="0" err="1" smtClean="0">
+              <a:rPr lang="en-GB" sz="2000" dirty="0" err="1">
                 <a:ea typeface="Times New Roman" panose="02020603050405020304" pitchFamily="18" charset="0"/>
               </a:rPr>
               <a:t>en</a:t>
             </a:r>
             <a:r>
-              <a:rPr lang="en-GB" sz="2000" dirty="0" smtClean="0">
+              <a:rPr lang="en-GB" sz="2000" dirty="0">
                 <a:ea typeface="Times New Roman" panose="02020603050405020304" pitchFamily="18" charset="0"/>
               </a:rPr>
               <a:t> ENEDI, </a:t>
             </a:r>
             <a:r>
-              <a:rPr lang="en-GB" sz="2000" dirty="0" err="1" smtClean="0">
+              <a:rPr lang="en-GB" sz="2000" dirty="0" err="1">
                 <a:ea typeface="Times New Roman" panose="02020603050405020304" pitchFamily="18" charset="0"/>
               </a:rPr>
               <a:t>Departamento</a:t>
             </a:r>
             <a:r>
-              <a:rPr lang="en-GB" sz="2000" dirty="0" smtClean="0">
+              <a:rPr lang="en-GB" sz="2000" dirty="0">
                 <a:ea typeface="Times New Roman" panose="02020603050405020304" pitchFamily="18" charset="0"/>
               </a:rPr>
               <a:t> de </a:t>
             </a:r>
             <a:r>
-              <a:rPr lang="en-GB" sz="2000" dirty="0" err="1" smtClean="0">
+              <a:rPr lang="en-GB" sz="2000" dirty="0" err="1">
                 <a:ea typeface="Times New Roman" panose="02020603050405020304" pitchFamily="18" charset="0"/>
               </a:rPr>
               <a:t>Ingeniería</a:t>
             </a:r>
             <a:r>
-              <a:rPr lang="en-GB" sz="2000" dirty="0" smtClean="0">
+              <a:rPr lang="en-GB" sz="2000" dirty="0">
                 <a:ea typeface="Times New Roman" panose="02020603050405020304" pitchFamily="18" charset="0"/>
               </a:rPr>
               <a:t> </a:t>
             </a:r>
             <a:r>
-              <a:rPr lang="en-GB" sz="2000" dirty="0" err="1" smtClean="0">
+              <a:rPr lang="en-GB" sz="2000" dirty="0" err="1">
                 <a:ea typeface="Times New Roman" panose="02020603050405020304" pitchFamily="18" charset="0"/>
               </a:rPr>
               <a:t>Energetica</a:t>
-            </a:r>
-            <a:endParaRPr lang="en-GB" sz="2000" dirty="0" smtClean="0">
-              <a:ea typeface="Times New Roman" panose="02020603050405020304" pitchFamily="18" charset="0"/>
-            </a:endParaRPr>
-          </a:p>
-          <a:p>
-            <a:pPr marL="0" indent="0">
-              <a:buNone/>
-            </a:pPr>
-            <a:r>
-              <a:rPr lang="en-GB" sz="2000" dirty="0" err="1" smtClean="0">
-                <a:ea typeface="Times New Roman" panose="02020603050405020304" pitchFamily="18" charset="0"/>
-              </a:rPr>
-              <a:t>Máster</a:t>
-            </a:r>
-            <a:r>
-              <a:rPr lang="en-GB" sz="2000" dirty="0" smtClean="0">
-                <a:ea typeface="Times New Roman" panose="02020603050405020304" pitchFamily="18" charset="0"/>
-              </a:rPr>
-              <a:t> </a:t>
-            </a:r>
-            <a:r>
-              <a:rPr lang="en-GB" sz="2000" dirty="0" err="1" smtClean="0">
-                <a:ea typeface="Times New Roman" panose="02020603050405020304" pitchFamily="18" charset="0"/>
-              </a:rPr>
-              <a:t>en</a:t>
-            </a:r>
-            <a:r>
-              <a:rPr lang="en-GB" sz="2000" dirty="0" smtClean="0">
-                <a:ea typeface="Times New Roman" panose="02020603050405020304" pitchFamily="18" charset="0"/>
-              </a:rPr>
-              <a:t> </a:t>
-            </a:r>
-            <a:r>
-              <a:rPr lang="en-GB" sz="2000" dirty="0" err="1" smtClean="0">
-                <a:ea typeface="Times New Roman" panose="02020603050405020304" pitchFamily="18" charset="0"/>
-              </a:rPr>
-              <a:t>Ingeniería</a:t>
-            </a:r>
-            <a:r>
-              <a:rPr lang="en-GB" sz="2000" dirty="0" smtClean="0">
-                <a:ea typeface="Times New Roman" panose="02020603050405020304" pitchFamily="18" charset="0"/>
-              </a:rPr>
-              <a:t> Industrial </a:t>
-            </a:r>
-            <a:r>
-              <a:rPr lang="en-GB" sz="2000" dirty="0" err="1" smtClean="0">
-                <a:ea typeface="Times New Roman" panose="02020603050405020304" pitchFamily="18" charset="0"/>
-              </a:rPr>
-              <a:t>especialización</a:t>
-            </a:r>
-            <a:r>
-              <a:rPr lang="en-GB" sz="2000" dirty="0" smtClean="0">
-                <a:ea typeface="Times New Roman" panose="02020603050405020304" pitchFamily="18" charset="0"/>
-              </a:rPr>
-              <a:t> de </a:t>
-            </a:r>
-            <a:r>
-              <a:rPr lang="en-GB" sz="2000" dirty="0" err="1" smtClean="0">
-                <a:ea typeface="Times New Roman" panose="02020603050405020304" pitchFamily="18" charset="0"/>
-              </a:rPr>
-              <a:t>Ingeniería</a:t>
-            </a:r>
-            <a:r>
-              <a:rPr lang="en-GB" sz="2000" dirty="0" smtClean="0">
-                <a:ea typeface="Times New Roman" panose="02020603050405020304" pitchFamily="18" charset="0"/>
-              </a:rPr>
-              <a:t> </a:t>
-            </a:r>
-            <a:r>
-              <a:rPr lang="en-GB" sz="2000" dirty="0" err="1" smtClean="0">
-                <a:ea typeface="Times New Roman" panose="02020603050405020304" pitchFamily="18" charset="0"/>
-              </a:rPr>
-              <a:t>Termoenergética</a:t>
-            </a:r>
-            <a:endParaRPr lang="en-GB" sz="2000" dirty="0" smtClean="0">
-              <a:ea typeface="Times New Roman" panose="02020603050405020304" pitchFamily="18" charset="0"/>
-            </a:endParaRPr>
-          </a:p>
-          <a:p>
-            <a:pPr marL="0" indent="0">
-              <a:buNone/>
-            </a:pPr>
-            <a:r>
-              <a:rPr lang="en-GB" sz="2000" dirty="0" smtClean="0">
-                <a:ea typeface="Times New Roman" panose="02020603050405020304" pitchFamily="18" charset="0"/>
-              </a:rPr>
-              <a:t> </a:t>
             </a:r>
             <a:endParaRPr lang="en-GB" sz="2000" dirty="0">
               <a:ea typeface="Times New Roman" panose="02020603050405020304" pitchFamily="18" charset="0"/>
             </a:endParaRPr>
+          </a:p>
+          <a:p>
+            <a:pPr marL="0" indent="0">
+              <a:buNone/>
+            </a:pPr>
+            <a:r>
+              <a:rPr lang="en-GB" sz="2000" dirty="0" err="1">
+                <a:ea typeface="Times New Roman" panose="02020603050405020304" pitchFamily="18" charset="0"/>
+              </a:rPr>
+              <a:t>Máster</a:t>
+            </a:r>
+            <a:r>
+              <a:rPr lang="en-GB" sz="2000" dirty="0">
+                <a:ea typeface="Times New Roman" panose="02020603050405020304" pitchFamily="18" charset="0"/>
+              </a:rPr>
+              <a:t> </a:t>
+            </a:r>
+            <a:r>
+              <a:rPr lang="en-GB" sz="2000" dirty="0" err="1">
+                <a:ea typeface="Times New Roman" panose="02020603050405020304" pitchFamily="18" charset="0"/>
+              </a:rPr>
+              <a:t>en</a:t>
+            </a:r>
+            <a:r>
+              <a:rPr lang="en-GB" sz="2000" dirty="0">
+                <a:ea typeface="Times New Roman" panose="02020603050405020304" pitchFamily="18" charset="0"/>
+              </a:rPr>
+              <a:t> </a:t>
+            </a:r>
+            <a:r>
+              <a:rPr lang="en-GB" sz="2000" dirty="0" err="1">
+                <a:ea typeface="Times New Roman" panose="02020603050405020304" pitchFamily="18" charset="0"/>
+              </a:rPr>
+              <a:t>Ingeniería</a:t>
+            </a:r>
+            <a:r>
+              <a:rPr lang="en-GB" sz="2000" dirty="0">
+                <a:ea typeface="Times New Roman" panose="02020603050405020304" pitchFamily="18" charset="0"/>
+              </a:rPr>
+              <a:t> Industrial </a:t>
+            </a:r>
+            <a:r>
+              <a:rPr lang="en-GB" sz="2000" dirty="0" err="1">
+                <a:ea typeface="Times New Roman" panose="02020603050405020304" pitchFamily="18" charset="0"/>
+              </a:rPr>
+              <a:t>especialización</a:t>
+            </a:r>
+            <a:r>
+              <a:rPr lang="en-GB" sz="2000" dirty="0">
+                <a:ea typeface="Times New Roman" panose="02020603050405020304" pitchFamily="18" charset="0"/>
+              </a:rPr>
+              <a:t> de </a:t>
+            </a:r>
+            <a:r>
+              <a:rPr lang="en-GB" sz="2000" dirty="0" err="1">
+                <a:ea typeface="Times New Roman" panose="02020603050405020304" pitchFamily="18" charset="0"/>
+              </a:rPr>
+              <a:t>Ingeniería</a:t>
+            </a:r>
+            <a:r>
+              <a:rPr lang="en-GB" sz="2000" dirty="0">
+                <a:ea typeface="Times New Roman" panose="02020603050405020304" pitchFamily="18" charset="0"/>
+              </a:rPr>
+              <a:t> </a:t>
+            </a:r>
+            <a:r>
+              <a:rPr lang="en-GB" sz="2000" dirty="0" err="1">
+                <a:ea typeface="Times New Roman" panose="02020603050405020304" pitchFamily="18" charset="0"/>
+              </a:rPr>
+              <a:t>Termoenergética</a:t>
+            </a:r>
+            <a:endParaRPr lang="en-GB" sz="2000" dirty="0">
+              <a:ea typeface="Times New Roman" panose="02020603050405020304" pitchFamily="18" charset="0"/>
+            </a:endParaRPr>
+          </a:p>
+          <a:p>
+            <a:pPr marL="0" indent="0">
+              <a:buNone/>
+            </a:pPr>
+            <a:r>
+              <a:rPr lang="en-GB" sz="2000" dirty="0">
+                <a:ea typeface="Times New Roman" panose="02020603050405020304" pitchFamily="18" charset="0"/>
+              </a:rPr>
+              <a:t> </a:t>
+            </a:r>
           </a:p>
           <a:p>
             <a:pPr marL="0" indent="0" algn="just">
@@ -12714,17 +12425,7 @@
                 <a:ea typeface="Times New Roman" panose="02020603050405020304" pitchFamily="18" charset="0"/>
                 <a:hlinkClick r:id="rId2"/>
               </a:rPr>
-              <a:t>https://</a:t>
-            </a:r>
-            <a:r>
-              <a:rPr lang="en-GB" sz="2000" u="sng" dirty="0" smtClean="0">
-                <a:solidFill>
-                  <a:srgbClr val="0000FF"/>
-                </a:solidFill>
-                <a:ea typeface="Times New Roman" panose="02020603050405020304" pitchFamily="18" charset="0"/>
-                <a:hlinkClick r:id="rId2"/>
-              </a:rPr>
-              <a:t>orcid.org/0000-0002-1339-7049</a:t>
+              <a:t>https://orcid.org/0000-0002-1339-7049</a:t>
             </a:r>
             <a:endParaRPr lang="en-GB" sz="2000" u="sng" dirty="0">
               <a:solidFill>
@@ -13787,14 +13488,13 @@
           <a:lstStyle/>
           <a:p>
             <a:r>
-              <a:rPr lang="es-ES" sz="4800" b="1" u="sng" dirty="0" smtClean="0"/>
+              <a:rPr lang="es-ES" sz="4800" b="1" u="sng" dirty="0"/>
               <a:t>Módulo 4: </a:t>
             </a:r>
             <a:r>
-              <a:rPr lang="es-ES" sz="4800" dirty="0" smtClean="0"/>
+              <a:rPr lang="es-ES" sz="4800" dirty="0"/>
               <a:t>Clusterización No Supervisada y Métodos de Imputación</a:t>
             </a:r>
-            <a:endParaRPr lang="es-ES" sz="4800" dirty="0"/>
           </a:p>
         </p:txBody>
       </p:sp>
@@ -13944,10 +13644,9 @@
           <a:lstStyle/>
           <a:p>
             <a:r>
-              <a:rPr lang="es-ES" dirty="0" smtClean="0"/>
+              <a:rPr lang="es-ES" dirty="0"/>
               <a:t>Índice Clase 4</a:t>
             </a:r>
-            <a:endParaRPr lang="es-ES" dirty="0"/>
           </a:p>
         </p:txBody>
       </p:sp>
@@ -13967,46 +13666,45 @@
           <a:lstStyle/>
           <a:p>
             <a:r>
-              <a:rPr lang="es-ES" dirty="0" smtClean="0"/>
+              <a:rPr lang="es-ES" dirty="0"/>
               <a:t>Introducción y Objetivos</a:t>
             </a:r>
           </a:p>
           <a:p>
             <a:r>
-              <a:rPr lang="es-ES" dirty="0" smtClean="0"/>
+              <a:rPr lang="es-ES" dirty="0"/>
               <a:t>Clasificación No-Supervisada vs Supervisada</a:t>
             </a:r>
           </a:p>
           <a:p>
             <a:r>
-              <a:rPr lang="es-ES" dirty="0" smtClean="0"/>
+              <a:rPr lang="es-ES" dirty="0"/>
               <a:t>Identificación de Outliers</a:t>
             </a:r>
           </a:p>
           <a:p>
             <a:r>
-              <a:rPr lang="es-ES" dirty="0" smtClean="0"/>
+              <a:rPr lang="es-ES" dirty="0"/>
               <a:t>Algoritmos Más Comunes de clustering</a:t>
             </a:r>
           </a:p>
           <a:p>
             <a:r>
-              <a:rPr lang="es-ES" dirty="0" smtClean="0"/>
+              <a:rPr lang="es-ES" dirty="0"/>
               <a:t>Validación de clústeres no-supervisados</a:t>
             </a:r>
           </a:p>
           <a:p>
             <a:r>
-              <a:rPr lang="es-ES" dirty="0" smtClean="0"/>
+              <a:rPr lang="es-ES" dirty="0"/>
               <a:t>Extra: Métodos de Imputación</a:t>
             </a:r>
           </a:p>
           <a:p>
             <a:r>
-              <a:rPr lang="es-ES" dirty="0" smtClean="0"/>
+              <a:rPr lang="es-ES" dirty="0"/>
               <a:t>Introducción a la práctica </a:t>
             </a:r>
-            <a:endParaRPr lang="es-ES" dirty="0"/>
           </a:p>
         </p:txBody>
       </p:sp>
@@ -14056,65 +13754,64 @@
           <a:lstStyle/>
           <a:p>
             <a:r>
-              <a:rPr lang="es-ES" dirty="0" smtClean="0"/>
+              <a:rPr lang="es-ES" dirty="0"/>
               <a:t>Objetivos Módulo 4</a:t>
             </a:r>
+          </a:p>
+        </p:txBody>
+      </p:sp>
+      <p:sp>
+        <p:nvSpPr>
+          <p:cNvPr id="3" name="Marcador de contenido 2"/>
+          <p:cNvSpPr>
+            <a:spLocks noGrp="1"/>
+          </p:cNvSpPr>
+          <p:nvPr>
+            <p:ph idx="1"/>
+          </p:nvPr>
+        </p:nvSpPr>
+        <p:spPr/>
+        <p:txBody>
+          <a:bodyPr/>
+          <a:lstStyle/>
+          <a:p>
+            <a:r>
+              <a:rPr lang="es-ES" dirty="0"/>
+              <a:t>Definir qué es el clustering no-supervisado</a:t>
+            </a:r>
+          </a:p>
+          <a:p>
+            <a:r>
+              <a:rPr lang="es-ES" dirty="0"/>
+              <a:t>Ver los algoritmos más comunes</a:t>
+            </a:r>
+          </a:p>
+          <a:p>
+            <a:r>
+              <a:rPr lang="es-ES" dirty="0"/>
+              <a:t>Identificar posibles aplicaciones: Identificación de outliers</a:t>
+            </a:r>
+          </a:p>
+          <a:p>
+            <a:r>
+              <a:rPr lang="es-ES" dirty="0"/>
+              <a:t>Estudiar la validación de clústeres no supervisados</a:t>
+            </a:r>
+          </a:p>
+          <a:p>
+            <a:r>
+              <a:rPr lang="es-ES" dirty="0"/>
+              <a:t>Definir qué son los métodos de imputación</a:t>
+            </a:r>
+          </a:p>
+          <a:p>
             <a:endParaRPr lang="es-ES" dirty="0"/>
           </a:p>
-        </p:txBody>
-      </p:sp>
-      <p:sp>
-        <p:nvSpPr>
-          <p:cNvPr id="3" name="Marcador de contenido 2"/>
-          <p:cNvSpPr>
-            <a:spLocks noGrp="1"/>
-          </p:cNvSpPr>
-          <p:nvPr>
-            <p:ph idx="1"/>
-          </p:nvPr>
-        </p:nvSpPr>
-        <p:spPr/>
-        <p:txBody>
-          <a:bodyPr/>
-          <a:lstStyle/>
-          <a:p>
-            <a:r>
-              <a:rPr lang="es-ES" dirty="0" smtClean="0"/>
-              <a:t>Definir qué es el clustering no-supervisado</a:t>
-            </a:r>
-          </a:p>
-          <a:p>
-            <a:r>
-              <a:rPr lang="es-ES" dirty="0" smtClean="0"/>
-              <a:t>Ver los algoritmos más comunes</a:t>
-            </a:r>
-          </a:p>
-          <a:p>
-            <a:r>
-              <a:rPr lang="es-ES" dirty="0" smtClean="0"/>
-              <a:t>Identificar posibles aplicaciones: Identificación de outliers</a:t>
-            </a:r>
-          </a:p>
-          <a:p>
-            <a:r>
-              <a:rPr lang="es-ES" dirty="0" smtClean="0"/>
-              <a:t>Estudiar la validación de clústeres no supervisados</a:t>
-            </a:r>
-          </a:p>
-          <a:p>
-            <a:r>
-              <a:rPr lang="es-ES" dirty="0" smtClean="0"/>
-              <a:t>Definir qué son los métodos de imputación</a:t>
-            </a:r>
-          </a:p>
-          <a:p>
-            <a:endParaRPr lang="es-ES" dirty="0" smtClean="0"/>
-          </a:p>
-          <a:p>
-            <a:endParaRPr lang="es-ES" dirty="0" smtClean="0"/>
-          </a:p>
-          <a:p>
-            <a:endParaRPr lang="es-ES" dirty="0" smtClean="0"/>
+          <a:p>
+            <a:endParaRPr lang="es-ES" dirty="0"/>
+          </a:p>
+          <a:p>
+            <a:endParaRPr lang="es-ES" dirty="0"/>
           </a:p>
           <a:p>
             <a:endParaRPr lang="es-ES" dirty="0"/>

--- a/1_Presentaciones/Sesion_4_Teoria.pptx
+++ b/1_Presentaciones/Sesion_4_Teoria.pptx
@@ -6,7 +6,7 @@
     <p:sldMasterId id="2147483660" r:id="rId2"/>
   </p:sldMasterIdLst>
   <p:notesMasterIdLst>
-    <p:notesMasterId r:id="rId33"/>
+    <p:notesMasterId r:id="rId45"/>
   </p:notesMasterIdLst>
   <p:sldIdLst>
     <p:sldId id="257" r:id="rId3"/>
@@ -18,27 +18,39 @@
     <p:sldId id="285" r:id="rId9"/>
     <p:sldId id="264" r:id="rId10"/>
     <p:sldId id="288" r:id="rId11"/>
-    <p:sldId id="273" r:id="rId12"/>
-    <p:sldId id="286" r:id="rId13"/>
-    <p:sldId id="287" r:id="rId14"/>
-    <p:sldId id="275" r:id="rId15"/>
-    <p:sldId id="276" r:id="rId16"/>
-    <p:sldId id="274" r:id="rId17"/>
-    <p:sldId id="278" r:id="rId18"/>
-    <p:sldId id="289" r:id="rId19"/>
-    <p:sldId id="291" r:id="rId20"/>
-    <p:sldId id="294" r:id="rId21"/>
-    <p:sldId id="290" r:id="rId22"/>
-    <p:sldId id="292" r:id="rId23"/>
-    <p:sldId id="293" r:id="rId24"/>
-    <p:sldId id="280" r:id="rId25"/>
-    <p:sldId id="295" r:id="rId26"/>
-    <p:sldId id="296" r:id="rId27"/>
-    <p:sldId id="281" r:id="rId28"/>
-    <p:sldId id="297" r:id="rId29"/>
-    <p:sldId id="282" r:id="rId30"/>
-    <p:sldId id="283" r:id="rId31"/>
-    <p:sldId id="284" r:id="rId32"/>
+    <p:sldId id="310" r:id="rId12"/>
+    <p:sldId id="311" r:id="rId13"/>
+    <p:sldId id="267" r:id="rId14"/>
+    <p:sldId id="298" r:id="rId15"/>
+    <p:sldId id="286" r:id="rId16"/>
+    <p:sldId id="318" r:id="rId17"/>
+    <p:sldId id="273" r:id="rId18"/>
+    <p:sldId id="287" r:id="rId19"/>
+    <p:sldId id="275" r:id="rId20"/>
+    <p:sldId id="276" r:id="rId21"/>
+    <p:sldId id="274" r:id="rId22"/>
+    <p:sldId id="278" r:id="rId23"/>
+    <p:sldId id="313" r:id="rId24"/>
+    <p:sldId id="289" r:id="rId25"/>
+    <p:sldId id="291" r:id="rId26"/>
+    <p:sldId id="294" r:id="rId27"/>
+    <p:sldId id="314" r:id="rId28"/>
+    <p:sldId id="290" r:id="rId29"/>
+    <p:sldId id="292" r:id="rId30"/>
+    <p:sldId id="315" r:id="rId31"/>
+    <p:sldId id="293" r:id="rId32"/>
+    <p:sldId id="280" r:id="rId33"/>
+    <p:sldId id="316" r:id="rId34"/>
+    <p:sldId id="295" r:id="rId35"/>
+    <p:sldId id="296" r:id="rId36"/>
+    <p:sldId id="281" r:id="rId37"/>
+    <p:sldId id="282" r:id="rId38"/>
+    <p:sldId id="283" r:id="rId39"/>
+    <p:sldId id="317" r:id="rId40"/>
+    <p:sldId id="306" r:id="rId41"/>
+    <p:sldId id="308" r:id="rId42"/>
+    <p:sldId id="309" r:id="rId43"/>
+    <p:sldId id="284" r:id="rId44"/>
   </p:sldIdLst>
   <p:sldSz cx="12192000" cy="6858000"/>
   <p:notesSz cx="6858000" cy="9144000"/>
@@ -145,20 +157,12 @@
 </p:presentation>
 </file>
 
-<file path=ppt/revisionInfo.xml><?xml version="1.0" encoding="utf-8"?>
-<p1510:revInfo xmlns:a="http://schemas.openxmlformats.org/drawingml/2006/main" xmlns:r="http://schemas.openxmlformats.org/officeDocument/2006/relationships" xmlns:p1510="http://schemas.microsoft.com/office/powerpoint/2015/10/main">
-  <p1510:revLst>
-    <p1510:client id="{81B96BB3-7EF3-4641-8728-A364ABBF598C}" v="4" dt="2021-11-08T16:26:14.122"/>
-  </p1510:revLst>
-</p1510:revInfo>
-</file>
-
 <file path=ppt/changesInfos/changesInfo1.xml><?xml version="1.0" encoding="utf-8"?>
 <pc:chgInfo xmlns:a="http://schemas.openxmlformats.org/drawingml/2006/main" xmlns:r="http://schemas.openxmlformats.org/officeDocument/2006/relationships" xmlns:ac="http://schemas.microsoft.com/office/drawing/2013/main/command" xmlns:pc="http://schemas.microsoft.com/office/powerpoint/2013/main/command">
   <pc:docChgLst>
     <pc:chgData name="Mikel Lumbreras" userId="e57255e2-e72e-47e1-86e5-705636f423c9" providerId="ADAL" clId="{81B96BB3-7EF3-4641-8728-A364ABBF598C}"/>
-    <pc:docChg chg="modSld">
-      <pc:chgData name="Mikel Lumbreras" userId="e57255e2-e72e-47e1-86e5-705636f423c9" providerId="ADAL" clId="{81B96BB3-7EF3-4641-8728-A364ABBF598C}" dt="2021-11-08T16:26:14.122" v="2"/>
+    <pc:docChg chg="undo custSel addSld delSld modSld sldOrd">
+      <pc:chgData name="Mikel Lumbreras" userId="e57255e2-e72e-47e1-86e5-705636f423c9" providerId="ADAL" clId="{81B96BB3-7EF3-4641-8728-A364ABBF598C}" dt="2021-11-23T14:07:10.640" v="1793" actId="1076"/>
       <pc:docMkLst>
         <pc:docMk/>
       </pc:docMkLst>
@@ -176,6 +180,775 @@
             <ac:graphicFrameMk id="6" creationId="{3A62E472-57DE-45F4-89B6-E389A35DCDD4}"/>
           </ac:graphicFrameMkLst>
         </pc:graphicFrameChg>
+      </pc:sldChg>
+      <pc:sldChg chg="modSp add mod">
+        <pc:chgData name="Mikel Lumbreras" userId="e57255e2-e72e-47e1-86e5-705636f423c9" providerId="ADAL" clId="{81B96BB3-7EF3-4641-8728-A364ABBF598C}" dt="2021-11-22T18:14:04.098" v="1604" actId="20577"/>
+        <pc:sldMkLst>
+          <pc:docMk/>
+          <pc:sldMk cId="47075193" sldId="267"/>
+        </pc:sldMkLst>
+        <pc:spChg chg="mod">
+          <ac:chgData name="Mikel Lumbreras" userId="e57255e2-e72e-47e1-86e5-705636f423c9" providerId="ADAL" clId="{81B96BB3-7EF3-4641-8728-A364ABBF598C}" dt="2021-11-22T18:14:04.098" v="1604" actId="20577"/>
+          <ac:spMkLst>
+            <pc:docMk/>
+            <pc:sldMk cId="47075193" sldId="267"/>
+            <ac:spMk id="2" creationId="{00000000-0000-0000-0000-000000000000}"/>
+          </ac:spMkLst>
+        </pc:spChg>
+      </pc:sldChg>
+      <pc:sldChg chg="modSp mod">
+        <pc:chgData name="Mikel Lumbreras" userId="e57255e2-e72e-47e1-86e5-705636f423c9" providerId="ADAL" clId="{81B96BB3-7EF3-4641-8728-A364ABBF598C}" dt="2021-11-22T18:14:46.712" v="1617" actId="20577"/>
+        <pc:sldMkLst>
+          <pc:docMk/>
+          <pc:sldMk cId="3312659519" sldId="276"/>
+        </pc:sldMkLst>
+        <pc:spChg chg="mod">
+          <ac:chgData name="Mikel Lumbreras" userId="e57255e2-e72e-47e1-86e5-705636f423c9" providerId="ADAL" clId="{81B96BB3-7EF3-4641-8728-A364ABBF598C}" dt="2021-11-22T18:14:46.712" v="1617" actId="20577"/>
+          <ac:spMkLst>
+            <pc:docMk/>
+            <pc:sldMk cId="3312659519" sldId="276"/>
+            <ac:spMk id="3" creationId="{00000000-0000-0000-0000-000000000000}"/>
+          </ac:spMkLst>
+        </pc:spChg>
+      </pc:sldChg>
+      <pc:sldChg chg="addSp delSp modSp mod">
+        <pc:chgData name="Mikel Lumbreras" userId="e57255e2-e72e-47e1-86e5-705636f423c9" providerId="ADAL" clId="{81B96BB3-7EF3-4641-8728-A364ABBF598C}" dt="2021-11-22T18:17:44.827" v="1648" actId="12"/>
+        <pc:sldMkLst>
+          <pc:docMk/>
+          <pc:sldMk cId="2987094804" sldId="280"/>
+        </pc:sldMkLst>
+        <pc:spChg chg="add del mod">
+          <ac:chgData name="Mikel Lumbreras" userId="e57255e2-e72e-47e1-86e5-705636f423c9" providerId="ADAL" clId="{81B96BB3-7EF3-4641-8728-A364ABBF598C}" dt="2021-11-22T18:17:23.194" v="1641"/>
+          <ac:spMkLst>
+            <pc:docMk/>
+            <pc:sldMk cId="2987094804" sldId="280"/>
+            <ac:spMk id="2" creationId="{38B6CF36-6450-4996-8A2D-B6A85ED3894B}"/>
+          </ac:spMkLst>
+        </pc:spChg>
+        <pc:spChg chg="add del mod">
+          <ac:chgData name="Mikel Lumbreras" userId="e57255e2-e72e-47e1-86e5-705636f423c9" providerId="ADAL" clId="{81B96BB3-7EF3-4641-8728-A364ABBF598C}" dt="2021-11-22T18:17:44.827" v="1648" actId="12"/>
+          <ac:spMkLst>
+            <pc:docMk/>
+            <pc:sldMk cId="2987094804" sldId="280"/>
+            <ac:spMk id="3" creationId="{00000000-0000-0000-0000-000000000000}"/>
+          </ac:spMkLst>
+        </pc:spChg>
+        <pc:spChg chg="add del mod">
+          <ac:chgData name="Mikel Lumbreras" userId="e57255e2-e72e-47e1-86e5-705636f423c9" providerId="ADAL" clId="{81B96BB3-7EF3-4641-8728-A364ABBF598C}" dt="2021-11-22T18:17:29.560" v="1644"/>
+          <ac:spMkLst>
+            <pc:docMk/>
+            <pc:sldMk cId="2987094804" sldId="280"/>
+            <ac:spMk id="5" creationId="{6559F683-3A42-4F85-9518-3499CC599FAD}"/>
+          </ac:spMkLst>
+        </pc:spChg>
+      </pc:sldChg>
+      <pc:sldChg chg="addSp modSp mod">
+        <pc:chgData name="Mikel Lumbreras" userId="e57255e2-e72e-47e1-86e5-705636f423c9" providerId="ADAL" clId="{81B96BB3-7EF3-4641-8728-A364ABBF598C}" dt="2021-11-22T18:07:01.456" v="1319" actId="1076"/>
+        <pc:sldMkLst>
+          <pc:docMk/>
+          <pc:sldMk cId="3647424591" sldId="282"/>
+        </pc:sldMkLst>
+        <pc:spChg chg="mod">
+          <ac:chgData name="Mikel Lumbreras" userId="e57255e2-e72e-47e1-86e5-705636f423c9" providerId="ADAL" clId="{81B96BB3-7EF3-4641-8728-A364ABBF598C}" dt="2021-11-22T18:05:15.078" v="1280" actId="20577"/>
+          <ac:spMkLst>
+            <pc:docMk/>
+            <pc:sldMk cId="3647424591" sldId="282"/>
+            <ac:spMk id="3" creationId="{00000000-0000-0000-0000-000000000000}"/>
+          </ac:spMkLst>
+        </pc:spChg>
+        <pc:spChg chg="add mod">
+          <ac:chgData name="Mikel Lumbreras" userId="e57255e2-e72e-47e1-86e5-705636f423c9" providerId="ADAL" clId="{81B96BB3-7EF3-4641-8728-A364ABBF598C}" dt="2021-11-22T18:07:01.456" v="1319" actId="1076"/>
+          <ac:spMkLst>
+            <pc:docMk/>
+            <pc:sldMk cId="3647424591" sldId="282"/>
+            <ac:spMk id="4" creationId="{AAA2ECA5-76C5-40F7-A80E-1EA62B347008}"/>
+          </ac:spMkLst>
+        </pc:spChg>
+        <pc:picChg chg="add mod">
+          <ac:chgData name="Mikel Lumbreras" userId="e57255e2-e72e-47e1-86e5-705636f423c9" providerId="ADAL" clId="{81B96BB3-7EF3-4641-8728-A364ABBF598C}" dt="2021-11-22T18:06:07.947" v="1285" actId="1076"/>
+          <ac:picMkLst>
+            <pc:docMk/>
+            <pc:sldMk cId="3647424591" sldId="282"/>
+            <ac:picMk id="1026" creationId="{28EB1338-0149-4F6E-90DA-A95B467C7C8C}"/>
+          </ac:picMkLst>
+        </pc:picChg>
+      </pc:sldChg>
+      <pc:sldChg chg="modSp mod">
+        <pc:chgData name="Mikel Lumbreras" userId="e57255e2-e72e-47e1-86e5-705636f423c9" providerId="ADAL" clId="{81B96BB3-7EF3-4641-8728-A364ABBF598C}" dt="2021-11-22T17:44:36.142" v="207" actId="20577"/>
+        <pc:sldMkLst>
+          <pc:docMk/>
+          <pc:sldMk cId="3127136940" sldId="285"/>
+        </pc:sldMkLst>
+        <pc:spChg chg="mod">
+          <ac:chgData name="Mikel Lumbreras" userId="e57255e2-e72e-47e1-86e5-705636f423c9" providerId="ADAL" clId="{81B96BB3-7EF3-4641-8728-A364ABBF598C}" dt="2021-11-22T17:44:36.142" v="207" actId="20577"/>
+          <ac:spMkLst>
+            <pc:docMk/>
+            <pc:sldMk cId="3127136940" sldId="285"/>
+            <ac:spMk id="4" creationId="{57358FC5-0DFC-4396-9893-E446212006B0}"/>
+          </ac:spMkLst>
+        </pc:spChg>
+      </pc:sldChg>
+      <pc:sldChg chg="addSp delSp modSp mod ord">
+        <pc:chgData name="Mikel Lumbreras" userId="e57255e2-e72e-47e1-86e5-705636f423c9" providerId="ADAL" clId="{81B96BB3-7EF3-4641-8728-A364ABBF598C}" dt="2021-11-23T14:04:50.638" v="1740"/>
+        <pc:sldMkLst>
+          <pc:docMk/>
+          <pc:sldMk cId="4148520123" sldId="286"/>
+        </pc:sldMkLst>
+        <pc:spChg chg="del">
+          <ac:chgData name="Mikel Lumbreras" userId="e57255e2-e72e-47e1-86e5-705636f423c9" providerId="ADAL" clId="{81B96BB3-7EF3-4641-8728-A364ABBF598C}" dt="2021-11-23T14:04:47.784" v="1739" actId="478"/>
+          <ac:spMkLst>
+            <pc:docMk/>
+            <pc:sldMk cId="4148520123" sldId="286"/>
+            <ac:spMk id="2" creationId="{00000000-0000-0000-0000-000000000000}"/>
+          </ac:spMkLst>
+        </pc:spChg>
+        <pc:spChg chg="add del mod">
+          <ac:chgData name="Mikel Lumbreras" userId="e57255e2-e72e-47e1-86e5-705636f423c9" providerId="ADAL" clId="{81B96BB3-7EF3-4641-8728-A364ABBF598C}" dt="2021-11-23T14:04:50.638" v="1740"/>
+          <ac:spMkLst>
+            <pc:docMk/>
+            <pc:sldMk cId="4148520123" sldId="286"/>
+            <ac:spMk id="5" creationId="{C0BF7AAF-A97C-405E-8E4E-C0185DB03676}"/>
+          </ac:spMkLst>
+        </pc:spChg>
+        <pc:spChg chg="add del mod">
+          <ac:chgData name="Mikel Lumbreras" userId="e57255e2-e72e-47e1-86e5-705636f423c9" providerId="ADAL" clId="{81B96BB3-7EF3-4641-8728-A364ABBF598C}" dt="2021-11-23T14:04:46.728" v="1738"/>
+          <ac:spMkLst>
+            <pc:docMk/>
+            <pc:sldMk cId="4148520123" sldId="286"/>
+            <ac:spMk id="7" creationId="{9B088294-761B-4550-BA13-5DD37AA3A25D}"/>
+          </ac:spMkLst>
+        </pc:spChg>
+        <pc:spChg chg="add mod">
+          <ac:chgData name="Mikel Lumbreras" userId="e57255e2-e72e-47e1-86e5-705636f423c9" providerId="ADAL" clId="{81B96BB3-7EF3-4641-8728-A364ABBF598C}" dt="2021-11-23T14:04:50.638" v="1740"/>
+          <ac:spMkLst>
+            <pc:docMk/>
+            <pc:sldMk cId="4148520123" sldId="286"/>
+            <ac:spMk id="9" creationId="{EFCF3737-C2F4-4C0B-B839-D65AE9DA19FA}"/>
+          </ac:spMkLst>
+        </pc:spChg>
+        <pc:picChg chg="mod">
+          <ac:chgData name="Mikel Lumbreras" userId="e57255e2-e72e-47e1-86e5-705636f423c9" providerId="ADAL" clId="{81B96BB3-7EF3-4641-8728-A364ABBF598C}" dt="2021-11-09T10:27:37.476" v="3" actId="1076"/>
+          <ac:picMkLst>
+            <pc:docMk/>
+            <pc:sldMk cId="4148520123" sldId="286"/>
+            <ac:picMk id="1026" creationId="{00000000-0000-0000-0000-000000000000}"/>
+          </ac:picMkLst>
+        </pc:picChg>
+      </pc:sldChg>
+      <pc:sldChg chg="ord">
+        <pc:chgData name="Mikel Lumbreras" userId="e57255e2-e72e-47e1-86e5-705636f423c9" providerId="ADAL" clId="{81B96BB3-7EF3-4641-8728-A364ABBF598C}" dt="2021-11-22T18:09:41.527" v="1522"/>
+        <pc:sldMkLst>
+          <pc:docMk/>
+          <pc:sldMk cId="300207621" sldId="288"/>
+        </pc:sldMkLst>
+      </pc:sldChg>
+      <pc:sldChg chg="del">
+        <pc:chgData name="Mikel Lumbreras" userId="e57255e2-e72e-47e1-86e5-705636f423c9" providerId="ADAL" clId="{81B96BB3-7EF3-4641-8728-A364ABBF598C}" dt="2021-11-22T17:43:36.683" v="112" actId="47"/>
+        <pc:sldMkLst>
+          <pc:docMk/>
+          <pc:sldMk cId="2074918233" sldId="297"/>
+        </pc:sldMkLst>
+      </pc:sldChg>
+      <pc:sldChg chg="addSp delSp modSp add del mod ord">
+        <pc:chgData name="Mikel Lumbreras" userId="e57255e2-e72e-47e1-86e5-705636f423c9" providerId="ADAL" clId="{81B96BB3-7EF3-4641-8728-A364ABBF598C}" dt="2021-11-22T18:07:39.022" v="1323" actId="1076"/>
+        <pc:sldMkLst>
+          <pc:docMk/>
+          <pc:sldMk cId="2923506841" sldId="298"/>
+        </pc:sldMkLst>
+        <pc:spChg chg="mod">
+          <ac:chgData name="Mikel Lumbreras" userId="e57255e2-e72e-47e1-86e5-705636f423c9" providerId="ADAL" clId="{81B96BB3-7EF3-4641-8728-A364ABBF598C}" dt="2021-11-17T09:09:37.890" v="25" actId="20577"/>
+          <ac:spMkLst>
+            <pc:docMk/>
+            <pc:sldMk cId="2923506841" sldId="298"/>
+            <ac:spMk id="2" creationId="{00000000-0000-0000-0000-000000000000}"/>
+          </ac:spMkLst>
+        </pc:spChg>
+        <pc:spChg chg="del">
+          <ac:chgData name="Mikel Lumbreras" userId="e57255e2-e72e-47e1-86e5-705636f423c9" providerId="ADAL" clId="{81B96BB3-7EF3-4641-8728-A364ABBF598C}" dt="2021-11-17T09:09:43.408" v="26" actId="478"/>
+          <ac:spMkLst>
+            <pc:docMk/>
+            <pc:sldMk cId="2923506841" sldId="298"/>
+            <ac:spMk id="3" creationId="{00000000-0000-0000-0000-000000000000}"/>
+          </ac:spMkLst>
+        </pc:spChg>
+        <pc:spChg chg="add del mod">
+          <ac:chgData name="Mikel Lumbreras" userId="e57255e2-e72e-47e1-86e5-705636f423c9" providerId="ADAL" clId="{81B96BB3-7EF3-4641-8728-A364ABBF598C}" dt="2021-11-17T09:10:00.781" v="30" actId="478"/>
+          <ac:spMkLst>
+            <pc:docMk/>
+            <pc:sldMk cId="2923506841" sldId="298"/>
+            <ac:spMk id="5" creationId="{DAA28C92-2AF4-4CCE-BC0A-0FDA784FA962}"/>
+          </ac:spMkLst>
+        </pc:spChg>
+        <pc:spChg chg="add mod">
+          <ac:chgData name="Mikel Lumbreras" userId="e57255e2-e72e-47e1-86e5-705636f423c9" providerId="ADAL" clId="{81B96BB3-7EF3-4641-8728-A364ABBF598C}" dt="2021-11-17T09:10:58.651" v="92" actId="1076"/>
+          <ac:spMkLst>
+            <pc:docMk/>
+            <pc:sldMk cId="2923506841" sldId="298"/>
+            <ac:spMk id="6" creationId="{A54FAD4F-9635-4C1E-B4FE-B8C8474EED92}"/>
+          </ac:spMkLst>
+        </pc:spChg>
+        <pc:spChg chg="add mod">
+          <ac:chgData name="Mikel Lumbreras" userId="e57255e2-e72e-47e1-86e5-705636f423c9" providerId="ADAL" clId="{81B96BB3-7EF3-4641-8728-A364ABBF598C}" dt="2021-11-17T09:11:41.839" v="108" actId="692"/>
+          <ac:spMkLst>
+            <pc:docMk/>
+            <pc:sldMk cId="2923506841" sldId="298"/>
+            <ac:spMk id="7" creationId="{5A422F3A-2571-4108-8077-414CCA682E3B}"/>
+          </ac:spMkLst>
+        </pc:spChg>
+        <pc:picChg chg="add mod">
+          <ac:chgData name="Mikel Lumbreras" userId="e57255e2-e72e-47e1-86e5-705636f423c9" providerId="ADAL" clId="{81B96BB3-7EF3-4641-8728-A364ABBF598C}" dt="2021-11-22T18:07:39.022" v="1323" actId="1076"/>
+          <ac:picMkLst>
+            <pc:docMk/>
+            <pc:sldMk cId="2923506841" sldId="298"/>
+            <ac:picMk id="1026" creationId="{E6664584-7D54-43DF-AAED-9FFC7046D00D}"/>
+          </ac:picMkLst>
+        </pc:picChg>
+        <pc:picChg chg="del">
+          <ac:chgData name="Mikel Lumbreras" userId="e57255e2-e72e-47e1-86e5-705636f423c9" providerId="ADAL" clId="{81B96BB3-7EF3-4641-8728-A364ABBF598C}" dt="2021-11-17T09:09:45.119" v="27" actId="478"/>
+          <ac:picMkLst>
+            <pc:docMk/>
+            <pc:sldMk cId="2923506841" sldId="298"/>
+            <ac:picMk id="2052" creationId="{00000000-0000-0000-0000-000000000000}"/>
+          </ac:picMkLst>
+        </pc:picChg>
+      </pc:sldChg>
+      <pc:sldChg chg="add del">
+        <pc:chgData name="Mikel Lumbreras" userId="e57255e2-e72e-47e1-86e5-705636f423c9" providerId="ADAL" clId="{81B96BB3-7EF3-4641-8728-A364ABBF598C}" dt="2021-11-17T09:09:47.985" v="29"/>
+        <pc:sldMkLst>
+          <pc:docMk/>
+          <pc:sldMk cId="3167918612" sldId="299"/>
+        </pc:sldMkLst>
+      </pc:sldChg>
+      <pc:sldChg chg="new del">
+        <pc:chgData name="Mikel Lumbreras" userId="e57255e2-e72e-47e1-86e5-705636f423c9" providerId="ADAL" clId="{81B96BB3-7EF3-4641-8728-A364ABBF598C}" dt="2021-11-22T17:42:24.031" v="111" actId="47"/>
+        <pc:sldMkLst>
+          <pc:docMk/>
+          <pc:sldMk cId="4178307435" sldId="299"/>
+        </pc:sldMkLst>
+      </pc:sldChg>
+      <pc:sldChg chg="modSp add del mod">
+        <pc:chgData name="Mikel Lumbreras" userId="e57255e2-e72e-47e1-86e5-705636f423c9" providerId="ADAL" clId="{81B96BB3-7EF3-4641-8728-A364ABBF598C}" dt="2021-11-23T12:42:56.309" v="1723" actId="47"/>
+        <pc:sldMkLst>
+          <pc:docMk/>
+          <pc:sldMk cId="2356795868" sldId="304"/>
+        </pc:sldMkLst>
+        <pc:spChg chg="mod">
+          <ac:chgData name="Mikel Lumbreras" userId="e57255e2-e72e-47e1-86e5-705636f423c9" providerId="ADAL" clId="{81B96BB3-7EF3-4641-8728-A364ABBF598C}" dt="2021-11-22T18:21:52.941" v="1718" actId="20577"/>
+          <ac:spMkLst>
+            <pc:docMk/>
+            <pc:sldMk cId="2356795868" sldId="304"/>
+            <ac:spMk id="2" creationId="{3BA35E48-703B-4E3F-8A50-181FCA662E24}"/>
+          </ac:spMkLst>
+        </pc:spChg>
+      </pc:sldChg>
+      <pc:sldChg chg="addSp modSp add mod">
+        <pc:chgData name="Mikel Lumbreras" userId="e57255e2-e72e-47e1-86e5-705636f423c9" providerId="ADAL" clId="{81B96BB3-7EF3-4641-8728-A364ABBF598C}" dt="2021-11-22T17:51:39.911" v="495" actId="1076"/>
+        <pc:sldMkLst>
+          <pc:docMk/>
+          <pc:sldMk cId="4220847849" sldId="306"/>
+        </pc:sldMkLst>
+        <pc:spChg chg="mod">
+          <ac:chgData name="Mikel Lumbreras" userId="e57255e2-e72e-47e1-86e5-705636f423c9" providerId="ADAL" clId="{81B96BB3-7EF3-4641-8728-A364ABBF598C}" dt="2021-11-22T17:45:36.173" v="247" actId="20577"/>
+          <ac:spMkLst>
+            <pc:docMk/>
+            <pc:sldMk cId="4220847849" sldId="306"/>
+            <ac:spMk id="2" creationId="{E9889F8A-3C1A-4580-B462-7B4E04F6E33B}"/>
+          </ac:spMkLst>
+        </pc:spChg>
+        <pc:spChg chg="mod">
+          <ac:chgData name="Mikel Lumbreras" userId="e57255e2-e72e-47e1-86e5-705636f423c9" providerId="ADAL" clId="{81B96BB3-7EF3-4641-8728-A364ABBF598C}" dt="2021-11-22T17:51:14.600" v="455" actId="6549"/>
+          <ac:spMkLst>
+            <pc:docMk/>
+            <pc:sldMk cId="4220847849" sldId="306"/>
+            <ac:spMk id="3" creationId="{051682E3-FCE3-41C1-9113-756D8EA13F28}"/>
+          </ac:spMkLst>
+        </pc:spChg>
+        <pc:spChg chg="add mod">
+          <ac:chgData name="Mikel Lumbreras" userId="e57255e2-e72e-47e1-86e5-705636f423c9" providerId="ADAL" clId="{81B96BB3-7EF3-4641-8728-A364ABBF598C}" dt="2021-11-22T17:51:39.911" v="495" actId="1076"/>
+          <ac:spMkLst>
+            <pc:docMk/>
+            <pc:sldMk cId="4220847849" sldId="306"/>
+            <ac:spMk id="6" creationId="{B292E0E1-FBD1-4592-A76D-304C1C742191}"/>
+          </ac:spMkLst>
+        </pc:spChg>
+        <pc:picChg chg="add mod">
+          <ac:chgData name="Mikel Lumbreras" userId="e57255e2-e72e-47e1-86e5-705636f423c9" providerId="ADAL" clId="{81B96BB3-7EF3-4641-8728-A364ABBF598C}" dt="2021-11-22T17:51:20.011" v="457" actId="1076"/>
+          <ac:picMkLst>
+            <pc:docMk/>
+            <pc:sldMk cId="4220847849" sldId="306"/>
+            <ac:picMk id="5" creationId="{0ADD68E3-12A2-4928-B707-17C86D216845}"/>
+          </ac:picMkLst>
+        </pc:picChg>
+      </pc:sldChg>
+      <pc:sldChg chg="modSp add mod">
+        <pc:chgData name="Mikel Lumbreras" userId="e57255e2-e72e-47e1-86e5-705636f423c9" providerId="ADAL" clId="{81B96BB3-7EF3-4641-8728-A364ABBF598C}" dt="2021-11-22T18:00:57.083" v="790" actId="20577"/>
+        <pc:sldMkLst>
+          <pc:docMk/>
+          <pc:sldMk cId="1240959078" sldId="308"/>
+        </pc:sldMkLst>
+        <pc:spChg chg="mod">
+          <ac:chgData name="Mikel Lumbreras" userId="e57255e2-e72e-47e1-86e5-705636f423c9" providerId="ADAL" clId="{81B96BB3-7EF3-4641-8728-A364ABBF598C}" dt="2021-11-22T17:45:42.743" v="257" actId="20577"/>
+          <ac:spMkLst>
+            <pc:docMk/>
+            <pc:sldMk cId="1240959078" sldId="308"/>
+            <ac:spMk id="2" creationId="{E9889F8A-3C1A-4580-B462-7B4E04F6E33B}"/>
+          </ac:spMkLst>
+        </pc:spChg>
+        <pc:spChg chg="mod">
+          <ac:chgData name="Mikel Lumbreras" userId="e57255e2-e72e-47e1-86e5-705636f423c9" providerId="ADAL" clId="{81B96BB3-7EF3-4641-8728-A364ABBF598C}" dt="2021-11-22T18:00:57.083" v="790" actId="20577"/>
+          <ac:spMkLst>
+            <pc:docMk/>
+            <pc:sldMk cId="1240959078" sldId="308"/>
+            <ac:spMk id="3" creationId="{051682E3-FCE3-41C1-9113-756D8EA13F28}"/>
+          </ac:spMkLst>
+        </pc:spChg>
+      </pc:sldChg>
+      <pc:sldChg chg="modSp add mod">
+        <pc:chgData name="Mikel Lumbreras" userId="e57255e2-e72e-47e1-86e5-705636f423c9" providerId="ADAL" clId="{81B96BB3-7EF3-4641-8728-A364ABBF598C}" dt="2021-11-22T18:03:39.650" v="1111" actId="20577"/>
+        <pc:sldMkLst>
+          <pc:docMk/>
+          <pc:sldMk cId="2318141971" sldId="309"/>
+        </pc:sldMkLst>
+        <pc:spChg chg="mod">
+          <ac:chgData name="Mikel Lumbreras" userId="e57255e2-e72e-47e1-86e5-705636f423c9" providerId="ADAL" clId="{81B96BB3-7EF3-4641-8728-A364ABBF598C}" dt="2021-11-22T18:00:29.090" v="747" actId="20577"/>
+          <ac:spMkLst>
+            <pc:docMk/>
+            <pc:sldMk cId="2318141971" sldId="309"/>
+            <ac:spMk id="2" creationId="{E9889F8A-3C1A-4580-B462-7B4E04F6E33B}"/>
+          </ac:spMkLst>
+        </pc:spChg>
+        <pc:spChg chg="mod">
+          <ac:chgData name="Mikel Lumbreras" userId="e57255e2-e72e-47e1-86e5-705636f423c9" providerId="ADAL" clId="{81B96BB3-7EF3-4641-8728-A364ABBF598C}" dt="2021-11-22T18:03:39.650" v="1111" actId="20577"/>
+          <ac:spMkLst>
+            <pc:docMk/>
+            <pc:sldMk cId="2318141971" sldId="309"/>
+            <ac:spMk id="3" creationId="{051682E3-FCE3-41C1-9113-756D8EA13F28}"/>
+          </ac:spMkLst>
+        </pc:spChg>
+      </pc:sldChg>
+      <pc:sldChg chg="addSp delSp modSp new mod">
+        <pc:chgData name="Mikel Lumbreras" userId="e57255e2-e72e-47e1-86e5-705636f423c9" providerId="ADAL" clId="{81B96BB3-7EF3-4641-8728-A364ABBF598C}" dt="2021-11-22T18:10:52.456" v="1527" actId="14100"/>
+        <pc:sldMkLst>
+          <pc:docMk/>
+          <pc:sldMk cId="2189653242" sldId="310"/>
+        </pc:sldMkLst>
+        <pc:spChg chg="del">
+          <ac:chgData name="Mikel Lumbreras" userId="e57255e2-e72e-47e1-86e5-705636f423c9" providerId="ADAL" clId="{81B96BB3-7EF3-4641-8728-A364ABBF598C}" dt="2021-11-22T18:07:57.046" v="1327" actId="478"/>
+          <ac:spMkLst>
+            <pc:docMk/>
+            <pc:sldMk cId="2189653242" sldId="310"/>
+            <ac:spMk id="2" creationId="{4978797E-EC62-4891-8115-045FCAFDD9EB}"/>
+          </ac:spMkLst>
+        </pc:spChg>
+        <pc:spChg chg="mod">
+          <ac:chgData name="Mikel Lumbreras" userId="e57255e2-e72e-47e1-86e5-705636f423c9" providerId="ADAL" clId="{81B96BB3-7EF3-4641-8728-A364ABBF598C}" dt="2021-11-22T18:09:32.737" v="1520" actId="20577"/>
+          <ac:spMkLst>
+            <pc:docMk/>
+            <pc:sldMk cId="2189653242" sldId="310"/>
+            <ac:spMk id="3" creationId="{7DF18251-5429-4362-85E0-B1E46ADC4890}"/>
+          </ac:spMkLst>
+        </pc:spChg>
+        <pc:spChg chg="add mod">
+          <ac:chgData name="Mikel Lumbreras" userId="e57255e2-e72e-47e1-86e5-705636f423c9" providerId="ADAL" clId="{81B96BB3-7EF3-4641-8728-A364ABBF598C}" dt="2021-11-22T18:07:57.403" v="1328"/>
+          <ac:spMkLst>
+            <pc:docMk/>
+            <pc:sldMk cId="2189653242" sldId="310"/>
+            <ac:spMk id="4" creationId="{516D2DB9-337E-48B3-A910-7FDE706EAF15}"/>
+          </ac:spMkLst>
+        </pc:spChg>
+        <pc:picChg chg="add mod">
+          <ac:chgData name="Mikel Lumbreras" userId="e57255e2-e72e-47e1-86e5-705636f423c9" providerId="ADAL" clId="{81B96BB3-7EF3-4641-8728-A364ABBF598C}" dt="2021-11-22T18:10:52.456" v="1527" actId="14100"/>
+          <ac:picMkLst>
+            <pc:docMk/>
+            <pc:sldMk cId="2189653242" sldId="310"/>
+            <ac:picMk id="2050" creationId="{1FF11C5D-A6B1-4DC1-84EC-A38C94A566B2}"/>
+          </ac:picMkLst>
+        </pc:picChg>
+      </pc:sldChg>
+      <pc:sldChg chg="addSp delSp modSp new mod">
+        <pc:chgData name="Mikel Lumbreras" userId="e57255e2-e72e-47e1-86e5-705636f423c9" providerId="ADAL" clId="{81B96BB3-7EF3-4641-8728-A364ABBF598C}" dt="2021-11-22T18:13:00.754" v="1584"/>
+        <pc:sldMkLst>
+          <pc:docMk/>
+          <pc:sldMk cId="1808727453" sldId="311"/>
+        </pc:sldMkLst>
+        <pc:spChg chg="del">
+          <ac:chgData name="Mikel Lumbreras" userId="e57255e2-e72e-47e1-86e5-705636f423c9" providerId="ADAL" clId="{81B96BB3-7EF3-4641-8728-A364ABBF598C}" dt="2021-11-22T18:13:00.754" v="1584"/>
+          <ac:spMkLst>
+            <pc:docMk/>
+            <pc:sldMk cId="1808727453" sldId="311"/>
+            <ac:spMk id="2" creationId="{CA95EDAF-E89D-4F5C-B6D6-DEF8CA861F18}"/>
+          </ac:spMkLst>
+        </pc:spChg>
+        <pc:spChg chg="mod">
+          <ac:chgData name="Mikel Lumbreras" userId="e57255e2-e72e-47e1-86e5-705636f423c9" providerId="ADAL" clId="{81B96BB3-7EF3-4641-8728-A364ABBF598C}" dt="2021-11-22T18:12:51.238" v="1583" actId="20577"/>
+          <ac:spMkLst>
+            <pc:docMk/>
+            <pc:sldMk cId="1808727453" sldId="311"/>
+            <ac:spMk id="3" creationId="{0B271636-AD7D-40A9-B0C5-6E36E0585951}"/>
+          </ac:spMkLst>
+        </pc:spChg>
+        <pc:spChg chg="add mod">
+          <ac:chgData name="Mikel Lumbreras" userId="e57255e2-e72e-47e1-86e5-705636f423c9" providerId="ADAL" clId="{81B96BB3-7EF3-4641-8728-A364ABBF598C}" dt="2021-11-22T18:13:00.754" v="1584"/>
+          <ac:spMkLst>
+            <pc:docMk/>
+            <pc:sldMk cId="1808727453" sldId="311"/>
+            <ac:spMk id="4" creationId="{8A069EF8-271E-48B3-8A0C-080D9CB06CDD}"/>
+          </ac:spMkLst>
+        </pc:spChg>
+      </pc:sldChg>
+      <pc:sldChg chg="new del">
+        <pc:chgData name="Mikel Lumbreras" userId="e57255e2-e72e-47e1-86e5-705636f423c9" providerId="ADAL" clId="{81B96BB3-7EF3-4641-8728-A364ABBF598C}" dt="2021-11-22T18:13:48.136" v="1587" actId="47"/>
+        <pc:sldMkLst>
+          <pc:docMk/>
+          <pc:sldMk cId="980762040" sldId="312"/>
+        </pc:sldMkLst>
+      </pc:sldChg>
+      <pc:sldChg chg="new del">
+        <pc:chgData name="Mikel Lumbreras" userId="e57255e2-e72e-47e1-86e5-705636f423c9" providerId="ADAL" clId="{81B96BB3-7EF3-4641-8728-A364ABBF598C}" dt="2021-11-22T18:15:48.607" v="1631" actId="47"/>
+        <pc:sldMkLst>
+          <pc:docMk/>
+          <pc:sldMk cId="2329488140" sldId="312"/>
+        </pc:sldMkLst>
+      </pc:sldChg>
+      <pc:sldChg chg="addSp delSp modSp add mod">
+        <pc:chgData name="Mikel Lumbreras" userId="e57255e2-e72e-47e1-86e5-705636f423c9" providerId="ADAL" clId="{81B96BB3-7EF3-4641-8728-A364ABBF598C}" dt="2021-11-22T18:15:45.960" v="1630" actId="1076"/>
+        <pc:sldMkLst>
+          <pc:docMk/>
+          <pc:sldMk cId="1607093231" sldId="313"/>
+        </pc:sldMkLst>
+        <pc:spChg chg="del mod">
+          <ac:chgData name="Mikel Lumbreras" userId="e57255e2-e72e-47e1-86e5-705636f423c9" providerId="ADAL" clId="{81B96BB3-7EF3-4641-8728-A364ABBF598C}" dt="2021-11-22T18:15:25.835" v="1623" actId="478"/>
+          <ac:spMkLst>
+            <pc:docMk/>
+            <pc:sldMk cId="1607093231" sldId="313"/>
+            <ac:spMk id="4" creationId="{00000000-0000-0000-0000-000000000000}"/>
+          </ac:spMkLst>
+        </pc:spChg>
+        <pc:spChg chg="add del mod">
+          <ac:chgData name="Mikel Lumbreras" userId="e57255e2-e72e-47e1-86e5-705636f423c9" providerId="ADAL" clId="{81B96BB3-7EF3-4641-8728-A364ABBF598C}" dt="2021-11-22T18:15:38.710" v="1627" actId="478"/>
+          <ac:spMkLst>
+            <pc:docMk/>
+            <pc:sldMk cId="1607093231" sldId="313"/>
+            <ac:spMk id="6" creationId="{EB49A1FB-C525-437C-9CE0-E45FF917BA0B}"/>
+          </ac:spMkLst>
+        </pc:spChg>
+        <pc:spChg chg="del">
+          <ac:chgData name="Mikel Lumbreras" userId="e57255e2-e72e-47e1-86e5-705636f423c9" providerId="ADAL" clId="{81B96BB3-7EF3-4641-8728-A364ABBF598C}" dt="2021-11-22T18:15:22.904" v="1621" actId="478"/>
+          <ac:spMkLst>
+            <pc:docMk/>
+            <pc:sldMk cId="1607093231" sldId="313"/>
+            <ac:spMk id="7" creationId="{00000000-0000-0000-0000-000000000000}"/>
+          </ac:spMkLst>
+        </pc:spChg>
+        <pc:spChg chg="mod">
+          <ac:chgData name="Mikel Lumbreras" userId="e57255e2-e72e-47e1-86e5-705636f423c9" providerId="ADAL" clId="{81B96BB3-7EF3-4641-8728-A364ABBF598C}" dt="2021-11-22T18:15:45.960" v="1630" actId="1076"/>
+          <ac:spMkLst>
+            <pc:docMk/>
+            <pc:sldMk cId="1607093231" sldId="313"/>
+            <ac:spMk id="8" creationId="{00000000-0000-0000-0000-000000000000}"/>
+          </ac:spMkLst>
+        </pc:spChg>
+        <pc:spChg chg="del">
+          <ac:chgData name="Mikel Lumbreras" userId="e57255e2-e72e-47e1-86e5-705636f423c9" providerId="ADAL" clId="{81B96BB3-7EF3-4641-8728-A364ABBF598C}" dt="2021-11-22T18:15:43.912" v="1629" actId="478"/>
+          <ac:spMkLst>
+            <pc:docMk/>
+            <pc:sldMk cId="1607093231" sldId="313"/>
+            <ac:spMk id="9" creationId="{00000000-0000-0000-0000-000000000000}"/>
+          </ac:spMkLst>
+        </pc:spChg>
+        <pc:picChg chg="mod">
+          <ac:chgData name="Mikel Lumbreras" userId="e57255e2-e72e-47e1-86e5-705636f423c9" providerId="ADAL" clId="{81B96BB3-7EF3-4641-8728-A364ABBF598C}" dt="2021-11-22T18:15:41.405" v="1628" actId="1076"/>
+          <ac:picMkLst>
+            <pc:docMk/>
+            <pc:sldMk cId="1607093231" sldId="313"/>
+            <ac:picMk id="5" creationId="{00000000-0000-0000-0000-000000000000}"/>
+          </ac:picMkLst>
+        </pc:picChg>
+      </pc:sldChg>
+      <pc:sldChg chg="modSp add mod">
+        <pc:chgData name="Mikel Lumbreras" userId="e57255e2-e72e-47e1-86e5-705636f423c9" providerId="ADAL" clId="{81B96BB3-7EF3-4641-8728-A364ABBF598C}" dt="2021-11-22T18:16:03.980" v="1633" actId="1076"/>
+        <pc:sldMkLst>
+          <pc:docMk/>
+          <pc:sldMk cId="2230362692" sldId="314"/>
+        </pc:sldMkLst>
+        <pc:spChg chg="mod">
+          <ac:chgData name="Mikel Lumbreras" userId="e57255e2-e72e-47e1-86e5-705636f423c9" providerId="ADAL" clId="{81B96BB3-7EF3-4641-8728-A364ABBF598C}" dt="2021-11-22T18:16:03.980" v="1633" actId="1076"/>
+          <ac:spMkLst>
+            <pc:docMk/>
+            <pc:sldMk cId="2230362692" sldId="314"/>
+            <ac:spMk id="8" creationId="{00000000-0000-0000-0000-000000000000}"/>
+          </ac:spMkLst>
+        </pc:spChg>
+      </pc:sldChg>
+      <pc:sldChg chg="modSp add mod">
+        <pc:chgData name="Mikel Lumbreras" userId="e57255e2-e72e-47e1-86e5-705636f423c9" providerId="ADAL" clId="{81B96BB3-7EF3-4641-8728-A364ABBF598C}" dt="2021-11-22T18:16:24.772" v="1637" actId="1076"/>
+        <pc:sldMkLst>
+          <pc:docMk/>
+          <pc:sldMk cId="116938366" sldId="315"/>
+        </pc:sldMkLst>
+        <pc:spChg chg="mod">
+          <ac:chgData name="Mikel Lumbreras" userId="e57255e2-e72e-47e1-86e5-705636f423c9" providerId="ADAL" clId="{81B96BB3-7EF3-4641-8728-A364ABBF598C}" dt="2021-11-22T18:16:24.772" v="1637" actId="1076"/>
+          <ac:spMkLst>
+            <pc:docMk/>
+            <pc:sldMk cId="116938366" sldId="315"/>
+            <ac:spMk id="8" creationId="{00000000-0000-0000-0000-000000000000}"/>
+          </ac:spMkLst>
+        </pc:spChg>
+      </pc:sldChg>
+      <pc:sldChg chg="new del">
+        <pc:chgData name="Mikel Lumbreras" userId="e57255e2-e72e-47e1-86e5-705636f423c9" providerId="ADAL" clId="{81B96BB3-7EF3-4641-8728-A364ABBF598C}" dt="2021-11-22T18:16:08.969" v="1635" actId="680"/>
+        <pc:sldMkLst>
+          <pc:docMk/>
+          <pc:sldMk cId="918238137" sldId="315"/>
+        </pc:sldMkLst>
+      </pc:sldChg>
+      <pc:sldChg chg="addSp delSp modSp new mod">
+        <pc:chgData name="Mikel Lumbreras" userId="e57255e2-e72e-47e1-86e5-705636f423c9" providerId="ADAL" clId="{81B96BB3-7EF3-4641-8728-A364ABBF598C}" dt="2021-11-22T18:20:50.267" v="1706" actId="20577"/>
+        <pc:sldMkLst>
+          <pc:docMk/>
+          <pc:sldMk cId="2283352270" sldId="316"/>
+        </pc:sldMkLst>
+        <pc:spChg chg="del">
+          <ac:chgData name="Mikel Lumbreras" userId="e57255e2-e72e-47e1-86e5-705636f423c9" providerId="ADAL" clId="{81B96BB3-7EF3-4641-8728-A364ABBF598C}" dt="2021-11-22T18:18:17.469" v="1650"/>
+          <ac:spMkLst>
+            <pc:docMk/>
+            <pc:sldMk cId="2283352270" sldId="316"/>
+            <ac:spMk id="2" creationId="{D162CC27-6809-4B6B-814B-B8E883EC86F7}"/>
+          </ac:spMkLst>
+        </pc:spChg>
+        <pc:spChg chg="del">
+          <ac:chgData name="Mikel Lumbreras" userId="e57255e2-e72e-47e1-86e5-705636f423c9" providerId="ADAL" clId="{81B96BB3-7EF3-4641-8728-A364ABBF598C}" dt="2021-11-22T18:18:36.021" v="1651" actId="478"/>
+          <ac:spMkLst>
+            <pc:docMk/>
+            <pc:sldMk cId="2283352270" sldId="316"/>
+            <ac:spMk id="3" creationId="{6E1EF644-941D-44E7-BFBF-B356DA33F1E2}"/>
+          </ac:spMkLst>
+        </pc:spChg>
+        <pc:spChg chg="add mod">
+          <ac:chgData name="Mikel Lumbreras" userId="e57255e2-e72e-47e1-86e5-705636f423c9" providerId="ADAL" clId="{81B96BB3-7EF3-4641-8728-A364ABBF598C}" dt="2021-11-22T18:18:17.469" v="1650"/>
+          <ac:spMkLst>
+            <pc:docMk/>
+            <pc:sldMk cId="2283352270" sldId="316"/>
+            <ac:spMk id="4" creationId="{AE7D73D4-D64D-48B1-BA3F-1D890DE0CB4B}"/>
+          </ac:spMkLst>
+        </pc:spChg>
+        <pc:spChg chg="add mod">
+          <ac:chgData name="Mikel Lumbreras" userId="e57255e2-e72e-47e1-86e5-705636f423c9" providerId="ADAL" clId="{81B96BB3-7EF3-4641-8728-A364ABBF598C}" dt="2021-11-22T18:20:30.360" v="1696" actId="403"/>
+          <ac:spMkLst>
+            <pc:docMk/>
+            <pc:sldMk cId="2283352270" sldId="316"/>
+            <ac:spMk id="6" creationId="{0C3B5783-68CE-4978-B7AB-FA5FF070EADB}"/>
+          </ac:spMkLst>
+        </pc:spChg>
+        <pc:spChg chg="add del">
+          <ac:chgData name="Mikel Lumbreras" userId="e57255e2-e72e-47e1-86e5-705636f423c9" providerId="ADAL" clId="{81B96BB3-7EF3-4641-8728-A364ABBF598C}" dt="2021-11-22T18:20:19.011" v="1688"/>
+          <ac:spMkLst>
+            <pc:docMk/>
+            <pc:sldMk cId="2283352270" sldId="316"/>
+            <ac:spMk id="7" creationId="{DD84BE85-2145-41B0-A811-3EC2461854AA}"/>
+          </ac:spMkLst>
+        </pc:spChg>
+        <pc:spChg chg="add mod">
+          <ac:chgData name="Mikel Lumbreras" userId="e57255e2-e72e-47e1-86e5-705636f423c9" providerId="ADAL" clId="{81B96BB3-7EF3-4641-8728-A364ABBF598C}" dt="2021-11-22T18:20:42.823" v="1703" actId="122"/>
+          <ac:spMkLst>
+            <pc:docMk/>
+            <pc:sldMk cId="2283352270" sldId="316"/>
+            <ac:spMk id="9" creationId="{BB485F5C-6632-4FD7-A514-48A33182FBC4}"/>
+          </ac:spMkLst>
+        </pc:spChg>
+        <pc:spChg chg="add mod">
+          <ac:chgData name="Mikel Lumbreras" userId="e57255e2-e72e-47e1-86e5-705636f423c9" providerId="ADAL" clId="{81B96BB3-7EF3-4641-8728-A364ABBF598C}" dt="2021-11-22T18:20:50.267" v="1706" actId="20577"/>
+          <ac:spMkLst>
+            <pc:docMk/>
+            <pc:sldMk cId="2283352270" sldId="316"/>
+            <ac:spMk id="10" creationId="{9D112EE7-8231-48B3-A7DC-9A098270E03A}"/>
+          </ac:spMkLst>
+        </pc:spChg>
+        <pc:picChg chg="add mod">
+          <ac:chgData name="Mikel Lumbreras" userId="e57255e2-e72e-47e1-86e5-705636f423c9" providerId="ADAL" clId="{81B96BB3-7EF3-4641-8728-A364ABBF598C}" dt="2021-11-22T18:20:31.673" v="1697" actId="1076"/>
+          <ac:picMkLst>
+            <pc:docMk/>
+            <pc:sldMk cId="2283352270" sldId="316"/>
+            <ac:picMk id="5" creationId="{5948BA56-05A0-4CCF-B205-FBB3928C3637}"/>
+          </ac:picMkLst>
+        </pc:picChg>
+        <pc:picChg chg="add mod">
+          <ac:chgData name="Mikel Lumbreras" userId="e57255e2-e72e-47e1-86e5-705636f423c9" providerId="ADAL" clId="{81B96BB3-7EF3-4641-8728-A364ABBF598C}" dt="2021-11-22T18:20:32.493" v="1698" actId="1076"/>
+          <ac:picMkLst>
+            <pc:docMk/>
+            <pc:sldMk cId="2283352270" sldId="316"/>
+            <ac:picMk id="8" creationId="{10CD85B5-F57A-429F-8DFC-09D9D64FF7D6}"/>
+          </ac:picMkLst>
+        </pc:picChg>
+      </pc:sldChg>
+      <pc:sldChg chg="modSp add mod">
+        <pc:chgData name="Mikel Lumbreras" userId="e57255e2-e72e-47e1-86e5-705636f423c9" providerId="ADAL" clId="{81B96BB3-7EF3-4641-8728-A364ABBF598C}" dt="2021-11-23T13:50:41.760" v="1727"/>
+        <pc:sldMkLst>
+          <pc:docMk/>
+          <pc:sldMk cId="2640609736" sldId="317"/>
+        </pc:sldMkLst>
+        <pc:spChg chg="mod">
+          <ac:chgData name="Mikel Lumbreras" userId="e57255e2-e72e-47e1-86e5-705636f423c9" providerId="ADAL" clId="{81B96BB3-7EF3-4641-8728-A364ABBF598C}" dt="2021-11-22T18:22:17.759" v="1720" actId="20577"/>
+          <ac:spMkLst>
+            <pc:docMk/>
+            <pc:sldMk cId="2640609736" sldId="317"/>
+            <ac:spMk id="2" creationId="{3BA35E48-703B-4E3F-8A50-181FCA662E24}"/>
+          </ac:spMkLst>
+        </pc:spChg>
+        <pc:spChg chg="mod">
+          <ac:chgData name="Mikel Lumbreras" userId="e57255e2-e72e-47e1-86e5-705636f423c9" providerId="ADAL" clId="{81B96BB3-7EF3-4641-8728-A364ABBF598C}" dt="2021-11-23T13:50:41.760" v="1727"/>
+          <ac:spMkLst>
+            <pc:docMk/>
+            <pc:sldMk cId="2640609736" sldId="317"/>
+            <ac:spMk id="4" creationId="{C600BDF6-21DE-42EC-8938-7AE4152071C7}"/>
+          </ac:spMkLst>
+        </pc:spChg>
+      </pc:sldChg>
+      <pc:sldChg chg="modSp new del mod">
+        <pc:chgData name="Mikel Lumbreras" userId="e57255e2-e72e-47e1-86e5-705636f423c9" providerId="ADAL" clId="{81B96BB3-7EF3-4641-8728-A364ABBF598C}" dt="2021-11-22T18:21:49.678" v="1717" actId="47"/>
+        <pc:sldMkLst>
+          <pc:docMk/>
+          <pc:sldMk cId="2648994776" sldId="317"/>
+        </pc:sldMkLst>
+        <pc:spChg chg="mod">
+          <ac:chgData name="Mikel Lumbreras" userId="e57255e2-e72e-47e1-86e5-705636f423c9" providerId="ADAL" clId="{81B96BB3-7EF3-4641-8728-A364ABBF598C}" dt="2021-11-22T18:21:39.787" v="1715" actId="20577"/>
+          <ac:spMkLst>
+            <pc:docMk/>
+            <pc:sldMk cId="2648994776" sldId="317"/>
+            <ac:spMk id="2" creationId="{E2A84972-8A1E-4B75-A0C5-BCB9850FF4B2}"/>
+          </ac:spMkLst>
+        </pc:spChg>
+      </pc:sldChg>
+      <pc:sldChg chg="new del">
+        <pc:chgData name="Mikel Lumbreras" userId="e57255e2-e72e-47e1-86e5-705636f423c9" providerId="ADAL" clId="{81B96BB3-7EF3-4641-8728-A364ABBF598C}" dt="2021-11-23T14:03:24.738" v="1735" actId="47"/>
+        <pc:sldMkLst>
+          <pc:docMk/>
+          <pc:sldMk cId="2979674824" sldId="318"/>
+        </pc:sldMkLst>
+      </pc:sldChg>
+      <pc:sldChg chg="addSp delSp modSp new mod">
+        <pc:chgData name="Mikel Lumbreras" userId="e57255e2-e72e-47e1-86e5-705636f423c9" providerId="ADAL" clId="{81B96BB3-7EF3-4641-8728-A364ABBF598C}" dt="2021-11-23T14:07:10.640" v="1793" actId="1076"/>
+        <pc:sldMkLst>
+          <pc:docMk/>
+          <pc:sldMk cId="3937452992" sldId="318"/>
+        </pc:sldMkLst>
+        <pc:spChg chg="del mod">
+          <ac:chgData name="Mikel Lumbreras" userId="e57255e2-e72e-47e1-86e5-705636f423c9" providerId="ADAL" clId="{81B96BB3-7EF3-4641-8728-A364ABBF598C}" dt="2021-11-23T14:04:54.901" v="1742"/>
+          <ac:spMkLst>
+            <pc:docMk/>
+            <pc:sldMk cId="3937452992" sldId="318"/>
+            <ac:spMk id="2" creationId="{194A77B5-7AFB-4AAD-AA12-AEB7078352E8}"/>
+          </ac:spMkLst>
+        </pc:spChg>
+        <pc:spChg chg="del">
+          <ac:chgData name="Mikel Lumbreras" userId="e57255e2-e72e-47e1-86e5-705636f423c9" providerId="ADAL" clId="{81B96BB3-7EF3-4641-8728-A364ABBF598C}" dt="2021-11-23T14:05:01.914" v="1743" actId="478"/>
+          <ac:spMkLst>
+            <pc:docMk/>
+            <pc:sldMk cId="3937452992" sldId="318"/>
+            <ac:spMk id="3" creationId="{CCC475A8-E92B-46F2-BB86-9ED525D71B5C}"/>
+          </ac:spMkLst>
+        </pc:spChg>
+        <pc:spChg chg="add mod">
+          <ac:chgData name="Mikel Lumbreras" userId="e57255e2-e72e-47e1-86e5-705636f423c9" providerId="ADAL" clId="{81B96BB3-7EF3-4641-8728-A364ABBF598C}" dt="2021-11-23T14:04:54.901" v="1742"/>
+          <ac:spMkLst>
+            <pc:docMk/>
+            <pc:sldMk cId="3937452992" sldId="318"/>
+            <ac:spMk id="4" creationId="{C5D6DB61-39C6-4389-8C11-F451CAE0CD5A}"/>
+          </ac:spMkLst>
+        </pc:spChg>
+        <pc:spChg chg="add mod">
+          <ac:chgData name="Mikel Lumbreras" userId="e57255e2-e72e-47e1-86e5-705636f423c9" providerId="ADAL" clId="{81B96BB3-7EF3-4641-8728-A364ABBF598C}" dt="2021-11-23T14:05:26.307" v="1790" actId="5793"/>
+          <ac:spMkLst>
+            <pc:docMk/>
+            <pc:sldMk cId="3937452992" sldId="318"/>
+            <ac:spMk id="5" creationId="{F48E5763-2C6B-4EA6-B935-5EF74D782195}"/>
+          </ac:spMkLst>
+        </pc:spChg>
+        <pc:picChg chg="add mod">
+          <ac:chgData name="Mikel Lumbreras" userId="e57255e2-e72e-47e1-86e5-705636f423c9" providerId="ADAL" clId="{81B96BB3-7EF3-4641-8728-A364ABBF598C}" dt="2021-11-23T14:07:10.640" v="1793" actId="1076"/>
+          <ac:picMkLst>
+            <pc:docMk/>
+            <pc:sldMk cId="3937452992" sldId="318"/>
+            <ac:picMk id="1026" creationId="{A5A99F72-CB0F-4882-B276-1EF0D2C5FC5F}"/>
+          </ac:picMkLst>
+        </pc:picChg>
+      </pc:sldChg>
+      <pc:sldChg chg="modSp add del mod">
+        <pc:chgData name="Mikel Lumbreras" userId="e57255e2-e72e-47e1-86e5-705636f423c9" providerId="ADAL" clId="{81B96BB3-7EF3-4641-8728-A364ABBF598C}" dt="2021-11-23T13:55:17.570" v="1733" actId="47"/>
+        <pc:sldMkLst>
+          <pc:docMk/>
+          <pc:sldMk cId="4056710986" sldId="318"/>
+        </pc:sldMkLst>
+        <pc:spChg chg="mod">
+          <ac:chgData name="Mikel Lumbreras" userId="e57255e2-e72e-47e1-86e5-705636f423c9" providerId="ADAL" clId="{81B96BB3-7EF3-4641-8728-A364ABBF598C}" dt="2021-11-22T18:22:23.440" v="1722" actId="20577"/>
+          <ac:spMkLst>
+            <pc:docMk/>
+            <pc:sldMk cId="4056710986" sldId="318"/>
+            <ac:spMk id="2" creationId="{3BA35E48-703B-4E3F-8A50-181FCA662E24}"/>
+          </ac:spMkLst>
+        </pc:spChg>
+        <pc:spChg chg="mod">
+          <ac:chgData name="Mikel Lumbreras" userId="e57255e2-e72e-47e1-86e5-705636f423c9" providerId="ADAL" clId="{81B96BB3-7EF3-4641-8728-A364ABBF598C}" dt="2021-11-23T13:51:01.646" v="1732" actId="20577"/>
+          <ac:spMkLst>
+            <pc:docMk/>
+            <pc:sldMk cId="4056710986" sldId="318"/>
+            <ac:spMk id="4" creationId="{C600BDF6-21DE-42EC-8938-7AE4152071C7}"/>
+          </ac:spMkLst>
+        </pc:spChg>
+      </pc:sldChg>
+    </pc:docChg>
+  </pc:docChgLst>
+  <pc:docChgLst>
+    <pc:chgData name="Mikel Lumbreras" userId="e57255e2-e72e-47e1-86e5-705636f423c9" providerId="ADAL" clId="{FCFC49AC-4CFD-4F4E-BF55-D381B60FC068}"/>
+    <pc:docChg chg="modSld sldOrd">
+      <pc:chgData name="Mikel Lumbreras" userId="e57255e2-e72e-47e1-86e5-705636f423c9" providerId="ADAL" clId="{FCFC49AC-4CFD-4F4E-BF55-D381B60FC068}" dt="2021-11-30T16:32:45.578" v="18" actId="1076"/>
+      <pc:docMkLst>
+        <pc:docMk/>
+      </pc:docMkLst>
+      <pc:sldChg chg="modSp mod">
+        <pc:chgData name="Mikel Lumbreras" userId="e57255e2-e72e-47e1-86e5-705636f423c9" providerId="ADAL" clId="{FCFC49AC-4CFD-4F4E-BF55-D381B60FC068}" dt="2021-11-28T19:31:24.358" v="17" actId="20577"/>
+        <pc:sldMkLst>
+          <pc:docMk/>
+          <pc:sldMk cId="3127136940" sldId="285"/>
+        </pc:sldMkLst>
+        <pc:spChg chg="mod">
+          <ac:chgData name="Mikel Lumbreras" userId="e57255e2-e72e-47e1-86e5-705636f423c9" providerId="ADAL" clId="{FCFC49AC-4CFD-4F4E-BF55-D381B60FC068}" dt="2021-11-28T19:31:24.358" v="17" actId="20577"/>
+          <ac:spMkLst>
+            <pc:docMk/>
+            <pc:sldMk cId="3127136940" sldId="285"/>
+            <ac:spMk id="4" creationId="{57358FC5-0DFC-4396-9893-E446212006B0}"/>
+          </ac:spMkLst>
+        </pc:spChg>
+      </pc:sldChg>
+      <pc:sldChg chg="modSp mod ord">
+        <pc:chgData name="Mikel Lumbreras" userId="e57255e2-e72e-47e1-86e5-705636f423c9" providerId="ADAL" clId="{FCFC49AC-4CFD-4F4E-BF55-D381B60FC068}" dt="2021-11-28T19:29:41.035" v="11" actId="20577"/>
+        <pc:sldMkLst>
+          <pc:docMk/>
+          <pc:sldMk cId="300207621" sldId="288"/>
+        </pc:sldMkLst>
+        <pc:spChg chg="mod">
+          <ac:chgData name="Mikel Lumbreras" userId="e57255e2-e72e-47e1-86e5-705636f423c9" providerId="ADAL" clId="{FCFC49AC-4CFD-4F4E-BF55-D381B60FC068}" dt="2021-11-28T19:29:41.035" v="11" actId="20577"/>
+          <ac:spMkLst>
+            <pc:docMk/>
+            <pc:sldMk cId="300207621" sldId="288"/>
+            <ac:spMk id="2" creationId="{00000000-0000-0000-0000-000000000000}"/>
+          </ac:spMkLst>
+        </pc:spChg>
+      </pc:sldChg>
+      <pc:sldChg chg="modSp mod">
+        <pc:chgData name="Mikel Lumbreras" userId="e57255e2-e72e-47e1-86e5-705636f423c9" providerId="ADAL" clId="{FCFC49AC-4CFD-4F4E-BF55-D381B60FC068}" dt="2021-11-30T16:32:45.578" v="18" actId="1076"/>
+        <pc:sldMkLst>
+          <pc:docMk/>
+          <pc:sldMk cId="2640609736" sldId="317"/>
+        </pc:sldMkLst>
+        <pc:spChg chg="mod">
+          <ac:chgData name="Mikel Lumbreras" userId="e57255e2-e72e-47e1-86e5-705636f423c9" providerId="ADAL" clId="{FCFC49AC-4CFD-4F4E-BF55-D381B60FC068}" dt="2021-11-30T16:32:45.578" v="18" actId="1076"/>
+          <ac:spMkLst>
+            <pc:docMk/>
+            <pc:sldMk cId="2640609736" sldId="317"/>
+            <ac:spMk id="4" creationId="{C600BDF6-21DE-42EC-8938-7AE4152071C7}"/>
+          </ac:spMkLst>
+        </pc:spChg>
       </pc:sldChg>
     </pc:docChg>
   </pc:docChgLst>
@@ -264,7 +1037,7 @@
           <a:p>
             <a:fld id="{D49BC84A-3884-429B-A7E7-0390EDA0EFB2}" type="datetimeFigureOut">
               <a:rPr lang="es-ES" smtClean="0"/>
-              <a:t>08/11/2021</a:t>
+              <a:t>30/11/2021</a:t>
             </a:fld>
             <a:endParaRPr lang="es-ES"/>
           </a:p>
@@ -422,7 +1195,7 @@
           <a:p>
             <a:fld id="{4F11EF3A-ABB9-4E48-9E7D-809E403157F8}" type="slidenum">
               <a:rPr lang="es-ES" smtClean="0"/>
-              <a:t>‹Nº›</a:t>
+              <a:t>‹#›</a:t>
             </a:fld>
             <a:endParaRPr lang="es-ES"/>
           </a:p>
@@ -662,7 +1435,7 @@
           <a:p>
             <a:fld id="{31A5FAD9-4F41-45A2-94CB-CF6C3F2E165E}" type="datetimeFigureOut">
               <a:rPr lang="en-GB" smtClean="0"/>
-              <a:t>08/11/2021</a:t>
+              <a:t>30/11/2021</a:t>
             </a:fld>
             <a:endParaRPr lang="en-GB"/>
           </a:p>
@@ -704,7 +1477,7 @@
           <a:p>
             <a:fld id="{0D816F0C-445B-4687-B03B-29282915F03E}" type="slidenum">
               <a:rPr lang="en-GB" smtClean="0"/>
-              <a:t>‹Nº›</a:t>
+              <a:t>‹#›</a:t>
             </a:fld>
             <a:endParaRPr lang="en-GB"/>
           </a:p>
@@ -832,7 +1605,7 @@
           <a:p>
             <a:fld id="{31A5FAD9-4F41-45A2-94CB-CF6C3F2E165E}" type="datetimeFigureOut">
               <a:rPr lang="en-GB" smtClean="0"/>
-              <a:t>08/11/2021</a:t>
+              <a:t>30/11/2021</a:t>
             </a:fld>
             <a:endParaRPr lang="en-GB"/>
           </a:p>
@@ -874,7 +1647,7 @@
           <a:p>
             <a:fld id="{0D816F0C-445B-4687-B03B-29282915F03E}" type="slidenum">
               <a:rPr lang="en-GB" smtClean="0"/>
-              <a:t>‹Nº›</a:t>
+              <a:t>‹#›</a:t>
             </a:fld>
             <a:endParaRPr lang="en-GB"/>
           </a:p>
@@ -1012,7 +1785,7 @@
           <a:p>
             <a:fld id="{31A5FAD9-4F41-45A2-94CB-CF6C3F2E165E}" type="datetimeFigureOut">
               <a:rPr lang="en-GB" smtClean="0"/>
-              <a:t>08/11/2021</a:t>
+              <a:t>30/11/2021</a:t>
             </a:fld>
             <a:endParaRPr lang="en-GB"/>
           </a:p>
@@ -1054,7 +1827,7 @@
           <a:p>
             <a:fld id="{0D816F0C-445B-4687-B03B-29282915F03E}" type="slidenum">
               <a:rPr lang="en-GB" smtClean="0"/>
-              <a:t>‹Nº›</a:t>
+              <a:t>‹#›</a:t>
             </a:fld>
             <a:endParaRPr lang="en-GB"/>
           </a:p>
@@ -1236,7 +2009,7 @@
           <a:p>
             <a:fld id="{FB75AA7C-85FF-43DA-A19E-044EB312A766}" type="slidenum">
               <a:rPr lang="en-GB" smtClean="0"/>
-              <a:t>‹Nº›</a:t>
+              <a:t>‹#›</a:t>
             </a:fld>
             <a:endParaRPr lang="en-GB"/>
           </a:p>
@@ -1398,7 +2171,7 @@
           <a:p>
             <a:fld id="{FB75AA7C-85FF-43DA-A19E-044EB312A766}" type="slidenum">
               <a:rPr lang="en-GB" smtClean="0"/>
-              <a:t>‹Nº›</a:t>
+              <a:t>‹#›</a:t>
             </a:fld>
             <a:endParaRPr lang="en-GB"/>
           </a:p>
@@ -1553,7 +2326,7 @@
           <a:p>
             <a:fld id="{FB75AA7C-85FF-43DA-A19E-044EB312A766}" type="slidenum">
               <a:rPr lang="en-GB" smtClean="0"/>
-              <a:t>‹Nº›</a:t>
+              <a:t>‹#›</a:t>
             </a:fld>
             <a:endParaRPr lang="en-GB"/>
           </a:p>
@@ -1784,7 +2557,7 @@
           <a:p>
             <a:fld id="{FB75AA7C-85FF-43DA-A19E-044EB312A766}" type="slidenum">
               <a:rPr lang="en-GB" smtClean="0"/>
-              <a:t>‹Nº›</a:t>
+              <a:t>‹#›</a:t>
             </a:fld>
             <a:endParaRPr lang="en-GB"/>
           </a:p>
@@ -2001,7 +2774,7 @@
           <a:p>
             <a:fld id="{FB75AA7C-85FF-43DA-A19E-044EB312A766}" type="slidenum">
               <a:rPr lang="en-GB" smtClean="0"/>
-              <a:t>‹Nº›</a:t>
+              <a:t>‹#›</a:t>
             </a:fld>
             <a:endParaRPr lang="en-GB"/>
           </a:p>
@@ -2353,7 +3126,7 @@
           <a:p>
             <a:fld id="{FB75AA7C-85FF-43DA-A19E-044EB312A766}" type="slidenum">
               <a:rPr lang="en-GB" smtClean="0"/>
-              <a:t>‹Nº›</a:t>
+              <a:t>‹#›</a:t>
             </a:fld>
             <a:endParaRPr lang="en-GB"/>
           </a:p>
@@ -2437,7 +3210,7 @@
           <a:p>
             <a:fld id="{FB75AA7C-85FF-43DA-A19E-044EB312A766}" type="slidenum">
               <a:rPr lang="en-GB" smtClean="0"/>
-              <a:t>‹Nº›</a:t>
+              <a:t>‹#›</a:t>
             </a:fld>
             <a:endParaRPr lang="en-GB"/>
           </a:p>
@@ -2531,7 +3304,7 @@
           <a:p>
             <a:fld id="{4A42529D-B5B1-47E1-A19B-037CCFF42894}" type="datetimeFigureOut">
               <a:rPr lang="en-GB" smtClean="0"/>
-              <a:t>08/11/2021</a:t>
+              <a:t>30/11/2021</a:t>
             </a:fld>
             <a:endParaRPr lang="en-GB"/>
           </a:p>
@@ -2581,7 +3354,7 @@
           <a:p>
             <a:fld id="{FB75AA7C-85FF-43DA-A19E-044EB312A766}" type="slidenum">
               <a:rPr lang="en-GB" smtClean="0"/>
-              <a:t>‹Nº›</a:t>
+              <a:t>‹#›</a:t>
             </a:fld>
             <a:endParaRPr lang="en-GB"/>
           </a:p>
@@ -2709,7 +3482,7 @@
           <a:p>
             <a:fld id="{31A5FAD9-4F41-45A2-94CB-CF6C3F2E165E}" type="datetimeFigureOut">
               <a:rPr lang="en-GB" smtClean="0"/>
-              <a:t>08/11/2021</a:t>
+              <a:t>30/11/2021</a:t>
             </a:fld>
             <a:endParaRPr lang="en-GB"/>
           </a:p>
@@ -2751,7 +3524,7 @@
           <a:p>
             <a:fld id="{0D816F0C-445B-4687-B03B-29282915F03E}" type="slidenum">
               <a:rPr lang="en-GB" smtClean="0"/>
-              <a:t>‹Nº›</a:t>
+              <a:t>‹#›</a:t>
             </a:fld>
             <a:endParaRPr lang="en-GB"/>
           </a:p>
@@ -2994,7 +3767,7 @@
           <a:p>
             <a:fld id="{4A42529D-B5B1-47E1-A19B-037CCFF42894}" type="datetimeFigureOut">
               <a:rPr lang="en-GB" smtClean="0"/>
-              <a:t>08/11/2021</a:t>
+              <a:t>30/11/2021</a:t>
             </a:fld>
             <a:endParaRPr lang="en-GB"/>
           </a:p>
@@ -3044,7 +3817,7 @@
           <a:p>
             <a:fld id="{FB75AA7C-85FF-43DA-A19E-044EB312A766}" type="slidenum">
               <a:rPr lang="en-GB" smtClean="0"/>
-              <a:t>‹Nº›</a:t>
+              <a:t>‹#›</a:t>
             </a:fld>
             <a:endParaRPr lang="en-GB"/>
           </a:p>
@@ -3263,7 +4036,7 @@
           <a:p>
             <a:fld id="{4A42529D-B5B1-47E1-A19B-037CCFF42894}" type="datetimeFigureOut">
               <a:rPr lang="en-GB" smtClean="0"/>
-              <a:t>08/11/2021</a:t>
+              <a:t>30/11/2021</a:t>
             </a:fld>
             <a:endParaRPr lang="en-GB"/>
           </a:p>
@@ -3313,7 +4086,7 @@
           <a:p>
             <a:fld id="{FB75AA7C-85FF-43DA-A19E-044EB312A766}" type="slidenum">
               <a:rPr lang="en-GB" smtClean="0"/>
-              <a:t>‹Nº›</a:t>
+              <a:t>‹#›</a:t>
             </a:fld>
             <a:endParaRPr lang="en-GB"/>
           </a:p>
@@ -3449,7 +4222,7 @@
           <a:p>
             <a:fld id="{4A42529D-B5B1-47E1-A19B-037CCFF42894}" type="datetimeFigureOut">
               <a:rPr lang="en-GB" smtClean="0"/>
-              <a:t>08/11/2021</a:t>
+              <a:t>30/11/2021</a:t>
             </a:fld>
             <a:endParaRPr lang="en-GB"/>
           </a:p>
@@ -3499,7 +4272,7 @@
           <a:p>
             <a:fld id="{FB75AA7C-85FF-43DA-A19E-044EB312A766}" type="slidenum">
               <a:rPr lang="en-GB" smtClean="0"/>
-              <a:t>‹Nº›</a:t>
+              <a:t>‹#›</a:t>
             </a:fld>
             <a:endParaRPr lang="en-GB"/>
           </a:p>
@@ -3645,7 +4418,7 @@
           <a:p>
             <a:fld id="{4A42529D-B5B1-47E1-A19B-037CCFF42894}" type="datetimeFigureOut">
               <a:rPr lang="en-GB" smtClean="0"/>
-              <a:t>08/11/2021</a:t>
+              <a:t>30/11/2021</a:t>
             </a:fld>
             <a:endParaRPr lang="en-GB"/>
           </a:p>
@@ -3695,7 +4468,7 @@
           <a:p>
             <a:fld id="{FB75AA7C-85FF-43DA-A19E-044EB312A766}" type="slidenum">
               <a:rPr lang="en-GB" smtClean="0"/>
-              <a:t>‹Nº›</a:t>
+              <a:t>‹#›</a:t>
             </a:fld>
             <a:endParaRPr lang="en-GB"/>
           </a:p>
@@ -3899,7 +4672,7 @@
           <a:p>
             <a:fld id="{31A5FAD9-4F41-45A2-94CB-CF6C3F2E165E}" type="datetimeFigureOut">
               <a:rPr lang="en-GB" smtClean="0"/>
-              <a:t>08/11/2021</a:t>
+              <a:t>30/11/2021</a:t>
             </a:fld>
             <a:endParaRPr lang="en-GB"/>
           </a:p>
@@ -3941,7 +4714,7 @@
           <a:p>
             <a:fld id="{0D816F0C-445B-4687-B03B-29282915F03E}" type="slidenum">
               <a:rPr lang="en-GB" smtClean="0"/>
-              <a:t>‹Nº›</a:t>
+              <a:t>‹#›</a:t>
             </a:fld>
             <a:endParaRPr lang="en-GB"/>
           </a:p>
@@ -4131,7 +4904,7 @@
           <a:p>
             <a:fld id="{31A5FAD9-4F41-45A2-94CB-CF6C3F2E165E}" type="datetimeFigureOut">
               <a:rPr lang="en-GB" smtClean="0"/>
-              <a:t>08/11/2021</a:t>
+              <a:t>30/11/2021</a:t>
             </a:fld>
             <a:endParaRPr lang="en-GB"/>
           </a:p>
@@ -4173,7 +4946,7 @@
           <a:p>
             <a:fld id="{0D816F0C-445B-4687-B03B-29282915F03E}" type="slidenum">
               <a:rPr lang="en-GB" smtClean="0"/>
-              <a:t>‹Nº›</a:t>
+              <a:t>‹#›</a:t>
             </a:fld>
             <a:endParaRPr lang="en-GB"/>
           </a:p>
@@ -4498,7 +5271,7 @@
           <a:p>
             <a:fld id="{31A5FAD9-4F41-45A2-94CB-CF6C3F2E165E}" type="datetimeFigureOut">
               <a:rPr lang="en-GB" smtClean="0"/>
-              <a:t>08/11/2021</a:t>
+              <a:t>30/11/2021</a:t>
             </a:fld>
             <a:endParaRPr lang="en-GB"/>
           </a:p>
@@ -4540,7 +5313,7 @@
           <a:p>
             <a:fld id="{0D816F0C-445B-4687-B03B-29282915F03E}" type="slidenum">
               <a:rPr lang="en-GB" smtClean="0"/>
-              <a:t>‹Nº›</a:t>
+              <a:t>‹#›</a:t>
             </a:fld>
             <a:endParaRPr lang="en-GB"/>
           </a:p>
@@ -4616,7 +5389,7 @@
           <a:p>
             <a:fld id="{31A5FAD9-4F41-45A2-94CB-CF6C3F2E165E}" type="datetimeFigureOut">
               <a:rPr lang="en-GB" smtClean="0"/>
-              <a:t>08/11/2021</a:t>
+              <a:t>30/11/2021</a:t>
             </a:fld>
             <a:endParaRPr lang="en-GB"/>
           </a:p>
@@ -4658,7 +5431,7 @@
           <a:p>
             <a:fld id="{0D816F0C-445B-4687-B03B-29282915F03E}" type="slidenum">
               <a:rPr lang="en-GB" smtClean="0"/>
-              <a:t>‹Nº›</a:t>
+              <a:t>‹#›</a:t>
             </a:fld>
             <a:endParaRPr lang="en-GB"/>
           </a:p>
@@ -4711,7 +5484,7 @@
           <a:p>
             <a:fld id="{31A5FAD9-4F41-45A2-94CB-CF6C3F2E165E}" type="datetimeFigureOut">
               <a:rPr lang="en-GB" smtClean="0"/>
-              <a:t>08/11/2021</a:t>
+              <a:t>30/11/2021</a:t>
             </a:fld>
             <a:endParaRPr lang="en-GB"/>
           </a:p>
@@ -4753,7 +5526,7 @@
           <a:p>
             <a:fld id="{0D816F0C-445B-4687-B03B-29282915F03E}" type="slidenum">
               <a:rPr lang="en-GB" smtClean="0"/>
-              <a:t>‹Nº›</a:t>
+              <a:t>‹#›</a:t>
             </a:fld>
             <a:endParaRPr lang="en-GB"/>
           </a:p>
@@ -4988,7 +5761,7 @@
           <a:p>
             <a:fld id="{31A5FAD9-4F41-45A2-94CB-CF6C3F2E165E}" type="datetimeFigureOut">
               <a:rPr lang="en-GB" smtClean="0"/>
-              <a:t>08/11/2021</a:t>
+              <a:t>30/11/2021</a:t>
             </a:fld>
             <a:endParaRPr lang="en-GB"/>
           </a:p>
@@ -5030,7 +5803,7 @@
           <a:p>
             <a:fld id="{0D816F0C-445B-4687-B03B-29282915F03E}" type="slidenum">
               <a:rPr lang="en-GB" smtClean="0"/>
-              <a:t>‹Nº›</a:t>
+              <a:t>‹#›</a:t>
             </a:fld>
             <a:endParaRPr lang="en-GB"/>
           </a:p>
@@ -5241,7 +6014,7 @@
           <a:p>
             <a:fld id="{31A5FAD9-4F41-45A2-94CB-CF6C3F2E165E}" type="datetimeFigureOut">
               <a:rPr lang="en-GB" smtClean="0"/>
-              <a:t>08/11/2021</a:t>
+              <a:t>30/11/2021</a:t>
             </a:fld>
             <a:endParaRPr lang="en-GB"/>
           </a:p>
@@ -5283,7 +6056,7 @@
           <a:p>
             <a:fld id="{0D816F0C-445B-4687-B03B-29282915F03E}" type="slidenum">
               <a:rPr lang="en-GB" smtClean="0"/>
-              <a:t>‹Nº›</a:t>
+              <a:t>‹#›</a:t>
             </a:fld>
             <a:endParaRPr lang="en-GB"/>
           </a:p>
@@ -5454,7 +6227,7 @@
           <a:p>
             <a:fld id="{31A5FAD9-4F41-45A2-94CB-CF6C3F2E165E}" type="datetimeFigureOut">
               <a:rPr lang="en-GB" smtClean="0"/>
-              <a:t>08/11/2021</a:t>
+              <a:t>30/11/2021</a:t>
             </a:fld>
             <a:endParaRPr lang="en-GB"/>
           </a:p>
@@ -5532,7 +6305,7 @@
           <a:p>
             <a:fld id="{0D816F0C-445B-4687-B03B-29282915F03E}" type="slidenum">
               <a:rPr lang="en-GB" smtClean="0"/>
-              <a:t>‹Nº›</a:t>
+              <a:t>‹#›</a:t>
             </a:fld>
             <a:endParaRPr lang="en-GB"/>
           </a:p>
@@ -6496,7 +7269,50 @@
       </p:grpSpPr>
       <p:sp>
         <p:nvSpPr>
-          <p:cNvPr id="2" name="Título 1"/>
+          <p:cNvPr id="3" name="Content Placeholder 2">
+            <a:extLst>
+              <a:ext uri="{FF2B5EF4-FFF2-40B4-BE49-F238E27FC236}">
+                <a16:creationId xmlns:a16="http://schemas.microsoft.com/office/drawing/2014/main" id="{7DF18251-5429-4362-85E0-B1E46ADC4890}"/>
+              </a:ext>
+            </a:extLst>
+          </p:cNvPr>
+          <p:cNvSpPr>
+            <a:spLocks noGrp="1"/>
+          </p:cNvSpPr>
+          <p:nvPr>
+            <p:ph idx="1"/>
+          </p:nvPr>
+        </p:nvSpPr>
+        <p:spPr/>
+        <p:txBody>
+          <a:bodyPr/>
+          <a:lstStyle/>
+          <a:p>
+            <a:r>
+              <a:rPr lang="es-ES" dirty="0"/>
+              <a:t>Modelos de aprendizaje automático</a:t>
+            </a:r>
+          </a:p>
+          <a:p>
+            <a:r>
+              <a:rPr lang="es-ES" dirty="0"/>
+              <a:t>Modelos matemáticos que se alimentan de datos para “aprender” el comportamiento de las variables objetivo</a:t>
+            </a:r>
+          </a:p>
+          <a:p>
+            <a:endParaRPr lang="es-ES" dirty="0"/>
+          </a:p>
+        </p:txBody>
+      </p:sp>
+      <p:sp>
+        <p:nvSpPr>
+          <p:cNvPr id="4" name="Título 1">
+            <a:extLst>
+              <a:ext uri="{FF2B5EF4-FFF2-40B4-BE49-F238E27FC236}">
+                <a16:creationId xmlns:a16="http://schemas.microsoft.com/office/drawing/2014/main" id="{516D2DB9-337E-48B3-A910-7FDE706EAF15}"/>
+              </a:ext>
+            </a:extLst>
+          </p:cNvPr>
           <p:cNvSpPr>
             <a:spLocks noGrp="1"/>
           </p:cNvSpPr>
@@ -6504,74 +7320,74 @@
             <p:ph type="title"/>
           </p:nvPr>
         </p:nvSpPr>
-        <p:spPr/>
+        <p:spPr>
+          <a:xfrm>
+            <a:off x="838200" y="365125"/>
+            <a:ext cx="10515600" cy="1325563"/>
+          </a:xfrm>
+        </p:spPr>
         <p:txBody>
           <a:bodyPr/>
           <a:lstStyle/>
           <a:p>
             <a:r>
               <a:rPr lang="es-ES" dirty="0"/>
-              <a:t>Introducción Clustering No-supervisado</a:t>
-            </a:r>
-          </a:p>
-        </p:txBody>
-      </p:sp>
-      <p:sp>
-        <p:nvSpPr>
-          <p:cNvPr id="3" name="Marcador de contenido 2"/>
-          <p:cNvSpPr>
-            <a:spLocks noGrp="1"/>
-          </p:cNvSpPr>
-          <p:nvPr>
-            <p:ph idx="1"/>
-          </p:nvPr>
-        </p:nvSpPr>
-        <p:spPr/>
-        <p:txBody>
-          <a:bodyPr/>
-          <a:lstStyle/>
-          <a:p>
-            <a:pPr marL="0" indent="0" algn="just">
-              <a:buNone/>
-            </a:pPr>
-            <a:r>
-              <a:rPr lang="es-ES" dirty="0"/>
-              <a:t>¿Qué es?</a:t>
-            </a:r>
-          </a:p>
-          <a:p>
-            <a:pPr marL="0" indent="0" algn="just">
-              <a:buNone/>
-            </a:pPr>
-            <a:endParaRPr lang="es-ES" dirty="0"/>
-          </a:p>
-          <a:p>
-            <a:pPr marL="0" indent="0" algn="just">
-              <a:buNone/>
-            </a:pPr>
-            <a:r>
-              <a:rPr lang="es-ES" dirty="0"/>
-              <a:t>“Si no se dispone del conjunto de entrenamiento, es decir, no existe conocimiento acerca de las etiquetas de los patrones, entonces para clasificar objetos se necesita un proceso previo de análisis de los datos que se conoce como clasificación no supervisada, aprendizaje no supervisado o técnicas de agrupamiento (clustering), que proporcionan un conocimiento sobre la estructura de los datos”</a:t>
-            </a:r>
-          </a:p>
-          <a:p>
-            <a:pPr marL="0" indent="0">
-              <a:buNone/>
-            </a:pPr>
-            <a:endParaRPr lang="es-ES" dirty="0"/>
-          </a:p>
-          <a:p>
-            <a:pPr marL="0" indent="0">
-              <a:buNone/>
-            </a:pPr>
-            <a:endParaRPr lang="es-ES" dirty="0"/>
-          </a:p>
-        </p:txBody>
-      </p:sp>
+              <a:t>Introducción </a:t>
+            </a:r>
+          </a:p>
+        </p:txBody>
+      </p:sp>
+      <p:pic>
+        <p:nvPicPr>
+          <p:cNvPr id="2050" name="Picture 2" descr="Que es el Machine Learning ? Te lo contamos todo | Marketing Digital">
+            <a:extLst>
+              <a:ext uri="{FF2B5EF4-FFF2-40B4-BE49-F238E27FC236}">
+                <a16:creationId xmlns:a16="http://schemas.microsoft.com/office/drawing/2014/main" id="{1FF11C5D-A6B1-4DC1-84EC-A38C94A566B2}"/>
+              </a:ext>
+            </a:extLst>
+          </p:cNvPr>
+          <p:cNvPicPr>
+            <a:picLocks noChangeAspect="1" noChangeArrowheads="1"/>
+          </p:cNvPicPr>
+          <p:nvPr/>
+        </p:nvPicPr>
+        <p:blipFill>
+          <a:blip r:embed="rId2">
+            <a:extLst>
+              <a:ext uri="{28A0092B-C50C-407E-A947-70E740481C1C}">
+                <a14:useLocalDpi xmlns:a14="http://schemas.microsoft.com/office/drawing/2010/main" val="0"/>
+              </a:ext>
+            </a:extLst>
+          </a:blip>
+          <a:srcRect/>
+          <a:stretch>
+            <a:fillRect/>
+          </a:stretch>
+        </p:blipFill>
+        <p:spPr bwMode="auto">
+          <a:xfrm>
+            <a:off x="3121891" y="3497262"/>
+            <a:ext cx="7416800" cy="3360738"/>
+          </a:xfrm>
+          <a:prstGeom prst="rect">
+            <a:avLst/>
+          </a:prstGeom>
+          <a:noFill/>
+          <a:extLst>
+            <a:ext uri="{909E8E84-426E-40DD-AFC4-6F175D3DCCD1}">
+              <a14:hiddenFill xmlns:a14="http://schemas.microsoft.com/office/drawing/2010/main">
+                <a:solidFill>
+                  <a:srgbClr val="FFFFFF"/>
+                </a:solidFill>
+              </a14:hiddenFill>
+            </a:ext>
+          </a:extLst>
+        </p:spPr>
+      </p:pic>
     </p:spTree>
     <p:extLst>
       <p:ext uri="{BB962C8B-B14F-4D97-AF65-F5344CB8AC3E}">
-        <p14:creationId xmlns:p14="http://schemas.microsoft.com/office/powerpoint/2010/main" val="2878335658"/>
+        <p14:creationId xmlns:p14="http://schemas.microsoft.com/office/powerpoint/2010/main" val="2189653242"/>
       </p:ext>
     </p:extLst>
   </p:cSld>
@@ -6600,123 +7416,193 @@
       </p:grpSpPr>
       <p:sp>
         <p:nvSpPr>
-          <p:cNvPr id="2" name="Título 1"/>
-          <p:cNvSpPr>
-            <a:spLocks noGrp="1"/>
-          </p:cNvSpPr>
-          <p:nvPr>
-            <p:ph type="title"/>
-          </p:nvPr>
-        </p:nvSpPr>
-        <p:spPr/>
-        <p:txBody>
-          <a:bodyPr/>
-          <a:lstStyle/>
-          <a:p>
-            <a:r>
-              <a:rPr lang="es-ES" dirty="0"/>
-              <a:t>Introducción Clustering No-supervisado</a:t>
-            </a:r>
-          </a:p>
-        </p:txBody>
-      </p:sp>
-      <p:pic>
-        <p:nvPicPr>
-          <p:cNvPr id="1026" name="Picture 2" descr="Examples of Supervised Learning (Linear Regression) and Unsupervised... |  Download Scientific Diagram"/>
-          <p:cNvPicPr>
-            <a:picLocks noChangeAspect="1" noChangeArrowheads="1"/>
-          </p:cNvPicPr>
-          <p:nvPr/>
-        </p:nvPicPr>
-        <p:blipFill>
-          <a:blip r:embed="rId2">
+          <p:cNvPr id="3" name="Content Placeholder 2">
             <a:extLst>
-              <a:ext uri="{28A0092B-C50C-407E-A947-70E740481C1C}">
-                <a14:useLocalDpi xmlns:a14="http://schemas.microsoft.com/office/drawing/2010/main" val="0"/>
+              <a:ext uri="{FF2B5EF4-FFF2-40B4-BE49-F238E27FC236}">
+                <a16:creationId xmlns:a16="http://schemas.microsoft.com/office/drawing/2014/main" id="{0B271636-AD7D-40A9-B0C5-6E36E0585951}"/>
               </a:ext>
             </a:extLst>
-          </a:blip>
-          <a:srcRect/>
-          <a:stretch>
-            <a:fillRect/>
-          </a:stretch>
-        </p:blipFill>
-        <p:spPr bwMode="auto">
-          <a:xfrm>
-            <a:off x="1286129" y="1690688"/>
-            <a:ext cx="9619742" cy="3813946"/>
-          </a:xfrm>
-          <a:prstGeom prst="rect">
-            <a:avLst/>
-          </a:prstGeom>
-          <a:noFill/>
-          <a:extLst>
-            <a:ext uri="{909E8E84-426E-40DD-AFC4-6F175D3DCCD1}">
-              <a14:hiddenFill xmlns:a14="http://schemas.microsoft.com/office/drawing/2010/main">
+          </p:cNvPr>
+          <p:cNvSpPr>
+            <a:spLocks noGrp="1"/>
+          </p:cNvSpPr>
+          <p:nvPr>
+            <p:ph idx="1"/>
+          </p:nvPr>
+        </p:nvSpPr>
+        <p:spPr/>
+        <p:txBody>
+          <a:bodyPr/>
+          <a:lstStyle/>
+          <a:p>
+            <a:r>
+              <a:rPr lang="es-ES" dirty="0"/>
+              <a:t>“</a:t>
+            </a:r>
+            <a:r>
+              <a:rPr lang="es-ES" i="0" dirty="0">
                 <a:solidFill>
-                  <a:srgbClr val="FFFFFF"/>
+                  <a:srgbClr val="2C2C2C"/>
                 </a:solidFill>
-              </a14:hiddenFill>
-            </a:ext>
-          </a:extLst>
-        </p:spPr>
-      </p:pic>
-      <p:sp>
-        <p:nvSpPr>
-          <p:cNvPr id="4" name="CuadroTexto 3"/>
-          <p:cNvSpPr txBox="1"/>
-          <p:nvPr/>
+                <a:effectLst/>
+              </a:rPr>
+              <a:t>El </a:t>
+            </a:r>
+            <a:r>
+              <a:rPr lang="es-ES" i="1" dirty="0">
+                <a:solidFill>
+                  <a:srgbClr val="2C2C2C"/>
+                </a:solidFill>
+                <a:effectLst/>
+              </a:rPr>
+              <a:t>Machine Learning</a:t>
+            </a:r>
+            <a:r>
+              <a:rPr lang="es-ES" i="0" dirty="0">
+                <a:solidFill>
+                  <a:srgbClr val="2C2C2C"/>
+                </a:solidFill>
+                <a:effectLst/>
+              </a:rPr>
+              <a:t> es una disciplina del campo de la </a:t>
+            </a:r>
+            <a:r>
+              <a:rPr lang="es-ES" i="0" u="none" strike="noStrike" dirty="0">
+                <a:solidFill>
+                  <a:srgbClr val="0D7CBF"/>
+                </a:solidFill>
+                <a:effectLst/>
+                <a:hlinkClick r:id="rId2"/>
+              </a:rPr>
+              <a:t>Inteligencia Artificial</a:t>
+            </a:r>
+            <a:r>
+              <a:rPr lang="es-ES" i="0" dirty="0">
+                <a:solidFill>
+                  <a:srgbClr val="2C2C2C"/>
+                </a:solidFill>
+                <a:effectLst/>
+              </a:rPr>
+              <a:t> que, a través de </a:t>
+            </a:r>
+            <a:r>
+              <a:rPr lang="es-ES" i="0" dirty="0">
+                <a:solidFill>
+                  <a:srgbClr val="CF4900"/>
+                </a:solidFill>
+                <a:effectLst/>
+              </a:rPr>
+              <a:t>algoritmos,</a:t>
+            </a:r>
+            <a:r>
+              <a:rPr lang="es-ES" i="0" dirty="0">
+                <a:solidFill>
+                  <a:srgbClr val="2C2C2C"/>
+                </a:solidFill>
+                <a:effectLst/>
+              </a:rPr>
+              <a:t> dota a los ordenadores de la capacidad de identificar patrones en datos masivos y elaborar predicciones (</a:t>
+            </a:r>
+            <a:r>
+              <a:rPr lang="es-ES" i="0" u="none" strike="noStrike" dirty="0">
+                <a:solidFill>
+                  <a:srgbClr val="0D7CBF"/>
+                </a:solidFill>
+                <a:effectLst/>
+                <a:hlinkClick r:id="rId3"/>
+              </a:rPr>
+              <a:t>análisis predictivo</a:t>
+            </a:r>
+            <a:r>
+              <a:rPr lang="es-ES" i="0" dirty="0">
+                <a:solidFill>
+                  <a:srgbClr val="2C2C2C"/>
+                </a:solidFill>
+                <a:effectLst/>
+              </a:rPr>
+              <a:t>)”</a:t>
+            </a:r>
+          </a:p>
+          <a:p>
+            <a:pPr marL="0" indent="0">
+              <a:buNone/>
+            </a:pPr>
+            <a:r>
+              <a:rPr lang="es-ES" dirty="0">
+                <a:solidFill>
+                  <a:srgbClr val="2C2C2C"/>
+                </a:solidFill>
+              </a:rPr>
+              <a:t>Fuente: Iberdrola: </a:t>
+            </a:r>
+            <a:r>
+              <a:rPr lang="es-ES" sz="1600" dirty="0">
+                <a:solidFill>
+                  <a:srgbClr val="2C2C2C"/>
+                </a:solidFill>
+                <a:hlinkClick r:id="rId4"/>
+              </a:rPr>
+              <a:t>https://www.iberdrola.com/</a:t>
+            </a:r>
+            <a:r>
+              <a:rPr lang="es-ES" sz="1600" dirty="0" err="1">
+                <a:solidFill>
+                  <a:srgbClr val="2C2C2C"/>
+                </a:solidFill>
+                <a:hlinkClick r:id="rId4"/>
+              </a:rPr>
+              <a:t>innovacion</a:t>
+            </a:r>
+            <a:r>
+              <a:rPr lang="es-ES" sz="1600" dirty="0">
+                <a:solidFill>
+                  <a:srgbClr val="2C2C2C"/>
+                </a:solidFill>
+                <a:hlinkClick r:id="rId4"/>
+              </a:rPr>
+              <a:t>/machine-learning-aprendizaje-automático</a:t>
+            </a:r>
+            <a:r>
+              <a:rPr lang="es-ES" sz="1600" dirty="0">
+                <a:solidFill>
+                  <a:srgbClr val="2C2C2C"/>
+                </a:solidFill>
+              </a:rPr>
+              <a:t> </a:t>
+            </a:r>
+            <a:endParaRPr lang="es-ES" dirty="0"/>
+          </a:p>
+        </p:txBody>
+      </p:sp>
+      <p:sp>
+        <p:nvSpPr>
+          <p:cNvPr id="4" name="Título 1">
+            <a:extLst>
+              <a:ext uri="{FF2B5EF4-FFF2-40B4-BE49-F238E27FC236}">
+                <a16:creationId xmlns:a16="http://schemas.microsoft.com/office/drawing/2014/main" id="{8A069EF8-271E-48B3-8A0C-080D9CB06CDD}"/>
+              </a:ext>
+            </a:extLst>
+          </p:cNvPr>
+          <p:cNvSpPr>
+            <a:spLocks noGrp="1"/>
+          </p:cNvSpPr>
+          <p:nvPr>
+            <p:ph type="title"/>
+          </p:nvPr>
         </p:nvSpPr>
         <p:spPr>
           <a:xfrm>
-            <a:off x="1724297" y="5504634"/>
-            <a:ext cx="4097383" cy="523220"/>
+            <a:off x="838200" y="365125"/>
+            <a:ext cx="10515600" cy="1325563"/>
           </a:xfrm>
-          <a:prstGeom prst="rect">
-            <a:avLst/>
-          </a:prstGeom>
-          <a:noFill/>
         </p:spPr>
         <p:txBody>
-          <a:bodyPr wrap="square" rtlCol="0">
-            <a:spAutoFit/>
-          </a:bodyPr>
-          <a:lstStyle/>
-          <a:p>
-            <a:pPr algn="ctr"/>
-            <a:r>
-              <a:rPr lang="es-ES" sz="2800" dirty="0"/>
-              <a:t>Atributos y clases</a:t>
-            </a:r>
-          </a:p>
-        </p:txBody>
-      </p:sp>
-      <p:sp>
-        <p:nvSpPr>
-          <p:cNvPr id="6" name="CuadroTexto 5"/>
-          <p:cNvSpPr txBox="1"/>
-          <p:nvPr/>
-        </p:nvSpPr>
-        <p:spPr>
-          <a:xfrm>
-            <a:off x="6315084" y="5504634"/>
-            <a:ext cx="4097383" cy="523220"/>
-          </a:xfrm>
-          <a:prstGeom prst="rect">
-            <a:avLst/>
-          </a:prstGeom>
-          <a:noFill/>
-        </p:spPr>
-        <p:txBody>
-          <a:bodyPr wrap="square" rtlCol="0">
-            <a:spAutoFit/>
-          </a:bodyPr>
-          <a:lstStyle/>
-          <a:p>
-            <a:pPr algn="ctr"/>
-            <a:r>
-              <a:rPr lang="es-ES" sz="2800" dirty="0"/>
-              <a:t>Solo atributos</a:t>
+          <a:bodyPr/>
+          <a:lstStyle/>
+          <a:p>
+            <a:r>
+              <a:rPr lang="es-ES" dirty="0"/>
+              <a:t>Introducción </a:t>
             </a:r>
           </a:p>
         </p:txBody>
@@ -6724,7 +7610,7 @@
     </p:spTree>
     <p:extLst>
       <p:ext uri="{BB962C8B-B14F-4D97-AF65-F5344CB8AC3E}">
-        <p14:creationId xmlns:p14="http://schemas.microsoft.com/office/powerpoint/2010/main" val="4148520123"/>
+        <p14:creationId xmlns:p14="http://schemas.microsoft.com/office/powerpoint/2010/main" val="1808727453"/>
       </p:ext>
     </p:extLst>
   </p:cSld>
@@ -6767,6 +7653,876 @@
           <a:lstStyle/>
           <a:p>
             <a:r>
+              <a:rPr lang="en-GB" dirty="0"/>
+              <a:t>Variables </a:t>
+            </a:r>
+            <a:r>
+              <a:rPr lang="en-GB" dirty="0" err="1"/>
+              <a:t>Estadísticas</a:t>
+            </a:r>
+            <a:r>
+              <a:rPr lang="en-GB" dirty="0"/>
+              <a:t> I (</a:t>
+            </a:r>
+            <a:r>
+              <a:rPr lang="en-GB" dirty="0" err="1"/>
+              <a:t>Sesión</a:t>
+            </a:r>
+            <a:r>
+              <a:rPr lang="en-GB" dirty="0"/>
+              <a:t> 2)</a:t>
+            </a:r>
+          </a:p>
+        </p:txBody>
+      </p:sp>
+      <p:pic>
+        <p:nvPicPr>
+          <p:cNvPr id="3074" name="Picture 2" descr="3.4. Población y muestra. Definición de variables estadísticas y escalas de  medición. - PORTAFOLIO USIL 2017-1"/>
+          <p:cNvPicPr>
+            <a:picLocks noChangeAspect="1" noChangeArrowheads="1"/>
+          </p:cNvPicPr>
+          <p:nvPr/>
+        </p:nvPicPr>
+        <p:blipFill>
+          <a:blip r:embed="rId2">
+            <a:extLst>
+              <a:ext uri="{28A0092B-C50C-407E-A947-70E740481C1C}">
+                <a14:useLocalDpi xmlns:a14="http://schemas.microsoft.com/office/drawing/2010/main" val="0"/>
+              </a:ext>
+            </a:extLst>
+          </a:blip>
+          <a:srcRect/>
+          <a:stretch>
+            <a:fillRect/>
+          </a:stretch>
+        </p:blipFill>
+        <p:spPr bwMode="auto">
+          <a:xfrm>
+            <a:off x="1823855" y="1808254"/>
+            <a:ext cx="8544289" cy="4299976"/>
+          </a:xfrm>
+          <a:prstGeom prst="rect">
+            <a:avLst/>
+          </a:prstGeom>
+          <a:noFill/>
+          <a:extLst>
+            <a:ext uri="{909E8E84-426E-40DD-AFC4-6F175D3DCCD1}">
+              <a14:hiddenFill xmlns:a14="http://schemas.microsoft.com/office/drawing/2010/main">
+                <a:solidFill>
+                  <a:srgbClr val="FFFFFF"/>
+                </a:solidFill>
+              </a14:hiddenFill>
+            </a:ext>
+          </a:extLst>
+        </p:spPr>
+      </p:pic>
+      <p:sp>
+        <p:nvSpPr>
+          <p:cNvPr id="5" name="Elipse 4"/>
+          <p:cNvSpPr/>
+          <p:nvPr/>
+        </p:nvSpPr>
+        <p:spPr>
+          <a:xfrm>
+            <a:off x="1162594" y="2602880"/>
+            <a:ext cx="4741817" cy="3338904"/>
+          </a:xfrm>
+          <a:prstGeom prst="ellipse">
+            <a:avLst/>
+          </a:prstGeom>
+          <a:noFill/>
+          <a:ln w="25400"/>
+        </p:spPr>
+        <p:style>
+          <a:lnRef idx="2">
+            <a:schemeClr val="accent1">
+              <a:shade val="50000"/>
+            </a:schemeClr>
+          </a:lnRef>
+          <a:fillRef idx="1">
+            <a:schemeClr val="accent1"/>
+          </a:fillRef>
+          <a:effectRef idx="0">
+            <a:schemeClr val="accent1"/>
+          </a:effectRef>
+          <a:fontRef idx="minor">
+            <a:schemeClr val="lt1"/>
+          </a:fontRef>
+        </p:style>
+        <p:txBody>
+          <a:bodyPr rtlCol="0" anchor="ctr"/>
+          <a:lstStyle/>
+          <a:p>
+            <a:pPr algn="ctr"/>
+            <a:endParaRPr lang="es-ES"/>
+          </a:p>
+        </p:txBody>
+      </p:sp>
+      <p:sp>
+        <p:nvSpPr>
+          <p:cNvPr id="7" name="Elipse 6"/>
+          <p:cNvSpPr/>
+          <p:nvPr/>
+        </p:nvSpPr>
+        <p:spPr>
+          <a:xfrm>
+            <a:off x="5904411" y="2602880"/>
+            <a:ext cx="4741817" cy="3338904"/>
+          </a:xfrm>
+          <a:prstGeom prst="ellipse">
+            <a:avLst/>
+          </a:prstGeom>
+          <a:noFill/>
+          <a:ln w="25400"/>
+        </p:spPr>
+        <p:style>
+          <a:lnRef idx="2">
+            <a:schemeClr val="accent1">
+              <a:shade val="50000"/>
+            </a:schemeClr>
+          </a:lnRef>
+          <a:fillRef idx="1">
+            <a:schemeClr val="accent1"/>
+          </a:fillRef>
+          <a:effectRef idx="0">
+            <a:schemeClr val="accent1"/>
+          </a:effectRef>
+          <a:fontRef idx="minor">
+            <a:schemeClr val="lt1"/>
+          </a:fontRef>
+        </p:style>
+        <p:txBody>
+          <a:bodyPr rtlCol="0" anchor="ctr"/>
+          <a:lstStyle/>
+          <a:p>
+            <a:pPr algn="ctr"/>
+            <a:endParaRPr lang="es-ES"/>
+          </a:p>
+        </p:txBody>
+      </p:sp>
+      <p:sp>
+        <p:nvSpPr>
+          <p:cNvPr id="6" name="CuadroTexto 5"/>
+          <p:cNvSpPr txBox="1"/>
+          <p:nvPr/>
+        </p:nvSpPr>
+        <p:spPr>
+          <a:xfrm>
+            <a:off x="2114605" y="5806733"/>
+            <a:ext cx="2837793" cy="769441"/>
+          </a:xfrm>
+          <a:prstGeom prst="rect">
+            <a:avLst/>
+          </a:prstGeom>
+          <a:noFill/>
+        </p:spPr>
+        <p:txBody>
+          <a:bodyPr wrap="square" rtlCol="0">
+            <a:spAutoFit/>
+          </a:bodyPr>
+          <a:lstStyle/>
+          <a:p>
+            <a:pPr algn="ctr"/>
+            <a:r>
+              <a:rPr lang="es-ES" sz="4400" dirty="0">
+                <a:solidFill>
+                  <a:srgbClr val="002060"/>
+                </a:solidFill>
+              </a:rPr>
+              <a:t>Regresión</a:t>
+            </a:r>
+            <a:endParaRPr lang="es-ES" dirty="0">
+              <a:solidFill>
+                <a:srgbClr val="002060"/>
+              </a:solidFill>
+            </a:endParaRPr>
+          </a:p>
+        </p:txBody>
+      </p:sp>
+      <p:sp>
+        <p:nvSpPr>
+          <p:cNvPr id="9" name="CuadroTexto 8"/>
+          <p:cNvSpPr txBox="1"/>
+          <p:nvPr/>
+        </p:nvSpPr>
+        <p:spPr>
+          <a:xfrm>
+            <a:off x="6473247" y="5841075"/>
+            <a:ext cx="3511720" cy="769441"/>
+          </a:xfrm>
+          <a:prstGeom prst="rect">
+            <a:avLst/>
+          </a:prstGeom>
+          <a:noFill/>
+        </p:spPr>
+        <p:txBody>
+          <a:bodyPr wrap="square" rtlCol="0">
+            <a:spAutoFit/>
+          </a:bodyPr>
+          <a:lstStyle/>
+          <a:p>
+            <a:pPr algn="ctr"/>
+            <a:r>
+              <a:rPr lang="es-ES" sz="4400" dirty="0">
+                <a:solidFill>
+                  <a:srgbClr val="002060"/>
+                </a:solidFill>
+              </a:rPr>
+              <a:t>Clasificación</a:t>
+            </a:r>
+            <a:endParaRPr lang="es-ES" dirty="0">
+              <a:solidFill>
+                <a:srgbClr val="002060"/>
+              </a:solidFill>
+            </a:endParaRPr>
+          </a:p>
+        </p:txBody>
+      </p:sp>
+    </p:spTree>
+    <p:extLst>
+      <p:ext uri="{BB962C8B-B14F-4D97-AF65-F5344CB8AC3E}">
+        <p14:creationId xmlns:p14="http://schemas.microsoft.com/office/powerpoint/2010/main" val="47075193"/>
+      </p:ext>
+    </p:extLst>
+  </p:cSld>
+  <p:clrMapOvr>
+    <a:masterClrMapping/>
+  </p:clrMapOvr>
+</p:sld>
+</file>
+
+<file path=ppt/slides/slide13.xml><?xml version="1.0" encoding="utf-8"?>
+<p:sld xmlns:a="http://schemas.openxmlformats.org/drawingml/2006/main" xmlns:r="http://schemas.openxmlformats.org/officeDocument/2006/relationships" xmlns:p="http://schemas.openxmlformats.org/presentationml/2006/main">
+  <p:cSld>
+    <p:spTree>
+      <p:nvGrpSpPr>
+        <p:cNvPr id="1" name=""/>
+        <p:cNvGrpSpPr/>
+        <p:nvPr/>
+      </p:nvGrpSpPr>
+      <p:grpSpPr>
+        <a:xfrm>
+          <a:off x="0" y="0"/>
+          <a:ext cx="0" cy="0"/>
+          <a:chOff x="0" y="0"/>
+          <a:chExt cx="0" cy="0"/>
+        </a:xfrm>
+      </p:grpSpPr>
+      <p:sp>
+        <p:nvSpPr>
+          <p:cNvPr id="2" name="Título 1"/>
+          <p:cNvSpPr>
+            <a:spLocks noGrp="1"/>
+          </p:cNvSpPr>
+          <p:nvPr>
+            <p:ph type="title"/>
+          </p:nvPr>
+        </p:nvSpPr>
+        <p:spPr/>
+        <p:txBody>
+          <a:bodyPr/>
+          <a:lstStyle/>
+          <a:p>
+            <a:r>
+              <a:rPr lang="es-ES" dirty="0"/>
+              <a:t>Introducción </a:t>
+            </a:r>
+          </a:p>
+        </p:txBody>
+      </p:sp>
+      <p:pic>
+        <p:nvPicPr>
+          <p:cNvPr id="1026" name="Picture 2" descr="classical machine learning pattern recognition">
+            <a:extLst>
+              <a:ext uri="{FF2B5EF4-FFF2-40B4-BE49-F238E27FC236}">
+                <a16:creationId xmlns:a16="http://schemas.microsoft.com/office/drawing/2014/main" id="{E6664584-7D54-43DF-AAED-9FFC7046D00D}"/>
+              </a:ext>
+            </a:extLst>
+          </p:cNvPr>
+          <p:cNvPicPr>
+            <a:picLocks noChangeAspect="1" noChangeArrowheads="1"/>
+          </p:cNvPicPr>
+          <p:nvPr/>
+        </p:nvPicPr>
+        <p:blipFill>
+          <a:blip r:embed="rId2">
+            <a:extLst>
+              <a:ext uri="{28A0092B-C50C-407E-A947-70E740481C1C}">
+                <a14:useLocalDpi xmlns:a14="http://schemas.microsoft.com/office/drawing/2010/main" val="0"/>
+              </a:ext>
+            </a:extLst>
+          </a:blip>
+          <a:srcRect/>
+          <a:stretch>
+            <a:fillRect/>
+          </a:stretch>
+        </p:blipFill>
+        <p:spPr bwMode="auto">
+          <a:xfrm>
+            <a:off x="4523220" y="1893454"/>
+            <a:ext cx="6929871" cy="4888478"/>
+          </a:xfrm>
+          <a:prstGeom prst="rect">
+            <a:avLst/>
+          </a:prstGeom>
+          <a:noFill/>
+          <a:extLst>
+            <a:ext uri="{909E8E84-426E-40DD-AFC4-6F175D3DCCD1}">
+              <a14:hiddenFill xmlns:a14="http://schemas.microsoft.com/office/drawing/2010/main">
+                <a:solidFill>
+                  <a:srgbClr val="FFFFFF"/>
+                </a:solidFill>
+              </a14:hiddenFill>
+            </a:ext>
+          </a:extLst>
+        </p:spPr>
+      </p:pic>
+      <p:sp>
+        <p:nvSpPr>
+          <p:cNvPr id="6" name="TextBox 5">
+            <a:extLst>
+              <a:ext uri="{FF2B5EF4-FFF2-40B4-BE49-F238E27FC236}">
+                <a16:creationId xmlns:a16="http://schemas.microsoft.com/office/drawing/2014/main" id="{A54FAD4F-9635-4C1E-B4FE-B8C8474EED92}"/>
+              </a:ext>
+            </a:extLst>
+          </p:cNvPr>
+          <p:cNvSpPr txBox="1"/>
+          <p:nvPr/>
+        </p:nvSpPr>
+        <p:spPr>
+          <a:xfrm>
+            <a:off x="480291" y="3657600"/>
+            <a:ext cx="3389746" cy="830997"/>
+          </a:xfrm>
+          <a:prstGeom prst="rect">
+            <a:avLst/>
+          </a:prstGeom>
+          <a:noFill/>
+        </p:spPr>
+        <p:txBody>
+          <a:bodyPr wrap="square" rtlCol="0">
+            <a:spAutoFit/>
+          </a:bodyPr>
+          <a:lstStyle/>
+          <a:p>
+            <a:r>
+              <a:rPr lang="es-ES" sz="2400" dirty="0"/>
+              <a:t>Tipos de algoritmos de aprendizaje automático</a:t>
+            </a:r>
+          </a:p>
+        </p:txBody>
+      </p:sp>
+      <p:sp>
+        <p:nvSpPr>
+          <p:cNvPr id="7" name="Oval 6">
+            <a:extLst>
+              <a:ext uri="{FF2B5EF4-FFF2-40B4-BE49-F238E27FC236}">
+                <a16:creationId xmlns:a16="http://schemas.microsoft.com/office/drawing/2014/main" id="{5A422F3A-2571-4108-8077-414CCA682E3B}"/>
+              </a:ext>
+            </a:extLst>
+          </p:cNvPr>
+          <p:cNvSpPr/>
+          <p:nvPr/>
+        </p:nvSpPr>
+        <p:spPr>
+          <a:xfrm>
+            <a:off x="7422925" y="3342786"/>
+            <a:ext cx="1865454" cy="1847273"/>
+          </a:xfrm>
+          <a:prstGeom prst="ellipse">
+            <a:avLst/>
+          </a:prstGeom>
+          <a:noFill/>
+          <a:ln w="47625">
+            <a:solidFill>
+              <a:srgbClr val="FF0000"/>
+            </a:solidFill>
+          </a:ln>
+        </p:spPr>
+        <p:style>
+          <a:lnRef idx="2">
+            <a:schemeClr val="accent1">
+              <a:shade val="50000"/>
+            </a:schemeClr>
+          </a:lnRef>
+          <a:fillRef idx="1">
+            <a:schemeClr val="accent1"/>
+          </a:fillRef>
+          <a:effectRef idx="0">
+            <a:schemeClr val="accent1"/>
+          </a:effectRef>
+          <a:fontRef idx="minor">
+            <a:schemeClr val="lt1"/>
+          </a:fontRef>
+        </p:style>
+        <p:txBody>
+          <a:bodyPr rtlCol="0" anchor="ctr"/>
+          <a:lstStyle/>
+          <a:p>
+            <a:pPr algn="ctr"/>
+            <a:endParaRPr lang="es-ES"/>
+          </a:p>
+        </p:txBody>
+      </p:sp>
+    </p:spTree>
+    <p:extLst>
+      <p:ext uri="{BB962C8B-B14F-4D97-AF65-F5344CB8AC3E}">
+        <p14:creationId xmlns:p14="http://schemas.microsoft.com/office/powerpoint/2010/main" val="2923506841"/>
+      </p:ext>
+    </p:extLst>
+  </p:cSld>
+  <p:clrMapOvr>
+    <a:masterClrMapping/>
+  </p:clrMapOvr>
+</p:sld>
+</file>
+
+<file path=ppt/slides/slide14.xml><?xml version="1.0" encoding="utf-8"?>
+<p:sld xmlns:a="http://schemas.openxmlformats.org/drawingml/2006/main" xmlns:r="http://schemas.openxmlformats.org/officeDocument/2006/relationships" xmlns:p="http://schemas.openxmlformats.org/presentationml/2006/main">
+  <p:cSld>
+    <p:spTree>
+      <p:nvGrpSpPr>
+        <p:cNvPr id="1" name=""/>
+        <p:cNvGrpSpPr/>
+        <p:nvPr/>
+      </p:nvGrpSpPr>
+      <p:grpSpPr>
+        <a:xfrm>
+          <a:off x="0" y="0"/>
+          <a:ext cx="0" cy="0"/>
+          <a:chOff x="0" y="0"/>
+          <a:chExt cx="0" cy="0"/>
+        </a:xfrm>
+      </p:grpSpPr>
+      <p:pic>
+        <p:nvPicPr>
+          <p:cNvPr id="1026" name="Picture 2" descr="Examples of Supervised Learning (Linear Regression) and Unsupervised... |  Download Scientific Diagram"/>
+          <p:cNvPicPr>
+            <a:picLocks noChangeAspect="1" noChangeArrowheads="1"/>
+          </p:cNvPicPr>
+          <p:nvPr/>
+        </p:nvPicPr>
+        <p:blipFill>
+          <a:blip r:embed="rId2">
+            <a:extLst>
+              <a:ext uri="{28A0092B-C50C-407E-A947-70E740481C1C}">
+                <a14:useLocalDpi xmlns:a14="http://schemas.microsoft.com/office/drawing/2010/main" val="0"/>
+              </a:ext>
+            </a:extLst>
+          </a:blip>
+          <a:srcRect/>
+          <a:stretch>
+            <a:fillRect/>
+          </a:stretch>
+        </p:blipFill>
+        <p:spPr bwMode="auto">
+          <a:xfrm>
+            <a:off x="1286129" y="1692907"/>
+            <a:ext cx="9619742" cy="3813946"/>
+          </a:xfrm>
+          <a:prstGeom prst="rect">
+            <a:avLst/>
+          </a:prstGeom>
+          <a:noFill/>
+          <a:extLst>
+            <a:ext uri="{909E8E84-426E-40DD-AFC4-6F175D3DCCD1}">
+              <a14:hiddenFill xmlns:a14="http://schemas.microsoft.com/office/drawing/2010/main">
+                <a:solidFill>
+                  <a:srgbClr val="FFFFFF"/>
+                </a:solidFill>
+              </a14:hiddenFill>
+            </a:ext>
+          </a:extLst>
+        </p:spPr>
+      </p:pic>
+      <p:sp>
+        <p:nvSpPr>
+          <p:cNvPr id="4" name="CuadroTexto 3"/>
+          <p:cNvSpPr txBox="1"/>
+          <p:nvPr/>
+        </p:nvSpPr>
+        <p:spPr>
+          <a:xfrm>
+            <a:off x="1724297" y="5504634"/>
+            <a:ext cx="4097383" cy="523220"/>
+          </a:xfrm>
+          <a:prstGeom prst="rect">
+            <a:avLst/>
+          </a:prstGeom>
+          <a:noFill/>
+        </p:spPr>
+        <p:txBody>
+          <a:bodyPr wrap="square" rtlCol="0">
+            <a:spAutoFit/>
+          </a:bodyPr>
+          <a:lstStyle/>
+          <a:p>
+            <a:pPr algn="ctr"/>
+            <a:r>
+              <a:rPr lang="es-ES" sz="2800" dirty="0"/>
+              <a:t>Atributos y clases</a:t>
+            </a:r>
+          </a:p>
+        </p:txBody>
+      </p:sp>
+      <p:sp>
+        <p:nvSpPr>
+          <p:cNvPr id="6" name="CuadroTexto 5"/>
+          <p:cNvSpPr txBox="1"/>
+          <p:nvPr/>
+        </p:nvSpPr>
+        <p:spPr>
+          <a:xfrm>
+            <a:off x="6315084" y="5504634"/>
+            <a:ext cx="4097383" cy="523220"/>
+          </a:xfrm>
+          <a:prstGeom prst="rect">
+            <a:avLst/>
+          </a:prstGeom>
+          <a:noFill/>
+        </p:spPr>
+        <p:txBody>
+          <a:bodyPr wrap="square" rtlCol="0">
+            <a:spAutoFit/>
+          </a:bodyPr>
+          <a:lstStyle/>
+          <a:p>
+            <a:pPr algn="ctr"/>
+            <a:r>
+              <a:rPr lang="es-ES" sz="2800" dirty="0"/>
+              <a:t>Solo atributos</a:t>
+            </a:r>
+          </a:p>
+        </p:txBody>
+      </p:sp>
+      <p:sp>
+        <p:nvSpPr>
+          <p:cNvPr id="9" name="Título 1">
+            <a:extLst>
+              <a:ext uri="{FF2B5EF4-FFF2-40B4-BE49-F238E27FC236}">
+                <a16:creationId xmlns:a16="http://schemas.microsoft.com/office/drawing/2014/main" id="{EFCF3737-C2F4-4C0B-B839-D65AE9DA19FA}"/>
+              </a:ext>
+            </a:extLst>
+          </p:cNvPr>
+          <p:cNvSpPr>
+            <a:spLocks noGrp="1"/>
+          </p:cNvSpPr>
+          <p:nvPr>
+            <p:ph type="title"/>
+          </p:nvPr>
+        </p:nvSpPr>
+        <p:spPr>
+          <a:xfrm>
+            <a:off x="838200" y="365125"/>
+            <a:ext cx="10515600" cy="1325563"/>
+          </a:xfrm>
+        </p:spPr>
+        <p:txBody>
+          <a:bodyPr/>
+          <a:lstStyle/>
+          <a:p>
+            <a:r>
+              <a:rPr lang="es-ES" dirty="0"/>
+              <a:t>Introducción </a:t>
+            </a:r>
+          </a:p>
+        </p:txBody>
+      </p:sp>
+    </p:spTree>
+    <p:extLst>
+      <p:ext uri="{BB962C8B-B14F-4D97-AF65-F5344CB8AC3E}">
+        <p14:creationId xmlns:p14="http://schemas.microsoft.com/office/powerpoint/2010/main" val="4148520123"/>
+      </p:ext>
+    </p:extLst>
+  </p:cSld>
+  <p:clrMapOvr>
+    <a:masterClrMapping/>
+  </p:clrMapOvr>
+</p:sld>
+</file>
+
+<file path=ppt/slides/slide15.xml><?xml version="1.0" encoding="utf-8"?>
+<p:sld xmlns:a="http://schemas.openxmlformats.org/drawingml/2006/main" xmlns:r="http://schemas.openxmlformats.org/officeDocument/2006/relationships" xmlns:p="http://schemas.openxmlformats.org/presentationml/2006/main">
+  <p:cSld>
+    <p:spTree>
+      <p:nvGrpSpPr>
+        <p:cNvPr id="1" name=""/>
+        <p:cNvGrpSpPr/>
+        <p:nvPr/>
+      </p:nvGrpSpPr>
+      <p:grpSpPr>
+        <a:xfrm>
+          <a:off x="0" y="0"/>
+          <a:ext cx="0" cy="0"/>
+          <a:chOff x="0" y="0"/>
+          <a:chExt cx="0" cy="0"/>
+        </a:xfrm>
+      </p:grpSpPr>
+      <p:sp>
+        <p:nvSpPr>
+          <p:cNvPr id="4" name="Título 1">
+            <a:extLst>
+              <a:ext uri="{FF2B5EF4-FFF2-40B4-BE49-F238E27FC236}">
+                <a16:creationId xmlns:a16="http://schemas.microsoft.com/office/drawing/2014/main" id="{C5D6DB61-39C6-4389-8C11-F451CAE0CD5A}"/>
+              </a:ext>
+            </a:extLst>
+          </p:cNvPr>
+          <p:cNvSpPr>
+            <a:spLocks noGrp="1"/>
+          </p:cNvSpPr>
+          <p:nvPr>
+            <p:ph type="title"/>
+          </p:nvPr>
+        </p:nvSpPr>
+        <p:spPr>
+          <a:xfrm>
+            <a:off x="838200" y="355600"/>
+            <a:ext cx="10515600" cy="1325563"/>
+          </a:xfrm>
+        </p:spPr>
+        <p:txBody>
+          <a:bodyPr/>
+          <a:lstStyle/>
+          <a:p>
+            <a:r>
+              <a:rPr lang="es-ES" dirty="0"/>
+              <a:t>Introducción </a:t>
+            </a:r>
+          </a:p>
+        </p:txBody>
+      </p:sp>
+      <p:pic>
+        <p:nvPicPr>
+          <p:cNvPr id="1026" name="Picture 2">
+            <a:extLst>
+              <a:ext uri="{FF2B5EF4-FFF2-40B4-BE49-F238E27FC236}">
+                <a16:creationId xmlns:a16="http://schemas.microsoft.com/office/drawing/2014/main" id="{A5A99F72-CB0F-4882-B276-1EF0D2C5FC5F}"/>
+              </a:ext>
+            </a:extLst>
+          </p:cNvPr>
+          <p:cNvPicPr>
+            <a:picLocks noChangeAspect="1" noChangeArrowheads="1"/>
+          </p:cNvPicPr>
+          <p:nvPr/>
+        </p:nvPicPr>
+        <p:blipFill>
+          <a:blip r:embed="rId2">
+            <a:extLst>
+              <a:ext uri="{28A0092B-C50C-407E-A947-70E740481C1C}">
+                <a14:useLocalDpi xmlns:a14="http://schemas.microsoft.com/office/drawing/2010/main" val="0"/>
+              </a:ext>
+            </a:extLst>
+          </a:blip>
+          <a:srcRect/>
+          <a:stretch>
+            <a:fillRect/>
+          </a:stretch>
+        </p:blipFill>
+        <p:spPr bwMode="auto">
+          <a:xfrm>
+            <a:off x="2964874" y="2248095"/>
+            <a:ext cx="7357774" cy="4488221"/>
+          </a:xfrm>
+          <a:prstGeom prst="rect">
+            <a:avLst/>
+          </a:prstGeom>
+          <a:noFill/>
+          <a:extLst>
+            <a:ext uri="{909E8E84-426E-40DD-AFC4-6F175D3DCCD1}">
+              <a14:hiddenFill xmlns:a14="http://schemas.microsoft.com/office/drawing/2010/main">
+                <a:solidFill>
+                  <a:srgbClr val="FFFFFF"/>
+                </a:solidFill>
+              </a14:hiddenFill>
+            </a:ext>
+          </a:extLst>
+        </p:spPr>
+      </p:pic>
+      <p:sp>
+        <p:nvSpPr>
+          <p:cNvPr id="5" name="TextBox 4">
+            <a:extLst>
+              <a:ext uri="{FF2B5EF4-FFF2-40B4-BE49-F238E27FC236}">
+                <a16:creationId xmlns:a16="http://schemas.microsoft.com/office/drawing/2014/main" id="{F48E5763-2C6B-4EA6-B935-5EF74D782195}"/>
+              </a:ext>
+            </a:extLst>
+          </p:cNvPr>
+          <p:cNvSpPr txBox="1"/>
+          <p:nvPr/>
+        </p:nvSpPr>
+        <p:spPr>
+          <a:xfrm>
+            <a:off x="838200" y="1878763"/>
+            <a:ext cx="4488873" cy="369332"/>
+          </a:xfrm>
+          <a:prstGeom prst="rect">
+            <a:avLst/>
+          </a:prstGeom>
+          <a:noFill/>
+        </p:spPr>
+        <p:txBody>
+          <a:bodyPr wrap="square" rtlCol="0">
+            <a:spAutoFit/>
+          </a:bodyPr>
+          <a:lstStyle/>
+          <a:p>
+            <a:r>
+              <a:rPr lang="es-ES" dirty="0"/>
+              <a:t>En verdad, no todo es tan sencillo…</a:t>
+            </a:r>
+          </a:p>
+        </p:txBody>
+      </p:sp>
+    </p:spTree>
+    <p:extLst>
+      <p:ext uri="{BB962C8B-B14F-4D97-AF65-F5344CB8AC3E}">
+        <p14:creationId xmlns:p14="http://schemas.microsoft.com/office/powerpoint/2010/main" val="3937452992"/>
+      </p:ext>
+    </p:extLst>
+  </p:cSld>
+  <p:clrMapOvr>
+    <a:masterClrMapping/>
+  </p:clrMapOvr>
+</p:sld>
+</file>
+
+<file path=ppt/slides/slide16.xml><?xml version="1.0" encoding="utf-8"?>
+<p:sld xmlns:a="http://schemas.openxmlformats.org/drawingml/2006/main" xmlns:r="http://schemas.openxmlformats.org/officeDocument/2006/relationships" xmlns:p="http://schemas.openxmlformats.org/presentationml/2006/main">
+  <p:cSld>
+    <p:spTree>
+      <p:nvGrpSpPr>
+        <p:cNvPr id="1" name=""/>
+        <p:cNvGrpSpPr/>
+        <p:nvPr/>
+      </p:nvGrpSpPr>
+      <p:grpSpPr>
+        <a:xfrm>
+          <a:off x="0" y="0"/>
+          <a:ext cx="0" cy="0"/>
+          <a:chOff x="0" y="0"/>
+          <a:chExt cx="0" cy="0"/>
+        </a:xfrm>
+      </p:grpSpPr>
+      <p:sp>
+        <p:nvSpPr>
+          <p:cNvPr id="2" name="Título 1"/>
+          <p:cNvSpPr>
+            <a:spLocks noGrp="1"/>
+          </p:cNvSpPr>
+          <p:nvPr>
+            <p:ph type="title"/>
+          </p:nvPr>
+        </p:nvSpPr>
+        <p:spPr/>
+        <p:txBody>
+          <a:bodyPr/>
+          <a:lstStyle/>
+          <a:p>
+            <a:r>
+              <a:rPr lang="es-ES" dirty="0"/>
+              <a:t>Introducción Clustering No-supervisado</a:t>
+            </a:r>
+          </a:p>
+        </p:txBody>
+      </p:sp>
+      <p:sp>
+        <p:nvSpPr>
+          <p:cNvPr id="3" name="Marcador de contenido 2"/>
+          <p:cNvSpPr>
+            <a:spLocks noGrp="1"/>
+          </p:cNvSpPr>
+          <p:nvPr>
+            <p:ph idx="1"/>
+          </p:nvPr>
+        </p:nvSpPr>
+        <p:spPr/>
+        <p:txBody>
+          <a:bodyPr/>
+          <a:lstStyle/>
+          <a:p>
+            <a:pPr marL="0" indent="0" algn="just">
+              <a:buNone/>
+            </a:pPr>
+            <a:r>
+              <a:rPr lang="es-ES" dirty="0"/>
+              <a:t>¿Qué es?</a:t>
+            </a:r>
+          </a:p>
+          <a:p>
+            <a:pPr marL="0" indent="0" algn="just">
+              <a:buNone/>
+            </a:pPr>
+            <a:endParaRPr lang="es-ES" dirty="0"/>
+          </a:p>
+          <a:p>
+            <a:pPr marL="0" indent="0" algn="just">
+              <a:buNone/>
+            </a:pPr>
+            <a:r>
+              <a:rPr lang="es-ES" dirty="0"/>
+              <a:t>“Si no se dispone del conjunto de entrenamiento, es decir, no existe conocimiento acerca de las etiquetas de los patrones, entonces para clasificar objetos se necesita un proceso previo de análisis de los datos que se conoce como clasificación no supervisada, aprendizaje no supervisado o técnicas de agrupamiento (clustering), que proporcionan un conocimiento sobre la estructura de los datos”</a:t>
+            </a:r>
+          </a:p>
+          <a:p>
+            <a:pPr marL="0" indent="0">
+              <a:buNone/>
+            </a:pPr>
+            <a:endParaRPr lang="es-ES" dirty="0"/>
+          </a:p>
+          <a:p>
+            <a:pPr marL="0" indent="0">
+              <a:buNone/>
+            </a:pPr>
+            <a:endParaRPr lang="es-ES" dirty="0"/>
+          </a:p>
+        </p:txBody>
+      </p:sp>
+    </p:spTree>
+    <p:extLst>
+      <p:ext uri="{BB962C8B-B14F-4D97-AF65-F5344CB8AC3E}">
+        <p14:creationId xmlns:p14="http://schemas.microsoft.com/office/powerpoint/2010/main" val="2878335658"/>
+      </p:ext>
+    </p:extLst>
+  </p:cSld>
+  <p:clrMapOvr>
+    <a:masterClrMapping/>
+  </p:clrMapOvr>
+</p:sld>
+</file>
+
+<file path=ppt/slides/slide17.xml><?xml version="1.0" encoding="utf-8"?>
+<p:sld xmlns:a="http://schemas.openxmlformats.org/drawingml/2006/main" xmlns:r="http://schemas.openxmlformats.org/officeDocument/2006/relationships" xmlns:p="http://schemas.openxmlformats.org/presentationml/2006/main">
+  <p:cSld>
+    <p:spTree>
+      <p:nvGrpSpPr>
+        <p:cNvPr id="1" name=""/>
+        <p:cNvGrpSpPr/>
+        <p:nvPr/>
+      </p:nvGrpSpPr>
+      <p:grpSpPr>
+        <a:xfrm>
+          <a:off x="0" y="0"/>
+          <a:ext cx="0" cy="0"/>
+          <a:chOff x="0" y="0"/>
+          <a:chExt cx="0" cy="0"/>
+        </a:xfrm>
+      </p:grpSpPr>
+      <p:sp>
+        <p:nvSpPr>
+          <p:cNvPr id="2" name="Título 1"/>
+          <p:cNvSpPr>
+            <a:spLocks noGrp="1"/>
+          </p:cNvSpPr>
+          <p:nvPr>
+            <p:ph type="title"/>
+          </p:nvPr>
+        </p:nvSpPr>
+        <p:spPr/>
+        <p:txBody>
+          <a:bodyPr/>
+          <a:lstStyle/>
+          <a:p>
+            <a:r>
               <a:rPr lang="es-ES" dirty="0"/>
               <a:t>Introducción Clustering No-supervisado</a:t>
             </a:r>
@@ -6844,7 +8600,7 @@
 </p:sld>
 </file>
 
-<file path=ppt/slides/slide13.xml><?xml version="1.0" encoding="utf-8"?>
+<file path=ppt/slides/slide18.xml><?xml version="1.0" encoding="utf-8"?>
 <p:sld xmlns:a="http://schemas.openxmlformats.org/drawingml/2006/main" xmlns:r="http://schemas.openxmlformats.org/officeDocument/2006/relationships" xmlns:p="http://schemas.openxmlformats.org/presentationml/2006/main">
   <p:cSld>
     <p:spTree>
@@ -7114,7 +8870,7 @@
 </p:sld>
 </file>
 
-<file path=ppt/slides/slide14.xml><?xml version="1.0" encoding="utf-8"?>
+<file path=ppt/slides/slide19.xml><?xml version="1.0" encoding="utf-8"?>
 <p:sld xmlns:a="http://schemas.openxmlformats.org/drawingml/2006/main" xmlns:r="http://schemas.openxmlformats.org/officeDocument/2006/relationships" xmlns:p="http://schemas.openxmlformats.org/presentationml/2006/main">
   <p:cSld>
     <p:spTree>
@@ -7258,7 +9014,233 @@
 </p:sld>
 </file>
 
-<file path=ppt/slides/slide15.xml><?xml version="1.0" encoding="utf-8"?>
+<file path=ppt/slides/slide2.xml><?xml version="1.0" encoding="utf-8"?>
+<p:sld xmlns:a="http://schemas.openxmlformats.org/drawingml/2006/main" xmlns:r="http://schemas.openxmlformats.org/officeDocument/2006/relationships" xmlns:p="http://schemas.openxmlformats.org/presentationml/2006/main">
+  <p:cSld>
+    <p:spTree>
+      <p:nvGrpSpPr>
+        <p:cNvPr id="1" name=""/>
+        <p:cNvGrpSpPr/>
+        <p:nvPr/>
+      </p:nvGrpSpPr>
+      <p:grpSpPr>
+        <a:xfrm>
+          <a:off x="0" y="0"/>
+          <a:ext cx="0" cy="0"/>
+          <a:chOff x="0" y="0"/>
+          <a:chExt cx="0" cy="0"/>
+        </a:xfrm>
+      </p:grpSpPr>
+      <p:sp>
+        <p:nvSpPr>
+          <p:cNvPr id="2" name="Título 1">
+            <a:extLst>
+              <a:ext uri="{FF2B5EF4-FFF2-40B4-BE49-F238E27FC236}">
+                <a16:creationId xmlns:a16="http://schemas.microsoft.com/office/drawing/2014/main" id="{E6F876DF-B3E3-43EA-B556-5A0D56EBFC87}"/>
+              </a:ext>
+            </a:extLst>
+          </p:cNvPr>
+          <p:cNvSpPr>
+            <a:spLocks noGrp="1"/>
+          </p:cNvSpPr>
+          <p:nvPr>
+            <p:ph type="title"/>
+          </p:nvPr>
+        </p:nvSpPr>
+        <p:spPr/>
+        <p:txBody>
+          <a:bodyPr/>
+          <a:lstStyle/>
+          <a:p>
+            <a:r>
+              <a:rPr lang="es-ES" dirty="0"/>
+              <a:t>Introducción General</a:t>
+            </a:r>
+            <a:endParaRPr lang="en-GB" dirty="0"/>
+          </a:p>
+        </p:txBody>
+      </p:sp>
+      <p:sp>
+        <p:nvSpPr>
+          <p:cNvPr id="17" name="Marcador de contenido 16">
+            <a:extLst>
+              <a:ext uri="{FF2B5EF4-FFF2-40B4-BE49-F238E27FC236}">
+                <a16:creationId xmlns:a16="http://schemas.microsoft.com/office/drawing/2014/main" id="{803D551A-E37E-40C9-B653-44E77665497E}"/>
+              </a:ext>
+            </a:extLst>
+          </p:cNvPr>
+          <p:cNvSpPr>
+            <a:spLocks noGrp="1"/>
+          </p:cNvSpPr>
+          <p:nvPr>
+            <p:ph idx="1"/>
+          </p:nvPr>
+        </p:nvSpPr>
+        <p:spPr/>
+        <p:txBody>
+          <a:bodyPr>
+            <a:normAutofit fontScale="77500" lnSpcReduction="20000"/>
+          </a:bodyPr>
+          <a:lstStyle/>
+          <a:p>
+            <a:r>
+              <a:rPr lang="es-ES" dirty="0"/>
+              <a:t>La tecnología evoluciona. En 2021…</a:t>
+            </a:r>
+          </a:p>
+          <a:p>
+            <a:pPr lvl="1"/>
+            <a:r>
+              <a:rPr lang="es-ES" dirty="0"/>
+              <a:t>Los sistemas de monitorización y control son capaces de entregar grandes volúmenes de información</a:t>
+            </a:r>
+          </a:p>
+          <a:p>
+            <a:pPr lvl="1"/>
+            <a:r>
+              <a:rPr lang="en-GB" dirty="0" err="1"/>
+              <a:t>Existen</a:t>
+            </a:r>
+            <a:r>
+              <a:rPr lang="en-GB" dirty="0"/>
+              <a:t> </a:t>
+            </a:r>
+            <a:r>
+              <a:rPr lang="en-GB" dirty="0" err="1"/>
+              <a:t>herramientas</a:t>
+            </a:r>
+            <a:r>
+              <a:rPr lang="en-GB" dirty="0"/>
+              <a:t> de </a:t>
+            </a:r>
+            <a:r>
+              <a:rPr lang="en-GB" dirty="0" err="1"/>
+              <a:t>análisis</a:t>
+            </a:r>
+            <a:r>
+              <a:rPr lang="en-GB" dirty="0"/>
+              <a:t> </a:t>
+            </a:r>
+            <a:r>
+              <a:rPr lang="en-GB" dirty="0" err="1"/>
+              <a:t>avanzadas</a:t>
+            </a:r>
+            <a:endParaRPr lang="en-GB" dirty="0"/>
+          </a:p>
+          <a:p>
+            <a:r>
+              <a:rPr lang="en-GB" dirty="0"/>
+              <a:t>Las </a:t>
+            </a:r>
+            <a:r>
+              <a:rPr lang="en-GB" dirty="0" err="1"/>
+              <a:t>aplicaciones</a:t>
+            </a:r>
+            <a:r>
+              <a:rPr lang="en-GB" dirty="0"/>
+              <a:t> </a:t>
+            </a:r>
+            <a:r>
+              <a:rPr lang="en-GB" dirty="0" err="1"/>
+              <a:t>energéticas</a:t>
+            </a:r>
+            <a:r>
+              <a:rPr lang="en-GB" dirty="0"/>
+              <a:t> </a:t>
+            </a:r>
+            <a:r>
+              <a:rPr lang="en-GB" dirty="0" err="1"/>
+              <a:t>evolucionan</a:t>
+            </a:r>
+            <a:endParaRPr lang="en-GB" dirty="0"/>
+          </a:p>
+          <a:p>
+            <a:pPr lvl="1"/>
+            <a:r>
+              <a:rPr lang="es-ES" dirty="0"/>
+              <a:t>Relevancia creciente de la variabilidad en el precio de la energía (eléctrica)</a:t>
+            </a:r>
+          </a:p>
+          <a:p>
+            <a:pPr lvl="1"/>
+            <a:r>
+              <a:rPr lang="es-ES" dirty="0"/>
+              <a:t>Diseño cada vez más ajustado de los sistemas de producción y distribución de energía al consumo previsto</a:t>
+            </a:r>
+          </a:p>
+          <a:p>
+            <a:pPr lvl="1"/>
+            <a:r>
+              <a:rPr lang="es-ES" dirty="0"/>
+              <a:t>Mercado incipiente de los servicios energéticos y/o de flexibilidad.</a:t>
+            </a:r>
+          </a:p>
+          <a:p>
+            <a:r>
+              <a:rPr lang="es-ES" dirty="0"/>
+              <a:t>Es necesario reenfocar los estudios energéticos</a:t>
+            </a:r>
+          </a:p>
+          <a:p>
+            <a:pPr lvl="1"/>
+            <a:r>
+              <a:rPr lang="es-ES" dirty="0"/>
+              <a:t>Complementar los procesos de diseño, modelado y dimensionamiento</a:t>
+            </a:r>
+          </a:p>
+          <a:p>
+            <a:pPr lvl="1"/>
+            <a:r>
+              <a:rPr lang="es-ES" dirty="0"/>
+              <a:t>Introducir un enfoque basado en datos</a:t>
+            </a:r>
+          </a:p>
+          <a:p>
+            <a:pPr lvl="1"/>
+            <a:endParaRPr lang="en-GB" dirty="0"/>
+          </a:p>
+          <a:p>
+            <a:pPr marL="0" indent="0">
+              <a:buNone/>
+            </a:pPr>
+            <a:r>
+              <a:rPr lang="en-GB" i="1" dirty="0" err="1"/>
+              <a:t>Empecemos</a:t>
+            </a:r>
+            <a:r>
+              <a:rPr lang="en-GB" i="1" dirty="0"/>
+              <a:t> por un </a:t>
+            </a:r>
+            <a:r>
+              <a:rPr lang="en-GB" i="1" dirty="0" err="1"/>
+              <a:t>pequeño</a:t>
+            </a:r>
+            <a:r>
+              <a:rPr lang="en-GB" i="1" dirty="0"/>
+              <a:t> </a:t>
+            </a:r>
+            <a:r>
+              <a:rPr lang="en-GB" i="1" dirty="0" err="1"/>
+              <a:t>seminario</a:t>
+            </a:r>
+            <a:endParaRPr lang="en-GB" i="1" dirty="0"/>
+          </a:p>
+        </p:txBody>
+      </p:sp>
+    </p:spTree>
+    <p:extLst>
+      <p:ext uri="{BB962C8B-B14F-4D97-AF65-F5344CB8AC3E}">
+        <p14:creationId xmlns:p14="http://schemas.microsoft.com/office/powerpoint/2010/main" val="1776554888"/>
+      </p:ext>
+    </p:extLst>
+  </p:cSld>
+  <p:clrMapOvr>
+    <a:masterClrMapping/>
+  </p:clrMapOvr>
+</p:sld>
+</file>
+
+<file path=ppt/slides/slide20.xml><?xml version="1.0" encoding="utf-8"?>
 <p:sld xmlns:a="http://schemas.openxmlformats.org/drawingml/2006/main" xmlns:r="http://schemas.openxmlformats.org/officeDocument/2006/relationships" xmlns:p="http://schemas.openxmlformats.org/presentationml/2006/main">
   <p:cSld>
     <p:spTree>
@@ -7395,7 +9377,7 @@
 </p:sld>
 </file>
 
-<file path=ppt/slides/slide16.xml><?xml version="1.0" encoding="utf-8"?>
+<file path=ppt/slides/slide21.xml><?xml version="1.0" encoding="utf-8"?>
 <p:sld xmlns:a="http://schemas.openxmlformats.org/drawingml/2006/main" xmlns:r="http://schemas.openxmlformats.org/officeDocument/2006/relationships" xmlns:p="http://schemas.openxmlformats.org/presentationml/2006/main">
   <p:cSld>
     <p:spTree>
@@ -7590,7 +9572,159 @@
 </p:sld>
 </file>
 
-<file path=ppt/slides/slide17.xml><?xml version="1.0" encoding="utf-8"?>
+<file path=ppt/slides/slide22.xml><?xml version="1.0" encoding="utf-8"?>
+<p:sld xmlns:a="http://schemas.openxmlformats.org/drawingml/2006/main" xmlns:r="http://schemas.openxmlformats.org/officeDocument/2006/relationships" xmlns:p="http://schemas.openxmlformats.org/presentationml/2006/main">
+  <p:cSld>
+    <p:spTree>
+      <p:nvGrpSpPr>
+        <p:cNvPr id="1" name=""/>
+        <p:cNvGrpSpPr/>
+        <p:nvPr/>
+      </p:nvGrpSpPr>
+      <p:grpSpPr>
+        <a:xfrm>
+          <a:off x="0" y="0"/>
+          <a:ext cx="0" cy="0"/>
+          <a:chOff x="0" y="0"/>
+          <a:chExt cx="0" cy="0"/>
+        </a:xfrm>
+      </p:grpSpPr>
+      <p:sp>
+        <p:nvSpPr>
+          <p:cNvPr id="2" name="Título 1"/>
+          <p:cNvSpPr>
+            <a:spLocks noGrp="1"/>
+          </p:cNvSpPr>
+          <p:nvPr>
+            <p:ph type="title"/>
+          </p:nvPr>
+        </p:nvSpPr>
+        <p:spPr/>
+        <p:txBody>
+          <a:bodyPr/>
+          <a:lstStyle/>
+          <a:p>
+            <a:r>
+              <a:rPr lang="en-GB" dirty="0"/>
+              <a:t>Clustering: </a:t>
+            </a:r>
+            <a:r>
+              <a:rPr lang="en-GB" dirty="0" err="1"/>
+              <a:t>Algoritmos</a:t>
+            </a:r>
+            <a:r>
+              <a:rPr lang="en-GB" dirty="0"/>
+              <a:t> </a:t>
+            </a:r>
+            <a:r>
+              <a:rPr lang="en-GB" dirty="0" err="1"/>
+              <a:t>Comunes</a:t>
+            </a:r>
+            <a:endParaRPr lang="en-GB" dirty="0"/>
+          </a:p>
+        </p:txBody>
+      </p:sp>
+      <p:pic>
+        <p:nvPicPr>
+          <p:cNvPr id="5" name="Picture 2" descr="Clustering Algorithms. Contributed by: Milind | by Great Learning | Medium"/>
+          <p:cNvPicPr>
+            <a:picLocks noChangeAspect="1" noChangeArrowheads="1"/>
+          </p:cNvPicPr>
+          <p:nvPr/>
+        </p:nvPicPr>
+        <p:blipFill>
+          <a:blip r:embed="rId2">
+            <a:extLst>
+              <a:ext uri="{28A0092B-C50C-407E-A947-70E740481C1C}">
+                <a14:useLocalDpi xmlns:a14="http://schemas.microsoft.com/office/drawing/2010/main" val="0"/>
+              </a:ext>
+            </a:extLst>
+          </a:blip>
+          <a:srcRect/>
+          <a:stretch>
+            <a:fillRect/>
+          </a:stretch>
+        </p:blipFill>
+        <p:spPr bwMode="auto">
+          <a:xfrm>
+            <a:off x="3553142" y="1807618"/>
+            <a:ext cx="5085715" cy="4748913"/>
+          </a:xfrm>
+          <a:prstGeom prst="rect">
+            <a:avLst/>
+          </a:prstGeom>
+          <a:noFill/>
+          <a:extLst>
+            <a:ext uri="{909E8E84-426E-40DD-AFC4-6F175D3DCCD1}">
+              <a14:hiddenFill xmlns:a14="http://schemas.microsoft.com/office/drawing/2010/main">
+                <a:solidFill>
+                  <a:srgbClr val="FFFFFF"/>
+                </a:solidFill>
+              </a14:hiddenFill>
+            </a:ext>
+          </a:extLst>
+        </p:spPr>
+      </p:pic>
+      <p:sp>
+        <p:nvSpPr>
+          <p:cNvPr id="8" name="Elipse 7"/>
+          <p:cNvSpPr/>
+          <p:nvPr/>
+        </p:nvSpPr>
+        <p:spPr>
+          <a:xfrm>
+            <a:off x="5593277" y="4112821"/>
+            <a:ext cx="1332411" cy="796834"/>
+          </a:xfrm>
+          <a:prstGeom prst="ellipse">
+            <a:avLst/>
+          </a:prstGeom>
+          <a:noFill/>
+          <a:ln w="31750">
+            <a:solidFill>
+              <a:srgbClr val="FF0000"/>
+            </a:solidFill>
+          </a:ln>
+        </p:spPr>
+        <p:style>
+          <a:lnRef idx="2">
+            <a:schemeClr val="accent1">
+              <a:shade val="50000"/>
+            </a:schemeClr>
+          </a:lnRef>
+          <a:fillRef idx="1">
+            <a:schemeClr val="accent1"/>
+          </a:fillRef>
+          <a:effectRef idx="0">
+            <a:schemeClr val="accent1"/>
+          </a:effectRef>
+          <a:fontRef idx="minor">
+            <a:schemeClr val="lt1"/>
+          </a:fontRef>
+        </p:style>
+        <p:txBody>
+          <a:bodyPr rtlCol="0" anchor="ctr"/>
+          <a:lstStyle/>
+          <a:p>
+            <a:pPr algn="ctr"/>
+            <a:endParaRPr lang="es-ES"/>
+          </a:p>
+        </p:txBody>
+      </p:sp>
+    </p:spTree>
+    <p:extLst>
+      <p:ext uri="{BB962C8B-B14F-4D97-AF65-F5344CB8AC3E}">
+        <p14:creationId xmlns:p14="http://schemas.microsoft.com/office/powerpoint/2010/main" val="1607093231"/>
+      </p:ext>
+    </p:extLst>
+  </p:cSld>
+  <p:clrMapOvr>
+    <a:masterClrMapping/>
+  </p:clrMapOvr>
+</p:sld>
+</file>
+
+<file path=ppt/slides/slide23.xml><?xml version="1.0" encoding="utf-8"?>
 <p:sld xmlns:a="http://schemas.openxmlformats.org/drawingml/2006/main" xmlns:r="http://schemas.openxmlformats.org/officeDocument/2006/relationships" xmlns:p="http://schemas.openxmlformats.org/presentationml/2006/main">
   <p:cSld>
     <p:spTree>
@@ -7755,7 +9889,7 @@
 </p:sld>
 </file>
 
-<file path=ppt/slides/slide18.xml><?xml version="1.0" encoding="utf-8"?>
+<file path=ppt/slides/slide24.xml><?xml version="1.0" encoding="utf-8"?>
 <p:sld xmlns:a="http://schemas.openxmlformats.org/drawingml/2006/main" xmlns:r="http://schemas.openxmlformats.org/officeDocument/2006/relationships" xmlns:p="http://schemas.openxmlformats.org/presentationml/2006/main">
   <p:cSld>
     <p:spTree>
@@ -8484,7 +10618,7 @@
 </p:sld>
 </file>
 
-<file path=ppt/slides/slide19.xml><?xml version="1.0" encoding="utf-8"?>
+<file path=ppt/slides/slide25.xml><?xml version="1.0" encoding="utf-8"?>
 <p:sld xmlns:a="http://schemas.openxmlformats.org/drawingml/2006/main" xmlns:r="http://schemas.openxmlformats.org/officeDocument/2006/relationships" xmlns:p="http://schemas.openxmlformats.org/presentationml/2006/main">
   <p:cSld>
     <p:spTree>
@@ -9178,7 +11312,7 @@
 </p:sld>
 </file>
 
-<file path=ppt/slides/slide2.xml><?xml version="1.0" encoding="utf-8"?>
+<file path=ppt/slides/slide26.xml><?xml version="1.0" encoding="utf-8"?>
 <p:sld xmlns:a="http://schemas.openxmlformats.org/drawingml/2006/main" xmlns:r="http://schemas.openxmlformats.org/officeDocument/2006/relationships" xmlns:p="http://schemas.openxmlformats.org/presentationml/2006/main">
   <p:cSld>
     <p:spTree>
@@ -9197,204 +11331,130 @@
       </p:grpSpPr>
       <p:sp>
         <p:nvSpPr>
-          <p:cNvPr id="2" name="Título 1">
+          <p:cNvPr id="2" name="Título 1"/>
+          <p:cNvSpPr>
+            <a:spLocks noGrp="1"/>
+          </p:cNvSpPr>
+          <p:nvPr>
+            <p:ph type="title"/>
+          </p:nvPr>
+        </p:nvSpPr>
+        <p:spPr/>
+        <p:txBody>
+          <a:bodyPr/>
+          <a:lstStyle/>
+          <a:p>
+            <a:r>
+              <a:rPr lang="en-GB" dirty="0"/>
+              <a:t>Clustering: </a:t>
+            </a:r>
+            <a:r>
+              <a:rPr lang="en-GB" dirty="0" err="1"/>
+              <a:t>Algoritmos</a:t>
+            </a:r>
+            <a:r>
+              <a:rPr lang="en-GB" dirty="0"/>
+              <a:t> </a:t>
+            </a:r>
+            <a:r>
+              <a:rPr lang="en-GB" dirty="0" err="1"/>
+              <a:t>Comunes</a:t>
+            </a:r>
+            <a:endParaRPr lang="en-GB" dirty="0"/>
+          </a:p>
+        </p:txBody>
+      </p:sp>
+      <p:pic>
+        <p:nvPicPr>
+          <p:cNvPr id="5" name="Picture 2" descr="Clustering Algorithms. Contributed by: Milind | by Great Learning | Medium"/>
+          <p:cNvPicPr>
+            <a:picLocks noChangeAspect="1" noChangeArrowheads="1"/>
+          </p:cNvPicPr>
+          <p:nvPr/>
+        </p:nvPicPr>
+        <p:blipFill>
+          <a:blip r:embed="rId2">
             <a:extLst>
-              <a:ext uri="{FF2B5EF4-FFF2-40B4-BE49-F238E27FC236}">
-                <a16:creationId xmlns:a16="http://schemas.microsoft.com/office/drawing/2014/main" id="{E6F876DF-B3E3-43EA-B556-5A0D56EBFC87}"/>
+              <a:ext uri="{28A0092B-C50C-407E-A947-70E740481C1C}">
+                <a14:useLocalDpi xmlns:a14="http://schemas.microsoft.com/office/drawing/2010/main" val="0"/>
               </a:ext>
             </a:extLst>
-          </p:cNvPr>
-          <p:cNvSpPr>
-            <a:spLocks noGrp="1"/>
-          </p:cNvSpPr>
-          <p:nvPr>
-            <p:ph type="title"/>
-          </p:nvPr>
-        </p:nvSpPr>
-        <p:spPr/>
-        <p:txBody>
-          <a:bodyPr/>
-          <a:lstStyle/>
-          <a:p>
-            <a:r>
-              <a:rPr lang="es-ES" dirty="0"/>
-              <a:t>Introducción General</a:t>
-            </a:r>
-            <a:endParaRPr lang="en-GB" dirty="0"/>
-          </a:p>
-        </p:txBody>
-      </p:sp>
-      <p:sp>
-        <p:nvSpPr>
-          <p:cNvPr id="17" name="Marcador de contenido 16">
-            <a:extLst>
-              <a:ext uri="{FF2B5EF4-FFF2-40B4-BE49-F238E27FC236}">
-                <a16:creationId xmlns:a16="http://schemas.microsoft.com/office/drawing/2014/main" id="{803D551A-E37E-40C9-B653-44E77665497E}"/>
-              </a:ext>
-            </a:extLst>
-          </p:cNvPr>
-          <p:cNvSpPr>
-            <a:spLocks noGrp="1"/>
-          </p:cNvSpPr>
-          <p:nvPr>
-            <p:ph idx="1"/>
-          </p:nvPr>
-        </p:nvSpPr>
-        <p:spPr/>
-        <p:txBody>
-          <a:bodyPr>
-            <a:normAutofit fontScale="77500" lnSpcReduction="20000"/>
-          </a:bodyPr>
-          <a:lstStyle/>
-          <a:p>
-            <a:r>
-              <a:rPr lang="es-ES" dirty="0"/>
-              <a:t>La tecnología evoluciona. En 2021…</a:t>
-            </a:r>
-          </a:p>
-          <a:p>
-            <a:pPr lvl="1"/>
-            <a:r>
-              <a:rPr lang="es-ES" dirty="0"/>
-              <a:t>Los sistemas de monitorización y control son capaces de entregar grandes volúmenes de información</a:t>
-            </a:r>
-          </a:p>
-          <a:p>
-            <a:pPr lvl="1"/>
-            <a:r>
-              <a:rPr lang="en-GB" dirty="0" err="1"/>
-              <a:t>Existen</a:t>
-            </a:r>
-            <a:r>
-              <a:rPr lang="en-GB" dirty="0"/>
-              <a:t> </a:t>
-            </a:r>
-            <a:r>
-              <a:rPr lang="en-GB" dirty="0" err="1"/>
-              <a:t>herramientas</a:t>
-            </a:r>
-            <a:r>
-              <a:rPr lang="en-GB" dirty="0"/>
-              <a:t> de </a:t>
-            </a:r>
-            <a:r>
-              <a:rPr lang="en-GB" dirty="0" err="1"/>
-              <a:t>análisis</a:t>
-            </a:r>
-            <a:r>
-              <a:rPr lang="en-GB" dirty="0"/>
-              <a:t> </a:t>
-            </a:r>
-            <a:r>
-              <a:rPr lang="en-GB" dirty="0" err="1"/>
-              <a:t>avanzadas</a:t>
-            </a:r>
-            <a:endParaRPr lang="en-GB" dirty="0"/>
-          </a:p>
-          <a:p>
-            <a:r>
-              <a:rPr lang="en-GB" dirty="0"/>
-              <a:t>Las </a:t>
-            </a:r>
-            <a:r>
-              <a:rPr lang="en-GB" dirty="0" err="1"/>
-              <a:t>aplicaciones</a:t>
-            </a:r>
-            <a:r>
-              <a:rPr lang="en-GB" dirty="0"/>
-              <a:t> </a:t>
-            </a:r>
-            <a:r>
-              <a:rPr lang="en-GB" dirty="0" err="1"/>
-              <a:t>energéticas</a:t>
-            </a:r>
-            <a:r>
-              <a:rPr lang="en-GB" dirty="0"/>
-              <a:t> </a:t>
-            </a:r>
-            <a:r>
-              <a:rPr lang="en-GB" dirty="0" err="1"/>
-              <a:t>evolucionan</a:t>
-            </a:r>
-            <a:endParaRPr lang="en-GB" dirty="0"/>
-          </a:p>
-          <a:p>
-            <a:pPr lvl="1"/>
-            <a:r>
-              <a:rPr lang="es-ES" dirty="0"/>
-              <a:t>Relevancia creciente de la variabilidad en el precio de la energía (eléctrica)</a:t>
-            </a:r>
-          </a:p>
-          <a:p>
-            <a:pPr lvl="1"/>
-            <a:r>
-              <a:rPr lang="es-ES" dirty="0"/>
-              <a:t>Diseño cada vez más ajustado de los sistemas de producción y distribución de energía al consumo previsto</a:t>
-            </a:r>
-          </a:p>
-          <a:p>
-            <a:pPr lvl="1"/>
-            <a:r>
-              <a:rPr lang="es-ES" dirty="0"/>
-              <a:t>Mercado incipiente de los servicios energéticos y/o de flexibilidad.</a:t>
-            </a:r>
-          </a:p>
-          <a:p>
-            <a:r>
-              <a:rPr lang="es-ES" dirty="0"/>
-              <a:t>Es necesario reenfocar los estudios energéticos</a:t>
-            </a:r>
-          </a:p>
-          <a:p>
-            <a:pPr lvl="1"/>
-            <a:r>
-              <a:rPr lang="es-ES" dirty="0"/>
-              <a:t>Complementar los procesos de diseño, modelado y dimensionamiento</a:t>
-            </a:r>
-          </a:p>
-          <a:p>
-            <a:pPr lvl="1"/>
-            <a:r>
-              <a:rPr lang="es-ES" dirty="0"/>
-              <a:t>Introducir un enfoque basado en datos</a:t>
-            </a:r>
-          </a:p>
-          <a:p>
-            <a:pPr lvl="1"/>
-            <a:endParaRPr lang="en-GB" dirty="0"/>
-          </a:p>
-          <a:p>
-            <a:pPr marL="0" indent="0">
-              <a:buNone/>
-            </a:pPr>
-            <a:r>
-              <a:rPr lang="en-GB" i="1" dirty="0" err="1"/>
-              <a:t>Empecemos</a:t>
-            </a:r>
-            <a:r>
-              <a:rPr lang="en-GB" i="1" dirty="0"/>
-              <a:t> por un </a:t>
-            </a:r>
-            <a:r>
-              <a:rPr lang="en-GB" i="1" dirty="0" err="1"/>
-              <a:t>pequeño</a:t>
-            </a:r>
-            <a:r>
-              <a:rPr lang="en-GB" i="1" dirty="0"/>
-              <a:t> </a:t>
-            </a:r>
-            <a:r>
-              <a:rPr lang="en-GB" i="1" dirty="0" err="1"/>
-              <a:t>seminario</a:t>
-            </a:r>
-            <a:endParaRPr lang="en-GB" i="1" dirty="0"/>
+          </a:blip>
+          <a:srcRect/>
+          <a:stretch>
+            <a:fillRect/>
+          </a:stretch>
+        </p:blipFill>
+        <p:spPr bwMode="auto">
+          <a:xfrm>
+            <a:off x="3553142" y="1807618"/>
+            <a:ext cx="5085715" cy="4748913"/>
+          </a:xfrm>
+          <a:prstGeom prst="rect">
+            <a:avLst/>
+          </a:prstGeom>
+          <a:noFill/>
+          <a:extLst>
+            <a:ext uri="{909E8E84-426E-40DD-AFC4-6F175D3DCCD1}">
+              <a14:hiddenFill xmlns:a14="http://schemas.microsoft.com/office/drawing/2010/main">
+                <a:solidFill>
+                  <a:srgbClr val="FFFFFF"/>
+                </a:solidFill>
+              </a14:hiddenFill>
+            </a:ext>
+          </a:extLst>
+        </p:spPr>
+      </p:pic>
+      <p:sp>
+        <p:nvSpPr>
+          <p:cNvPr id="8" name="Elipse 7"/>
+          <p:cNvSpPr/>
+          <p:nvPr/>
+        </p:nvSpPr>
+        <p:spPr>
+          <a:xfrm>
+            <a:off x="4623459" y="4824021"/>
+            <a:ext cx="1332411" cy="796834"/>
+          </a:xfrm>
+          <a:prstGeom prst="ellipse">
+            <a:avLst/>
+          </a:prstGeom>
+          <a:noFill/>
+          <a:ln w="31750">
+            <a:solidFill>
+              <a:srgbClr val="FF0000"/>
+            </a:solidFill>
+          </a:ln>
+        </p:spPr>
+        <p:style>
+          <a:lnRef idx="2">
+            <a:schemeClr val="accent1">
+              <a:shade val="50000"/>
+            </a:schemeClr>
+          </a:lnRef>
+          <a:fillRef idx="1">
+            <a:schemeClr val="accent1"/>
+          </a:fillRef>
+          <a:effectRef idx="0">
+            <a:schemeClr val="accent1"/>
+          </a:effectRef>
+          <a:fontRef idx="minor">
+            <a:schemeClr val="lt1"/>
+          </a:fontRef>
+        </p:style>
+        <p:txBody>
+          <a:bodyPr rtlCol="0" anchor="ctr"/>
+          <a:lstStyle/>
+          <a:p>
+            <a:pPr algn="ctr"/>
+            <a:endParaRPr lang="es-ES"/>
           </a:p>
         </p:txBody>
       </p:sp>
     </p:spTree>
     <p:extLst>
       <p:ext uri="{BB962C8B-B14F-4D97-AF65-F5344CB8AC3E}">
-        <p14:creationId xmlns:p14="http://schemas.microsoft.com/office/powerpoint/2010/main" val="1776554888"/>
+        <p14:creationId xmlns:p14="http://schemas.microsoft.com/office/powerpoint/2010/main" val="2230362692"/>
       </p:ext>
     </p:extLst>
   </p:cSld>
@@ -9404,7 +11464,7 @@
 </p:sld>
 </file>
 
-<file path=ppt/slides/slide20.xml><?xml version="1.0" encoding="utf-8"?>
+<file path=ppt/slides/slide27.xml><?xml version="1.0" encoding="utf-8"?>
 <p:sld xmlns:a="http://schemas.openxmlformats.org/drawingml/2006/main" xmlns:r="http://schemas.openxmlformats.org/officeDocument/2006/relationships" xmlns:p="http://schemas.openxmlformats.org/presentationml/2006/main">
   <p:cSld>
     <p:spTree>
@@ -9491,7 +11551,7 @@
 </p:sld>
 </file>
 
-<file path=ppt/slides/slide21.xml><?xml version="1.0" encoding="utf-8"?>
+<file path=ppt/slides/slide28.xml><?xml version="1.0" encoding="utf-8"?>
 <p:sld xmlns:a="http://schemas.openxmlformats.org/drawingml/2006/main" xmlns:r="http://schemas.openxmlformats.org/officeDocument/2006/relationships" xmlns:p="http://schemas.openxmlformats.org/presentationml/2006/main">
   <p:cSld>
     <p:spTree>
@@ -9699,7 +11759,296 @@
 </p:sld>
 </file>
 
-<file path=ppt/slides/slide22.xml><?xml version="1.0" encoding="utf-8"?>
+<file path=ppt/slides/slide29.xml><?xml version="1.0" encoding="utf-8"?>
+<p:sld xmlns:a="http://schemas.openxmlformats.org/drawingml/2006/main" xmlns:r="http://schemas.openxmlformats.org/officeDocument/2006/relationships" xmlns:p="http://schemas.openxmlformats.org/presentationml/2006/main">
+  <p:cSld>
+    <p:spTree>
+      <p:nvGrpSpPr>
+        <p:cNvPr id="1" name=""/>
+        <p:cNvGrpSpPr/>
+        <p:nvPr/>
+      </p:nvGrpSpPr>
+      <p:grpSpPr>
+        <a:xfrm>
+          <a:off x="0" y="0"/>
+          <a:ext cx="0" cy="0"/>
+          <a:chOff x="0" y="0"/>
+          <a:chExt cx="0" cy="0"/>
+        </a:xfrm>
+      </p:grpSpPr>
+      <p:sp>
+        <p:nvSpPr>
+          <p:cNvPr id="2" name="Título 1"/>
+          <p:cNvSpPr>
+            <a:spLocks noGrp="1"/>
+          </p:cNvSpPr>
+          <p:nvPr>
+            <p:ph type="title"/>
+          </p:nvPr>
+        </p:nvSpPr>
+        <p:spPr/>
+        <p:txBody>
+          <a:bodyPr/>
+          <a:lstStyle/>
+          <a:p>
+            <a:r>
+              <a:rPr lang="en-GB" dirty="0"/>
+              <a:t>Clustering: </a:t>
+            </a:r>
+            <a:r>
+              <a:rPr lang="en-GB" dirty="0" err="1"/>
+              <a:t>Algoritmos</a:t>
+            </a:r>
+            <a:r>
+              <a:rPr lang="en-GB" dirty="0"/>
+              <a:t> </a:t>
+            </a:r>
+            <a:r>
+              <a:rPr lang="en-GB" dirty="0" err="1"/>
+              <a:t>Comunes</a:t>
+            </a:r>
+            <a:endParaRPr lang="en-GB" dirty="0"/>
+          </a:p>
+        </p:txBody>
+      </p:sp>
+      <p:pic>
+        <p:nvPicPr>
+          <p:cNvPr id="5" name="Picture 2" descr="Clustering Algorithms. Contributed by: Milind | by Great Learning | Medium"/>
+          <p:cNvPicPr>
+            <a:picLocks noChangeAspect="1" noChangeArrowheads="1"/>
+          </p:cNvPicPr>
+          <p:nvPr/>
+        </p:nvPicPr>
+        <p:blipFill>
+          <a:blip r:embed="rId2">
+            <a:extLst>
+              <a:ext uri="{28A0092B-C50C-407E-A947-70E740481C1C}">
+                <a14:useLocalDpi xmlns:a14="http://schemas.microsoft.com/office/drawing/2010/main" val="0"/>
+              </a:ext>
+            </a:extLst>
+          </a:blip>
+          <a:srcRect/>
+          <a:stretch>
+            <a:fillRect/>
+          </a:stretch>
+        </p:blipFill>
+        <p:spPr bwMode="auto">
+          <a:xfrm>
+            <a:off x="3553142" y="1807618"/>
+            <a:ext cx="5085715" cy="4748913"/>
+          </a:xfrm>
+          <a:prstGeom prst="rect">
+            <a:avLst/>
+          </a:prstGeom>
+          <a:noFill/>
+          <a:extLst>
+            <a:ext uri="{909E8E84-426E-40DD-AFC4-6F175D3DCCD1}">
+              <a14:hiddenFill xmlns:a14="http://schemas.microsoft.com/office/drawing/2010/main">
+                <a:solidFill>
+                  <a:srgbClr val="FFFFFF"/>
+                </a:solidFill>
+              </a14:hiddenFill>
+            </a:ext>
+          </a:extLst>
+        </p:spPr>
+      </p:pic>
+      <p:sp>
+        <p:nvSpPr>
+          <p:cNvPr id="8" name="Elipse 7"/>
+          <p:cNvSpPr/>
+          <p:nvPr/>
+        </p:nvSpPr>
+        <p:spPr>
+          <a:xfrm>
+            <a:off x="4614223" y="5581403"/>
+            <a:ext cx="1332411" cy="796834"/>
+          </a:xfrm>
+          <a:prstGeom prst="ellipse">
+            <a:avLst/>
+          </a:prstGeom>
+          <a:noFill/>
+          <a:ln w="31750">
+            <a:solidFill>
+              <a:srgbClr val="FF0000"/>
+            </a:solidFill>
+          </a:ln>
+        </p:spPr>
+        <p:style>
+          <a:lnRef idx="2">
+            <a:schemeClr val="accent1">
+              <a:shade val="50000"/>
+            </a:schemeClr>
+          </a:lnRef>
+          <a:fillRef idx="1">
+            <a:schemeClr val="accent1"/>
+          </a:fillRef>
+          <a:effectRef idx="0">
+            <a:schemeClr val="accent1"/>
+          </a:effectRef>
+          <a:fontRef idx="minor">
+            <a:schemeClr val="lt1"/>
+          </a:fontRef>
+        </p:style>
+        <p:txBody>
+          <a:bodyPr rtlCol="0" anchor="ctr"/>
+          <a:lstStyle/>
+          <a:p>
+            <a:pPr algn="ctr"/>
+            <a:endParaRPr lang="es-ES"/>
+          </a:p>
+        </p:txBody>
+      </p:sp>
+    </p:spTree>
+    <p:extLst>
+      <p:ext uri="{BB962C8B-B14F-4D97-AF65-F5344CB8AC3E}">
+        <p14:creationId xmlns:p14="http://schemas.microsoft.com/office/powerpoint/2010/main" val="116938366"/>
+      </p:ext>
+    </p:extLst>
+  </p:cSld>
+  <p:clrMapOvr>
+    <a:masterClrMapping/>
+  </p:clrMapOvr>
+</p:sld>
+</file>
+
+<file path=ppt/slides/slide3.xml><?xml version="1.0" encoding="utf-8"?>
+<p:sld xmlns:a="http://schemas.openxmlformats.org/drawingml/2006/main" xmlns:r="http://schemas.openxmlformats.org/officeDocument/2006/relationships" xmlns:p="http://schemas.openxmlformats.org/presentationml/2006/main">
+  <p:cSld>
+    <p:spTree>
+      <p:nvGrpSpPr>
+        <p:cNvPr id="1" name=""/>
+        <p:cNvGrpSpPr/>
+        <p:nvPr/>
+      </p:nvGrpSpPr>
+      <p:grpSpPr>
+        <a:xfrm>
+          <a:off x="0" y="0"/>
+          <a:ext cx="0" cy="0"/>
+          <a:chOff x="0" y="0"/>
+          <a:chExt cx="0" cy="0"/>
+        </a:xfrm>
+      </p:grpSpPr>
+      <p:sp>
+        <p:nvSpPr>
+          <p:cNvPr id="2" name="Título 1"/>
+          <p:cNvSpPr>
+            <a:spLocks noGrp="1"/>
+          </p:cNvSpPr>
+          <p:nvPr>
+            <p:ph type="title"/>
+          </p:nvPr>
+        </p:nvSpPr>
+        <p:spPr/>
+        <p:txBody>
+          <a:bodyPr/>
+          <a:lstStyle/>
+          <a:p>
+            <a:r>
+              <a:rPr lang="es-ES" dirty="0"/>
+              <a:t>Objetivos</a:t>
+            </a:r>
+            <a:endParaRPr lang="en-GB" dirty="0"/>
+          </a:p>
+        </p:txBody>
+      </p:sp>
+      <p:sp>
+        <p:nvSpPr>
+          <p:cNvPr id="4" name="Marcador de contenido 3">
+            <a:extLst>
+              <a:ext uri="{FF2B5EF4-FFF2-40B4-BE49-F238E27FC236}">
+                <a16:creationId xmlns:a16="http://schemas.microsoft.com/office/drawing/2014/main" id="{FAAEBB48-7A95-45B0-8B83-C465E7AE57F8}"/>
+              </a:ext>
+            </a:extLst>
+          </p:cNvPr>
+          <p:cNvSpPr>
+            <a:spLocks noGrp="1"/>
+          </p:cNvSpPr>
+          <p:nvPr>
+            <p:ph idx="1"/>
+          </p:nvPr>
+        </p:nvSpPr>
+        <p:spPr/>
+        <p:txBody>
+          <a:bodyPr>
+            <a:normAutofit fontScale="70000" lnSpcReduction="20000"/>
+          </a:bodyPr>
+          <a:lstStyle/>
+          <a:p>
+            <a:r>
+              <a:rPr lang="es-ES" dirty="0"/>
+              <a:t>Comprender las cargas térmicas en la edificación y sus dinámicas principales</a:t>
+            </a:r>
+          </a:p>
+          <a:p>
+            <a:r>
+              <a:rPr lang="es-ES" dirty="0"/>
+              <a:t>Introducir el concepto de Medida y Verificación de ahorros energéticos</a:t>
+            </a:r>
+          </a:p>
+          <a:p>
+            <a:r>
+              <a:rPr lang="es-ES" dirty="0"/>
+              <a:t>Disponer de herramientas para la realización de análisis de datos</a:t>
+            </a:r>
+          </a:p>
+          <a:p>
+            <a:r>
+              <a:rPr lang="es-ES" dirty="0"/>
+              <a:t>Identificar las variables relevantes y modelar la dependencia de las cargas térmicas frente a las mismas</a:t>
+            </a:r>
+          </a:p>
+          <a:p>
+            <a:r>
+              <a:rPr lang="es-ES" dirty="0"/>
+              <a:t>Conocer los métodos de análisis estadístico y las métricas de error</a:t>
+            </a:r>
+          </a:p>
+          <a:p>
+            <a:r>
+              <a:rPr lang="es-ES" dirty="0"/>
+              <a:t>Introducir distintos métodos de análisis clásicos y modernos</a:t>
+            </a:r>
+          </a:p>
+          <a:p>
+            <a:r>
+              <a:rPr lang="es-ES" dirty="0"/>
+              <a:t>Introducir métodos de clasificación y segmentación de datos</a:t>
+            </a:r>
+          </a:p>
+          <a:p>
+            <a:r>
+              <a:rPr lang="es-ES" dirty="0"/>
+              <a:t>Introducir métodos de detección de errores y reparación de series temporales</a:t>
+            </a:r>
+          </a:p>
+          <a:p>
+            <a:endParaRPr lang="es-ES" dirty="0"/>
+          </a:p>
+          <a:p>
+            <a:pPr marL="0" indent="0">
+              <a:buNone/>
+            </a:pPr>
+            <a:r>
+              <a:rPr lang="es-ES" i="1" dirty="0"/>
+              <a:t>Enunciar los problemas, posibles vías de solución, proporcionar herramientas y referencias útiles</a:t>
+            </a:r>
+          </a:p>
+        </p:txBody>
+      </p:sp>
+    </p:spTree>
+    <p:extLst>
+      <p:ext uri="{BB962C8B-B14F-4D97-AF65-F5344CB8AC3E}">
+        <p14:creationId xmlns:p14="http://schemas.microsoft.com/office/powerpoint/2010/main" val="1913449723"/>
+      </p:ext>
+    </p:extLst>
+  </p:cSld>
+  <p:clrMapOvr>
+    <a:masterClrMapping/>
+  </p:clrMapOvr>
+</p:sld>
+</file>
+
+<file path=ppt/slides/slide30.xml><?xml version="1.0" encoding="utf-8"?>
 <p:sld xmlns:a="http://schemas.openxmlformats.org/drawingml/2006/main" xmlns:r="http://schemas.openxmlformats.org/officeDocument/2006/relationships" xmlns:p="http://schemas.openxmlformats.org/presentationml/2006/main">
   <p:cSld>
     <p:spTree>
@@ -9848,7 +12197,7 @@
 </p:sld>
 </file>
 
-<file path=ppt/slides/slide23.xml><?xml version="1.0" encoding="utf-8"?>
+<file path=ppt/slides/slide31.xml><?xml version="1.0" encoding="utf-8"?>
 <p:sld xmlns:a="http://schemas.openxmlformats.org/drawingml/2006/main" xmlns:r="http://schemas.openxmlformats.org/officeDocument/2006/relationships" xmlns:p="http://schemas.openxmlformats.org/presentationml/2006/main">
   <p:cSld>
     <p:spTree>
@@ -9887,83 +12236,94 @@
           </a:bodyPr>
           <a:lstStyle/>
           <a:p>
-            <a:pPr marL="514350" indent="-514350" fontAlgn="base">
+            <a:pPr marL="457200" indent="-457200">
               <a:buFont typeface="+mj-lt"/>
               <a:buAutoNum type="arabicPeriod"/>
             </a:pPr>
             <a:r>
-              <a:rPr lang="en-US" sz="2400" dirty="0"/>
-              <a:t>Select k objects to become the </a:t>
-            </a:r>
-            <a:r>
-              <a:rPr lang="en-US" sz="2400" dirty="0" err="1"/>
-              <a:t>medoids</a:t>
-            </a:r>
-            <a:r>
-              <a:rPr lang="en-US" sz="2400" dirty="0"/>
-              <a:t>, or in case these objects were provided use them as the </a:t>
-            </a:r>
-            <a:r>
-              <a:rPr lang="en-US" sz="2400" dirty="0" err="1"/>
-              <a:t>medoids</a:t>
-            </a:r>
-            <a:r>
-              <a:rPr lang="en-US" sz="2400" dirty="0"/>
+              <a:rPr lang="es-ES" sz="2400" dirty="0"/>
+              <a:t>Seleccione k objetos para convertirlos en </a:t>
+            </a:r>
+            <a:r>
+              <a:rPr lang="es-ES" sz="2400" dirty="0" err="1"/>
+              <a:t>medoides</a:t>
+            </a:r>
+            <a:r>
+              <a:rPr lang="es-ES" sz="2400" dirty="0"/>
+              <a:t>, o en caso de que se proporcionen estos objetos, utilícelos como </a:t>
+            </a:r>
+            <a:r>
+              <a:rPr lang="es-ES" sz="2400" dirty="0" err="1"/>
+              <a:t>medoides</a:t>
+            </a:r>
+            <a:r>
+              <a:rPr lang="es-ES" sz="2400" dirty="0"/>
               <a:t>;</a:t>
             </a:r>
           </a:p>
           <a:p>
-            <a:pPr marL="514350" indent="-514350" fontAlgn="base">
+            <a:pPr marL="457200" indent="-457200">
               <a:buFont typeface="+mj-lt"/>
               <a:buAutoNum type="arabicPeriod"/>
             </a:pPr>
             <a:r>
-              <a:rPr lang="en-US" sz="2400" dirty="0"/>
-              <a:t>Calculate the dissimilarity matrix if it was not provided;</a:t>
-            </a:r>
-          </a:p>
-          <a:p>
-            <a:pPr marL="514350" indent="-514350" fontAlgn="base">
+              <a:rPr lang="es-ES" sz="2400" dirty="0"/>
+              <a:t>Calcule la matriz de disimilitud si no se proporcionó;</a:t>
+            </a:r>
+          </a:p>
+          <a:p>
+            <a:pPr marL="457200" indent="-457200">
               <a:buFont typeface="+mj-lt"/>
               <a:buAutoNum type="arabicPeriod"/>
             </a:pPr>
             <a:r>
-              <a:rPr lang="en-US" sz="2400" dirty="0"/>
-              <a:t>Assign every object to its closest </a:t>
-            </a:r>
-            <a:r>
-              <a:rPr lang="en-US" sz="2400" dirty="0" err="1"/>
-              <a:t>medoid</a:t>
-            </a:r>
-            <a:endParaRPr lang="en-US" sz="2400" dirty="0"/>
-          </a:p>
-          <a:p>
-            <a:pPr marL="514350" indent="-514350" fontAlgn="base">
+              <a:rPr lang="es-ES" sz="2400" dirty="0"/>
+              <a:t>Asignar cada objeto a su </a:t>
+            </a:r>
+            <a:r>
+              <a:rPr lang="es-ES" sz="2400" dirty="0" err="1"/>
+              <a:t>medoide</a:t>
+            </a:r>
+            <a:r>
+              <a:rPr lang="es-ES" sz="2400" dirty="0"/>
+              <a:t> más cercano</a:t>
+            </a:r>
+          </a:p>
+          <a:p>
+            <a:pPr marL="457200" indent="-457200">
               <a:buFont typeface="+mj-lt"/>
               <a:buAutoNum type="arabicPeriod"/>
             </a:pPr>
             <a:r>
-              <a:rPr lang="en-US" sz="2400" dirty="0"/>
-              <a:t>For each cluster search if any of the object of the cluster decreases the average dissimilarity coefficient; if it does, select the entity that decreases this coefficient the most as the </a:t>
-            </a:r>
-            <a:r>
-              <a:rPr lang="en-US" sz="2400" dirty="0" err="1"/>
-              <a:t>medoid</a:t>
-            </a:r>
-            <a:r>
-              <a:rPr lang="en-US" sz="2400" dirty="0"/>
-              <a:t> for this cluster; 5. If at least one </a:t>
-            </a:r>
-            <a:r>
-              <a:rPr lang="en-US" sz="2400" dirty="0" err="1"/>
-              <a:t>medoid</a:t>
-            </a:r>
-            <a:r>
-              <a:rPr lang="en-US" sz="2400" dirty="0"/>
-              <a:t> has changed go to (3), else end the algorithm</a:t>
-            </a:r>
-          </a:p>
-          <a:p>
+              <a:rPr lang="es-ES" sz="2400" dirty="0"/>
+              <a:t>Para cada búsqueda de conglomerados, si alguno de los objetos del conglomerado disminuye el coeficiente de disimilitud promedio; si lo hace, seleccione la entidad que más disminuya este coeficiente como el </a:t>
+            </a:r>
+            <a:r>
+              <a:rPr lang="es-ES" sz="2400" dirty="0" err="1"/>
+              <a:t>medoide</a:t>
+            </a:r>
+            <a:r>
+              <a:rPr lang="es-ES" sz="2400" dirty="0"/>
+              <a:t> para este conglomerado; </a:t>
+            </a:r>
+          </a:p>
+          <a:p>
+            <a:pPr marL="457200" indent="-457200">
+              <a:buFont typeface="+mj-lt"/>
+              <a:buAutoNum type="arabicPeriod"/>
+            </a:pPr>
+            <a:r>
+              <a:rPr lang="es-ES" sz="2400" dirty="0"/>
+              <a:t>5. Si al menos un </a:t>
+            </a:r>
+            <a:r>
+              <a:rPr lang="es-ES" sz="2400" dirty="0" err="1"/>
+              <a:t>medoide</a:t>
+            </a:r>
+            <a:r>
+              <a:rPr lang="es-ES" sz="2400" dirty="0"/>
+              <a:t> ha cambiado, vaya a (3), de lo contrario finalice el algoritmo</a:t>
+            </a:r>
             <a:endParaRPr lang="en-GB" sz="2400" dirty="0"/>
           </a:p>
         </p:txBody>
@@ -10036,7 +12396,7 @@
 </p:sld>
 </file>
 
-<file path=ppt/slides/slide24.xml><?xml version="1.0" encoding="utf-8"?>
+<file path=ppt/slides/slide32.xml><?xml version="1.0" encoding="utf-8"?>
 <p:sld xmlns:a="http://schemas.openxmlformats.org/drawingml/2006/main" xmlns:r="http://schemas.openxmlformats.org/officeDocument/2006/relationships" xmlns:p="http://schemas.openxmlformats.org/presentationml/2006/main">
   <p:cSld>
     <p:spTree>
@@ -10055,7 +12415,13 @@
       </p:grpSpPr>
       <p:sp>
         <p:nvSpPr>
-          <p:cNvPr id="2" name="Título 1"/>
+          <p:cNvPr id="4" name="Título 1">
+            <a:extLst>
+              <a:ext uri="{FF2B5EF4-FFF2-40B4-BE49-F238E27FC236}">
+                <a16:creationId xmlns:a16="http://schemas.microsoft.com/office/drawing/2014/main" id="{AE7D73D4-D64D-48B1-BA3F-1D890DE0CB4B}"/>
+              </a:ext>
+            </a:extLst>
+          </p:cNvPr>
           <p:cNvSpPr>
             <a:spLocks noGrp="1"/>
           </p:cNvSpPr>
@@ -10063,7 +12429,12 @@
             <p:ph type="title"/>
           </p:nvPr>
         </p:nvSpPr>
-        <p:spPr/>
+        <p:spPr>
+          <a:xfrm>
+            <a:off x="838200" y="365125"/>
+            <a:ext cx="10515600" cy="1325563"/>
+          </a:xfrm>
+        </p:spPr>
         <p:txBody>
           <a:bodyPr/>
           <a:lstStyle/>
@@ -10095,55 +12466,175 @@
           </a:p>
         </p:txBody>
       </p:sp>
-      <p:sp>
-        <p:nvSpPr>
-          <p:cNvPr id="3" name="Marcador de contenido 2"/>
-          <p:cNvSpPr>
-            <a:spLocks noGrp="1"/>
-          </p:cNvSpPr>
-          <p:nvPr>
-            <p:ph idx="1"/>
-          </p:nvPr>
-        </p:nvSpPr>
-        <p:spPr/>
-        <p:txBody>
-          <a:bodyPr/>
-          <a:lstStyle/>
-          <a:p>
-            <a:pPr algn="just"/>
+      <p:pic>
+        <p:nvPicPr>
+          <p:cNvPr id="5" name="Imagen 5">
+            <a:extLst>
+              <a:ext uri="{FF2B5EF4-FFF2-40B4-BE49-F238E27FC236}">
+                <a16:creationId xmlns:a16="http://schemas.microsoft.com/office/drawing/2014/main" id="{5948BA56-05A0-4CCF-B205-FBB3928C3637}"/>
+              </a:ext>
+            </a:extLst>
+          </p:cNvPr>
+          <p:cNvPicPr>
+            <a:picLocks noChangeAspect="1"/>
+          </p:cNvPicPr>
+          <p:nvPr/>
+        </p:nvPicPr>
+        <p:blipFill>
+          <a:blip r:embed="rId2" cstate="print">
+            <a:extLst>
+              <a:ext uri="{28A0092B-C50C-407E-A947-70E740481C1C}">
+                <a14:useLocalDpi xmlns:a14="http://schemas.microsoft.com/office/drawing/2010/main" val="0"/>
+              </a:ext>
+            </a:extLst>
+          </a:blip>
+          <a:stretch>
+            <a:fillRect/>
+          </a:stretch>
+        </p:blipFill>
+        <p:spPr>
+          <a:xfrm>
+            <a:off x="757381" y="2556598"/>
+            <a:ext cx="5180006" cy="2960003"/>
+          </a:xfrm>
+          <a:prstGeom prst="rect">
+            <a:avLst/>
+          </a:prstGeom>
+        </p:spPr>
+      </p:pic>
+      <p:sp>
+        <p:nvSpPr>
+          <p:cNvPr id="6" name="TextBox 5">
+            <a:extLst>
+              <a:ext uri="{FF2B5EF4-FFF2-40B4-BE49-F238E27FC236}">
+                <a16:creationId xmlns:a16="http://schemas.microsoft.com/office/drawing/2014/main" id="{0C3B5783-68CE-4978-B7AB-FA5FF070EADB}"/>
+              </a:ext>
+            </a:extLst>
+          </p:cNvPr>
+          <p:cNvSpPr txBox="1"/>
+          <p:nvPr/>
+        </p:nvSpPr>
+        <p:spPr>
+          <a:xfrm>
+            <a:off x="969818" y="1884218"/>
+            <a:ext cx="7333673" cy="523220"/>
+          </a:xfrm>
+          <a:prstGeom prst="rect">
+            <a:avLst/>
+          </a:prstGeom>
+          <a:noFill/>
+        </p:spPr>
+        <p:txBody>
+          <a:bodyPr wrap="square" rtlCol="0">
+            <a:spAutoFit/>
+          </a:bodyPr>
+          <a:lstStyle/>
+          <a:p>
+            <a:r>
+              <a:rPr lang="es-ES" sz="2800" dirty="0"/>
+              <a:t>¿Cuál es mejor segmentación?</a:t>
+            </a:r>
+          </a:p>
+        </p:txBody>
+      </p:sp>
+      <p:pic>
+        <p:nvPicPr>
+          <p:cNvPr id="8" name="Picture 7">
+            <a:extLst>
+              <a:ext uri="{FF2B5EF4-FFF2-40B4-BE49-F238E27FC236}">
+                <a16:creationId xmlns:a16="http://schemas.microsoft.com/office/drawing/2014/main" id="{10CD85B5-F57A-429F-8DFC-09D9D64FF7D6}"/>
+              </a:ext>
+            </a:extLst>
+          </p:cNvPr>
+          <p:cNvPicPr>
+            <a:picLocks noChangeAspect="1"/>
+          </p:cNvPicPr>
+          <p:nvPr/>
+        </p:nvPicPr>
+        <p:blipFill>
+          <a:blip r:embed="rId3"/>
+          <a:stretch>
+            <a:fillRect/>
+          </a:stretch>
+        </p:blipFill>
+        <p:spPr>
+          <a:xfrm>
+            <a:off x="6936484" y="2659722"/>
+            <a:ext cx="4821408" cy="2753754"/>
+          </a:xfrm>
+          <a:prstGeom prst="rect">
+            <a:avLst/>
+          </a:prstGeom>
+        </p:spPr>
+      </p:pic>
+      <p:sp>
+        <p:nvSpPr>
+          <p:cNvPr id="9" name="TextBox 8">
+            <a:extLst>
+              <a:ext uri="{FF2B5EF4-FFF2-40B4-BE49-F238E27FC236}">
+                <a16:creationId xmlns:a16="http://schemas.microsoft.com/office/drawing/2014/main" id="{BB485F5C-6632-4FD7-A514-48A33182FBC4}"/>
+              </a:ext>
+            </a:extLst>
+          </p:cNvPr>
+          <p:cNvSpPr txBox="1"/>
+          <p:nvPr/>
+        </p:nvSpPr>
+        <p:spPr>
+          <a:xfrm>
+            <a:off x="2586182" y="5865091"/>
+            <a:ext cx="2142836" cy="369332"/>
+          </a:xfrm>
+          <a:prstGeom prst="rect">
+            <a:avLst/>
+          </a:prstGeom>
+          <a:noFill/>
+        </p:spPr>
+        <p:txBody>
+          <a:bodyPr wrap="square" rtlCol="0">
+            <a:spAutoFit/>
+          </a:bodyPr>
+          <a:lstStyle/>
+          <a:p>
+            <a:pPr algn="ctr"/>
             <a:r>
               <a:rPr lang="es-ES" dirty="0"/>
-              <a:t>Los índices de validación de clústeres o </a:t>
-            </a:r>
-            <a:r>
-              <a:rPr lang="es-ES" dirty="0" err="1"/>
-              <a:t>CVIs</a:t>
-            </a:r>
+              <a:t>K=6</a:t>
+            </a:r>
+          </a:p>
+        </p:txBody>
+      </p:sp>
+      <p:sp>
+        <p:nvSpPr>
+          <p:cNvPr id="10" name="TextBox 9">
+            <a:extLst>
+              <a:ext uri="{FF2B5EF4-FFF2-40B4-BE49-F238E27FC236}">
+                <a16:creationId xmlns:a16="http://schemas.microsoft.com/office/drawing/2014/main" id="{9D112EE7-8231-48B3-A7DC-9A098270E03A}"/>
+              </a:ext>
+            </a:extLst>
+          </p:cNvPr>
+          <p:cNvSpPr txBox="1"/>
+          <p:nvPr/>
+        </p:nvSpPr>
+        <p:spPr>
+          <a:xfrm>
+            <a:off x="8382000" y="5865091"/>
+            <a:ext cx="2142836" cy="369332"/>
+          </a:xfrm>
+          <a:prstGeom prst="rect">
+            <a:avLst/>
+          </a:prstGeom>
+          <a:noFill/>
+        </p:spPr>
+        <p:txBody>
+          <a:bodyPr wrap="square" rtlCol="0">
+            <a:spAutoFit/>
+          </a:bodyPr>
+          <a:lstStyle/>
+          <a:p>
+            <a:pPr algn="ctr"/>
             <a:r>
               <a:rPr lang="es-ES" dirty="0"/>
-              <a:t> son índices matemáticos que se utilizan para evaluar cuantitativamente la calidad de los clústeres. Se clasifican:</a:t>
-            </a:r>
-          </a:p>
-          <a:p>
-            <a:pPr lvl="1" algn="just"/>
-            <a:r>
-              <a:rPr lang="es-ES" b="1" u="sng" dirty="0"/>
-              <a:t>Externos</a:t>
-            </a:r>
-            <a:r>
-              <a:rPr lang="es-ES" dirty="0"/>
-              <a:t>: Estos índices utilizan datos etiquetados externos para calcular la eficacia del proceso de agrupación. Estos datos externos se consideran como la verdadera condición.</a:t>
-            </a:r>
-          </a:p>
-          <a:p>
-            <a:pPr lvl="1" algn="just"/>
-            <a:r>
-              <a:rPr lang="es-ES" b="1" u="sng" dirty="0"/>
-              <a:t>Internos: </a:t>
-            </a:r>
-            <a:r>
-              <a:rPr lang="es-ES" dirty="0"/>
-              <a:t>utilizan la información interna de los clústeres para evaluar este proceso de clasificación </a:t>
+              <a:t>K=7</a:t>
             </a:r>
           </a:p>
         </p:txBody>
@@ -10151,7 +12642,7 @@
     </p:spTree>
     <p:extLst>
       <p:ext uri="{BB962C8B-B14F-4D97-AF65-F5344CB8AC3E}">
-        <p14:creationId xmlns:p14="http://schemas.microsoft.com/office/powerpoint/2010/main" val="2224713900"/>
+        <p14:creationId xmlns:p14="http://schemas.microsoft.com/office/powerpoint/2010/main" val="2283352270"/>
       </p:ext>
     </p:extLst>
   </p:cSld>
@@ -10161,7 +12652,7 @@
 </p:sld>
 </file>
 
-<file path=ppt/slides/slide25.xml><?xml version="1.0" encoding="utf-8"?>
+<file path=ppt/slides/slide33.xml><?xml version="1.0" encoding="utf-8"?>
 <p:sld xmlns:a="http://schemas.openxmlformats.org/drawingml/2006/main" xmlns:r="http://schemas.openxmlformats.org/officeDocument/2006/relationships" xmlns:p="http://schemas.openxmlformats.org/presentationml/2006/main">
   <p:cSld>
     <p:spTree>
@@ -10235,6 +12726,131 @@
           <a:bodyPr/>
           <a:lstStyle/>
           <a:p>
+            <a:pPr algn="just"/>
+            <a:r>
+              <a:rPr lang="es-ES" dirty="0"/>
+              <a:t>Los índices de validación de clústeres o </a:t>
+            </a:r>
+            <a:r>
+              <a:rPr lang="es-ES" dirty="0" err="1"/>
+              <a:t>CVIs</a:t>
+            </a:r>
+            <a:r>
+              <a:rPr lang="es-ES" dirty="0"/>
+              <a:t> son índices matemáticos que se utilizan para evaluar cuantitativamente la calidad de los clústeres. Se clasifican:</a:t>
+            </a:r>
+          </a:p>
+          <a:p>
+            <a:pPr lvl="1" algn="just"/>
+            <a:r>
+              <a:rPr lang="es-ES" b="1" u="sng" dirty="0"/>
+              <a:t>Externos</a:t>
+            </a:r>
+            <a:r>
+              <a:rPr lang="es-ES" dirty="0"/>
+              <a:t>: Estos índices utilizan datos etiquetados externos para calcular la eficacia del proceso de agrupación. Estos datos externos se consideran como la verdadera condición.</a:t>
+            </a:r>
+          </a:p>
+          <a:p>
+            <a:pPr lvl="1" algn="just"/>
+            <a:r>
+              <a:rPr lang="es-ES" b="1" u="sng" dirty="0"/>
+              <a:t>Internos: </a:t>
+            </a:r>
+            <a:r>
+              <a:rPr lang="es-ES" dirty="0"/>
+              <a:t>utilizan la información interna de los clústeres para evaluar este proceso de clasificación </a:t>
+            </a:r>
+          </a:p>
+        </p:txBody>
+      </p:sp>
+    </p:spTree>
+    <p:extLst>
+      <p:ext uri="{BB962C8B-B14F-4D97-AF65-F5344CB8AC3E}">
+        <p14:creationId xmlns:p14="http://schemas.microsoft.com/office/powerpoint/2010/main" val="2224713900"/>
+      </p:ext>
+    </p:extLst>
+  </p:cSld>
+  <p:clrMapOvr>
+    <a:masterClrMapping/>
+  </p:clrMapOvr>
+</p:sld>
+</file>
+
+<file path=ppt/slides/slide34.xml><?xml version="1.0" encoding="utf-8"?>
+<p:sld xmlns:a="http://schemas.openxmlformats.org/drawingml/2006/main" xmlns:r="http://schemas.openxmlformats.org/officeDocument/2006/relationships" xmlns:p="http://schemas.openxmlformats.org/presentationml/2006/main">
+  <p:cSld>
+    <p:spTree>
+      <p:nvGrpSpPr>
+        <p:cNvPr id="1" name=""/>
+        <p:cNvGrpSpPr/>
+        <p:nvPr/>
+      </p:nvGrpSpPr>
+      <p:grpSpPr>
+        <a:xfrm>
+          <a:off x="0" y="0"/>
+          <a:ext cx="0" cy="0"/>
+          <a:chOff x="0" y="0"/>
+          <a:chExt cx="0" cy="0"/>
+        </a:xfrm>
+      </p:grpSpPr>
+      <p:sp>
+        <p:nvSpPr>
+          <p:cNvPr id="2" name="Título 1"/>
+          <p:cNvSpPr>
+            <a:spLocks noGrp="1"/>
+          </p:cNvSpPr>
+          <p:nvPr>
+            <p:ph type="title"/>
+          </p:nvPr>
+        </p:nvSpPr>
+        <p:spPr/>
+        <p:txBody>
+          <a:bodyPr/>
+          <a:lstStyle/>
+          <a:p>
+            <a:r>
+              <a:rPr lang="es-ES" dirty="0" err="1"/>
+              <a:t>Cluster</a:t>
+            </a:r>
+            <a:r>
+              <a:rPr lang="es-ES" dirty="0"/>
+              <a:t> </a:t>
+            </a:r>
+            <a:r>
+              <a:rPr lang="es-ES" dirty="0" err="1"/>
+              <a:t>Validation</a:t>
+            </a:r>
+            <a:r>
+              <a:rPr lang="es-ES" dirty="0"/>
+              <a:t> Indexes (</a:t>
+            </a:r>
+            <a:r>
+              <a:rPr lang="es-ES" dirty="0" err="1"/>
+              <a:t>CVIs</a:t>
+            </a:r>
+            <a:r>
+              <a:rPr lang="es-ES" dirty="0"/>
+              <a:t>)</a:t>
+            </a:r>
+          </a:p>
+        </p:txBody>
+      </p:sp>
+      <p:sp>
+        <p:nvSpPr>
+          <p:cNvPr id="3" name="Marcador de contenido 2"/>
+          <p:cNvSpPr>
+            <a:spLocks noGrp="1"/>
+          </p:cNvSpPr>
+          <p:nvPr>
+            <p:ph idx="1"/>
+          </p:nvPr>
+        </p:nvSpPr>
+        <p:spPr/>
+        <p:txBody>
+          <a:bodyPr/>
+          <a:lstStyle/>
+          <a:p>
             <a:pPr marL="0" indent="0" algn="just">
               <a:buNone/>
             </a:pPr>
@@ -10314,7 +12930,7 @@
 </p:sld>
 </file>
 
-<file path=ppt/slides/slide26.xml><?xml version="1.0" encoding="utf-8"?>
+<file path=ppt/slides/slide35.xml><?xml version="1.0" encoding="utf-8"?>
 <p:sld xmlns:a="http://schemas.openxmlformats.org/drawingml/2006/main" xmlns:r="http://schemas.openxmlformats.org/officeDocument/2006/relationships" xmlns:p="http://schemas.openxmlformats.org/presentationml/2006/main">
   <p:cSld>
     <p:spTree>
@@ -10631,7 +13247,7 @@
 </p:sld>
 </file>
 
-<file path=ppt/slides/slide27.xml><?xml version="1.0" encoding="utf-8"?>
+<file path=ppt/slides/slide36.xml><?xml version="1.0" encoding="utf-8"?>
 <p:sld xmlns:a="http://schemas.openxmlformats.org/drawingml/2006/main" xmlns:r="http://schemas.openxmlformats.org/officeDocument/2006/relationships" xmlns:p="http://schemas.openxmlformats.org/presentationml/2006/main">
   <p:cSld>
     <p:spTree>
@@ -10665,25 +13281,12 @@
           <a:p>
             <a:r>
               <a:rPr lang="en-GB" dirty="0" err="1"/>
-              <a:t>Adicional</a:t>
+              <a:t>Conclusiones</a:t>
             </a:r>
             <a:r>
               <a:rPr lang="en-GB" dirty="0"/>
-              <a:t>: </a:t>
-            </a:r>
-            <a:r>
-              <a:rPr lang="en-GB" dirty="0" err="1"/>
-              <a:t>Métodos</a:t>
-            </a:r>
-            <a:r>
-              <a:rPr lang="en-GB" dirty="0"/>
-              <a:t> de </a:t>
-            </a:r>
-            <a:r>
-              <a:rPr lang="en-GB" dirty="0" err="1"/>
-              <a:t>Imputación</a:t>
-            </a:r>
-            <a:endParaRPr lang="en-GB" dirty="0"/>
+              <a:t> Finales</a:t>
+            </a:r>
           </a:p>
         </p:txBody>
       </p:sp>
@@ -10702,14 +13305,136 @@
           <a:bodyPr/>
           <a:lstStyle/>
           <a:p>
-            <a:endParaRPr lang="en-GB" dirty="0"/>
+            <a:r>
+              <a:rPr lang="es-ES" dirty="0" err="1"/>
+              <a:t>Segmentacion</a:t>
+            </a:r>
+            <a:r>
+              <a:rPr lang="es-ES" dirty="0"/>
+              <a:t> no supervisada permite obtener un conocimiento de los datos “Escondido”</a:t>
+            </a:r>
+          </a:p>
+          <a:p>
+            <a:r>
+              <a:rPr lang="es-ES" dirty="0"/>
+              <a:t>Aplicaciones: </a:t>
+            </a:r>
+            <a:r>
+              <a:rPr lang="es-ES" dirty="0" err="1"/>
+              <a:t>Identificacion</a:t>
+            </a:r>
+            <a:r>
+              <a:rPr lang="es-ES" dirty="0"/>
+              <a:t> de patrones, detección de anomalías,  identificación de </a:t>
+            </a:r>
+            <a:r>
+              <a:rPr lang="es-ES" dirty="0" err="1"/>
+              <a:t>outliers</a:t>
+            </a:r>
+            <a:r>
+              <a:rPr lang="es-ES" dirty="0"/>
+              <a:t> etc.</a:t>
+            </a:r>
+          </a:p>
+          <a:p>
+            <a:endParaRPr lang="es-ES" dirty="0"/>
+          </a:p>
+        </p:txBody>
+      </p:sp>
+      <p:pic>
+        <p:nvPicPr>
+          <p:cNvPr id="1026" name="Picture 2" descr="2.3. Clustering — scikit-learn 1.0.1 documentation">
+            <a:extLst>
+              <a:ext uri="{FF2B5EF4-FFF2-40B4-BE49-F238E27FC236}">
+                <a16:creationId xmlns:a16="http://schemas.microsoft.com/office/drawing/2014/main" id="{28EB1338-0149-4F6E-90DA-A95B467C7C8C}"/>
+              </a:ext>
+            </a:extLst>
+          </p:cNvPr>
+          <p:cNvPicPr>
+            <a:picLocks noChangeAspect="1" noChangeArrowheads="1"/>
+          </p:cNvPicPr>
+          <p:nvPr/>
+        </p:nvPicPr>
+        <p:blipFill>
+          <a:blip r:embed="rId2">
+            <a:extLst>
+              <a:ext uri="{28A0092B-C50C-407E-A947-70E740481C1C}">
+                <a14:useLocalDpi xmlns:a14="http://schemas.microsoft.com/office/drawing/2010/main" val="0"/>
+              </a:ext>
+            </a:extLst>
+          </a:blip>
+          <a:srcRect/>
+          <a:stretch>
+            <a:fillRect/>
+          </a:stretch>
+        </p:blipFill>
+        <p:spPr bwMode="auto">
+          <a:xfrm>
+            <a:off x="5754254" y="3306665"/>
+            <a:ext cx="4719783" cy="2921964"/>
+          </a:xfrm>
+          <a:prstGeom prst="rect">
+            <a:avLst/>
+          </a:prstGeom>
+          <a:noFill/>
+          <a:extLst>
+            <a:ext uri="{909E8E84-426E-40DD-AFC4-6F175D3DCCD1}">
+              <a14:hiddenFill xmlns:a14="http://schemas.microsoft.com/office/drawing/2010/main">
+                <a:solidFill>
+                  <a:srgbClr val="FFFFFF"/>
+                </a:solidFill>
+              </a14:hiddenFill>
+            </a:ext>
+          </a:extLst>
+        </p:spPr>
+      </p:pic>
+      <p:sp>
+        <p:nvSpPr>
+          <p:cNvPr id="4" name="TextBox 3">
+            <a:extLst>
+              <a:ext uri="{FF2B5EF4-FFF2-40B4-BE49-F238E27FC236}">
+                <a16:creationId xmlns:a16="http://schemas.microsoft.com/office/drawing/2014/main" id="{AAA2ECA5-76C5-40F7-A80E-1EA62B347008}"/>
+              </a:ext>
+            </a:extLst>
+          </p:cNvPr>
+          <p:cNvSpPr txBox="1"/>
+          <p:nvPr/>
+        </p:nvSpPr>
+        <p:spPr>
+          <a:xfrm>
+            <a:off x="5421746" y="6338986"/>
+            <a:ext cx="7389091" cy="307777"/>
+          </a:xfrm>
+          <a:prstGeom prst="rect">
+            <a:avLst/>
+          </a:prstGeom>
+          <a:noFill/>
+        </p:spPr>
+        <p:txBody>
+          <a:bodyPr wrap="square" rtlCol="0">
+            <a:spAutoFit/>
+          </a:bodyPr>
+          <a:lstStyle/>
+          <a:p>
+            <a:r>
+              <a:rPr lang="es-ES" sz="1400" dirty="0"/>
+              <a:t>Fuente: </a:t>
+            </a:r>
+            <a:r>
+              <a:rPr lang="es-ES" sz="1400" dirty="0" err="1"/>
+              <a:t>Scikit-learn</a:t>
+            </a:r>
+            <a:r>
+              <a:rPr lang="es-ES" sz="1400" dirty="0"/>
+              <a:t> (https://scikit-learn.org/stable/modules/clustering.html)</a:t>
+            </a:r>
           </a:p>
         </p:txBody>
       </p:sp>
     </p:spTree>
     <p:extLst>
       <p:ext uri="{BB962C8B-B14F-4D97-AF65-F5344CB8AC3E}">
-        <p14:creationId xmlns:p14="http://schemas.microsoft.com/office/powerpoint/2010/main" val="2074918233"/>
+        <p14:creationId xmlns:p14="http://schemas.microsoft.com/office/powerpoint/2010/main" val="3647424591"/>
       </p:ext>
     </p:extLst>
   </p:cSld>
@@ -10719,7 +13444,7 @@
 </p:sld>
 </file>
 
-<file path=ppt/slides/slide28.xml><?xml version="1.0" encoding="utf-8"?>
+<file path=ppt/slides/slide37.xml><?xml version="1.0" encoding="utf-8"?>
 <p:sld xmlns:a="http://schemas.openxmlformats.org/drawingml/2006/main" xmlns:r="http://schemas.openxmlformats.org/officeDocument/2006/relationships" xmlns:p="http://schemas.openxmlformats.org/presentationml/2006/main">
   <p:cSld>
     <p:spTree>
@@ -10753,11 +13478,19 @@
           <a:p>
             <a:r>
               <a:rPr lang="en-GB" dirty="0" err="1"/>
-              <a:t>Conclusiones</a:t>
+              <a:t>Concepto</a:t>
             </a:r>
             <a:r>
               <a:rPr lang="en-GB" dirty="0"/>
-              <a:t> Finales</a:t>
+              <a:t> </a:t>
+            </a:r>
+            <a:r>
+              <a:rPr lang="en-GB" dirty="0" err="1"/>
+              <a:t>Práctica</a:t>
+            </a:r>
+            <a:r>
+              <a:rPr lang="en-GB" dirty="0"/>
+              <a:t> 4 </a:t>
             </a:r>
           </a:p>
         </p:txBody>
@@ -10777,14 +13510,57 @@
           <a:bodyPr/>
           <a:lstStyle/>
           <a:p>
-            <a:endParaRPr lang="en-GB"/>
+            <a:r>
+              <a:rPr lang="es-ES" dirty="0"/>
+              <a:t>Análisis e identificación de outliers de perfiles de temperatura de suministro de un </a:t>
+            </a:r>
+            <a:r>
+              <a:rPr lang="es-ES" dirty="0" err="1"/>
+              <a:t>district-heating</a:t>
+            </a:r>
+            <a:r>
+              <a:rPr lang="es-ES" dirty="0"/>
+              <a:t> o red de distrito.</a:t>
+            </a:r>
+          </a:p>
+          <a:p>
+            <a:r>
+              <a:rPr lang="es-ES" dirty="0"/>
+              <a:t>Análisis de clustering no-supervisado usando k-</a:t>
+            </a:r>
+            <a:r>
+              <a:rPr lang="es-ES" dirty="0" err="1"/>
+              <a:t>means</a:t>
+            </a:r>
+            <a:r>
+              <a:rPr lang="es-ES" dirty="0"/>
+              <a:t> de los perfiles de uno de los edificios</a:t>
+            </a:r>
+          </a:p>
+          <a:p>
+            <a:r>
+              <a:rPr lang="es-ES" dirty="0"/>
+              <a:t>Validación de clústeres</a:t>
+            </a:r>
+          </a:p>
+          <a:p>
+            <a:r>
+              <a:rPr lang="es-ES" dirty="0"/>
+              <a:t>Plotear los clústeres </a:t>
+            </a:r>
+          </a:p>
+          <a:p>
+            <a:endParaRPr lang="es-ES" dirty="0"/>
+          </a:p>
+          <a:p>
+            <a:endParaRPr lang="es-ES" dirty="0"/>
           </a:p>
         </p:txBody>
       </p:sp>
     </p:spTree>
     <p:extLst>
       <p:ext uri="{BB962C8B-B14F-4D97-AF65-F5344CB8AC3E}">
-        <p14:creationId xmlns:p14="http://schemas.microsoft.com/office/powerpoint/2010/main" val="3647424591"/>
+        <p14:creationId xmlns:p14="http://schemas.microsoft.com/office/powerpoint/2010/main" val="2813272158"/>
       </p:ext>
     </p:extLst>
   </p:cSld>
@@ -10794,7 +13570,7 @@
 </p:sld>
 </file>
 
-<file path=ppt/slides/slide29.xml><?xml version="1.0" encoding="utf-8"?>
+<file path=ppt/slides/slide38.xml><?xml version="1.0" encoding="utf-8"?>
 <p:sld xmlns:a="http://schemas.openxmlformats.org/drawingml/2006/main" xmlns:r="http://schemas.openxmlformats.org/officeDocument/2006/relationships" xmlns:p="http://schemas.openxmlformats.org/presentationml/2006/main">
   <p:cSld>
     <p:spTree>
@@ -10813,7 +13589,13 @@
       </p:grpSpPr>
       <p:sp>
         <p:nvSpPr>
-          <p:cNvPr id="2" name="Título 1"/>
+          <p:cNvPr id="2" name="Título 1">
+            <a:extLst>
+              <a:ext uri="{FF2B5EF4-FFF2-40B4-BE49-F238E27FC236}">
+                <a16:creationId xmlns:a16="http://schemas.microsoft.com/office/drawing/2014/main" id="{3BA35E48-703B-4E3F-8A50-181FCA662E24}"/>
+              </a:ext>
+            </a:extLst>
+          </p:cNvPr>
           <p:cNvSpPr>
             <a:spLocks noGrp="1"/>
           </p:cNvSpPr>
@@ -10827,27 +13609,25 @@
           <a:lstStyle/>
           <a:p>
             <a:r>
-              <a:rPr lang="en-GB" dirty="0" err="1"/>
-              <a:t>Concepto</a:t>
-            </a:r>
-            <a:r>
-              <a:rPr lang="en-GB" dirty="0"/>
-              <a:t> </a:t>
-            </a:r>
-            <a:r>
-              <a:rPr lang="en-GB" dirty="0" err="1"/>
-              <a:t>Práctica</a:t>
-            </a:r>
-            <a:r>
-              <a:rPr lang="en-GB" dirty="0"/>
-              <a:t> 4 </a:t>
-            </a:r>
-          </a:p>
-        </p:txBody>
-      </p:sp>
-      <p:sp>
-        <p:nvSpPr>
-          <p:cNvPr id="3" name="Marcador de contenido 2"/>
+              <a:rPr lang="es-ES" dirty="0" err="1"/>
+              <a:t>Kahoot</a:t>
+            </a:r>
+            <a:r>
+              <a:rPr lang="es-ES" dirty="0"/>
+              <a:t> II</a:t>
+            </a:r>
+          </a:p>
+        </p:txBody>
+      </p:sp>
+      <p:sp>
+        <p:nvSpPr>
+          <p:cNvPr id="4" name="Marcador de contenido 2">
+            <a:extLst>
+              <a:ext uri="{FF2B5EF4-FFF2-40B4-BE49-F238E27FC236}">
+                <a16:creationId xmlns:a16="http://schemas.microsoft.com/office/drawing/2014/main" id="{C600BDF6-21DE-42EC-8938-7AE4152071C7}"/>
+              </a:ext>
+            </a:extLst>
+          </p:cNvPr>
           <p:cNvSpPr>
             <a:spLocks noGrp="1"/>
           </p:cNvSpPr>
@@ -10855,62 +13635,141 @@
             <p:ph idx="1"/>
           </p:nvPr>
         </p:nvSpPr>
-        <p:spPr/>
+        <p:spPr>
+          <a:xfrm>
+            <a:off x="967696" y="1759430"/>
+            <a:ext cx="5906267" cy="4014736"/>
+          </a:xfrm>
+        </p:spPr>
         <p:txBody>
           <a:bodyPr/>
           <a:lstStyle/>
           <a:p>
+            <a:pPr marL="0" indent="0">
+              <a:buNone/>
+            </a:pPr>
             <a:r>
               <a:rPr lang="es-ES" dirty="0"/>
-              <a:t>Análisis e identificación de outliers de perfiles de temperatura de suministro de un </a:t>
+              <a:t>A modo de Repaso: Test </a:t>
             </a:r>
             <a:r>
               <a:rPr lang="es-ES" dirty="0" err="1"/>
-              <a:t>district-heating</a:t>
-            </a:r>
-            <a:r>
-              <a:rPr lang="es-ES" dirty="0"/>
-              <a:t> o red de distrito.</a:t>
-            </a:r>
-          </a:p>
-          <a:p>
-            <a:r>
-              <a:rPr lang="es-ES" dirty="0"/>
-              <a:t>Análisis de clustering no-supervisado usando k-</a:t>
-            </a:r>
-            <a:r>
-              <a:rPr lang="es-ES" dirty="0" err="1"/>
-              <a:t>means</a:t>
-            </a:r>
-            <a:r>
-              <a:rPr lang="es-ES" dirty="0"/>
-              <a:t> de los perfiles de uno de los edificios</a:t>
-            </a:r>
-          </a:p>
-          <a:p>
-            <a:r>
-              <a:rPr lang="es-ES" dirty="0"/>
-              <a:t>Validación de clústeres</a:t>
-            </a:r>
-          </a:p>
-          <a:p>
-            <a:r>
-              <a:rPr lang="es-ES" dirty="0"/>
-              <a:t>Plotear los clústeres </a:t>
-            </a:r>
-          </a:p>
-          <a:p>
+              <a:t>Kahoot</a:t>
+            </a:r>
             <a:endParaRPr lang="es-ES" dirty="0"/>
           </a:p>
           <a:p>
+            <a:pPr marL="0" indent="0">
+              <a:buNone/>
+            </a:pPr>
             <a:endParaRPr lang="es-ES" dirty="0"/>
           </a:p>
-        </p:txBody>
-      </p:sp>
+          <a:p>
+            <a:pPr marL="0" indent="0">
+              <a:buNone/>
+            </a:pPr>
+            <a:endParaRPr lang="es-ES" dirty="0"/>
+          </a:p>
+          <a:p>
+            <a:pPr marL="0" indent="0">
+              <a:buNone/>
+            </a:pPr>
+            <a:r>
+              <a:rPr lang="es-ES" b="1" u="sng" dirty="0"/>
+              <a:t>Test Sesión 4</a:t>
+            </a:r>
+          </a:p>
+          <a:p>
+            <a:pPr marL="0" indent="0">
+              <a:buNone/>
+            </a:pPr>
+            <a:r>
+              <a:rPr lang="en-US" dirty="0">
+                <a:hlinkClick r:id="rId2"/>
+              </a:rPr>
+              <a:t>Play Kahoot! - Enter game PIN here!</a:t>
+            </a:r>
+            <a:endParaRPr lang="es-ES" b="1" u="sng" dirty="0"/>
+          </a:p>
+          <a:p>
+            <a:pPr marL="0" indent="0">
+              <a:buNone/>
+            </a:pPr>
+            <a:r>
+              <a:rPr lang="es-ES" sz="2000" b="1" u="sng" dirty="0">
+                <a:solidFill>
+                  <a:schemeClr val="accent1"/>
+                </a:solidFill>
+              </a:rPr>
+              <a:t>(Para Mikel:</a:t>
+            </a:r>
+          </a:p>
+          <a:p>
+            <a:pPr marL="0" indent="0">
+              <a:buNone/>
+            </a:pPr>
+            <a:r>
+              <a:rPr lang="es-ES" sz="2000" b="1" u="sng" dirty="0">
+                <a:solidFill>
+                  <a:schemeClr val="accent1"/>
+                </a:solidFill>
+              </a:rPr>
+              <a:t>https://play.kahoot.it/v2/?quizId=cb7cd5a2-7b77-4ec1-b040-52ca383e54bd)</a:t>
+            </a:r>
+          </a:p>
+        </p:txBody>
+      </p:sp>
+      <p:pic>
+        <p:nvPicPr>
+          <p:cNvPr id="5" name="Picture 4" descr="Paso a paso: cómo crear un Kahoot! para usar en clase">
+            <a:extLst>
+              <a:ext uri="{FF2B5EF4-FFF2-40B4-BE49-F238E27FC236}">
+                <a16:creationId xmlns:a16="http://schemas.microsoft.com/office/drawing/2014/main" id="{1AB3662D-FAEC-478E-BAEC-33C76DB0EE1E}"/>
+              </a:ext>
+            </a:extLst>
+          </p:cNvPr>
+          <p:cNvPicPr>
+            <a:picLocks noChangeAspect="1" noChangeArrowheads="1"/>
+          </p:cNvPicPr>
+          <p:nvPr/>
+        </p:nvPicPr>
+        <p:blipFill>
+          <a:blip r:embed="rId3">
+            <a:extLst>
+              <a:ext uri="{28A0092B-C50C-407E-A947-70E740481C1C}">
+                <a14:useLocalDpi xmlns:a14="http://schemas.microsoft.com/office/drawing/2010/main" val="0"/>
+              </a:ext>
+            </a:extLst>
+          </a:blip>
+          <a:srcRect/>
+          <a:stretch>
+            <a:fillRect/>
+          </a:stretch>
+        </p:blipFill>
+        <p:spPr bwMode="auto">
+          <a:xfrm>
+            <a:off x="7039992" y="2837308"/>
+            <a:ext cx="3950563" cy="2222192"/>
+          </a:xfrm>
+          <a:prstGeom prst="rect">
+            <a:avLst/>
+          </a:prstGeom>
+          <a:noFill/>
+          <a:extLst>
+            <a:ext uri="{909E8E84-426E-40DD-AFC4-6F175D3DCCD1}">
+              <a14:hiddenFill xmlns:a14="http://schemas.microsoft.com/office/drawing/2010/main">
+                <a:solidFill>
+                  <a:srgbClr val="FFFFFF"/>
+                </a:solidFill>
+              </a14:hiddenFill>
+            </a:ext>
+          </a:extLst>
+        </p:spPr>
+      </p:pic>
     </p:spTree>
     <p:extLst>
       <p:ext uri="{BB962C8B-B14F-4D97-AF65-F5344CB8AC3E}">
-        <p14:creationId xmlns:p14="http://schemas.microsoft.com/office/powerpoint/2010/main" val="2813272158"/>
+        <p14:creationId xmlns:p14="http://schemas.microsoft.com/office/powerpoint/2010/main" val="2640609736"/>
       </p:ext>
     </p:extLst>
   </p:cSld>
@@ -10920,7 +13779,7 @@
 </p:sld>
 </file>
 
-<file path=ppt/slides/slide3.xml><?xml version="1.0" encoding="utf-8"?>
+<file path=ppt/slides/slide39.xml><?xml version="1.0" encoding="utf-8"?>
 <p:sld xmlns:a="http://schemas.openxmlformats.org/drawingml/2006/main" xmlns:r="http://schemas.openxmlformats.org/officeDocument/2006/relationships" xmlns:p="http://schemas.openxmlformats.org/presentationml/2006/main">
   <p:cSld>
     <p:spTree>
@@ -10939,33 +13798,10 @@
       </p:grpSpPr>
       <p:sp>
         <p:nvSpPr>
-          <p:cNvPr id="2" name="Título 1"/>
-          <p:cNvSpPr>
-            <a:spLocks noGrp="1"/>
-          </p:cNvSpPr>
-          <p:nvPr>
-            <p:ph type="title"/>
-          </p:nvPr>
-        </p:nvSpPr>
-        <p:spPr/>
-        <p:txBody>
-          <a:bodyPr/>
-          <a:lstStyle/>
-          <a:p>
-            <a:r>
-              <a:rPr lang="es-ES" dirty="0"/>
-              <a:t>Objetivos</a:t>
-            </a:r>
-            <a:endParaRPr lang="en-GB" dirty="0"/>
-          </a:p>
-        </p:txBody>
-      </p:sp>
-      <p:sp>
-        <p:nvSpPr>
-          <p:cNvPr id="4" name="Marcador de contenido 3">
+          <p:cNvPr id="2" name="Title 1">
             <a:extLst>
               <a:ext uri="{FF2B5EF4-FFF2-40B4-BE49-F238E27FC236}">
-                <a16:creationId xmlns:a16="http://schemas.microsoft.com/office/drawing/2014/main" id="{FAAEBB48-7A95-45B0-8B83-C465E7AE57F8}"/>
+                <a16:creationId xmlns:a16="http://schemas.microsoft.com/office/drawing/2014/main" id="{E9889F8A-3C1A-4580-B462-7B4E04F6E33B}"/>
               </a:ext>
             </a:extLst>
           </p:cNvPr>
@@ -10973,73 +13809,165 @@
             <a:spLocks noGrp="1"/>
           </p:cNvSpPr>
           <p:nvPr>
+            <p:ph type="title"/>
+          </p:nvPr>
+        </p:nvSpPr>
+        <p:spPr/>
+        <p:txBody>
+          <a:bodyPr/>
+          <a:lstStyle/>
+          <a:p>
+            <a:r>
+              <a:rPr lang="es-ES" dirty="0"/>
+              <a:t>Práctica Sesión 4: </a:t>
+            </a:r>
+            <a:r>
+              <a:rPr lang="es-ES" dirty="0" err="1"/>
+              <a:t>Clustering</a:t>
+            </a:r>
+            <a:endParaRPr lang="es-ES" dirty="0"/>
+          </a:p>
+        </p:txBody>
+      </p:sp>
+      <p:sp>
+        <p:nvSpPr>
+          <p:cNvPr id="3" name="Content Placeholder 2">
+            <a:extLst>
+              <a:ext uri="{FF2B5EF4-FFF2-40B4-BE49-F238E27FC236}">
+                <a16:creationId xmlns:a16="http://schemas.microsoft.com/office/drawing/2014/main" id="{051682E3-FCE3-41C1-9113-756D8EA13F28}"/>
+              </a:ext>
+            </a:extLst>
+          </p:cNvPr>
+          <p:cNvSpPr>
+            <a:spLocks noGrp="1"/>
+          </p:cNvSpPr>
+          <p:nvPr>
             <p:ph idx="1"/>
           </p:nvPr>
         </p:nvSpPr>
         <p:spPr/>
         <p:txBody>
-          <a:bodyPr>
-            <a:normAutofit fontScale="70000" lnSpcReduction="20000"/>
+          <a:bodyPr/>
+          <a:lstStyle/>
+          <a:p>
+            <a:r>
+              <a:rPr lang="es-ES" dirty="0"/>
+              <a:t>SCRIPT 1: Entrando en calor con R (30’)</a:t>
+            </a:r>
+          </a:p>
+          <a:p>
+            <a:pPr lvl="1"/>
+            <a:r>
+              <a:rPr lang="es-ES" dirty="0"/>
+              <a:t>Cargar CSV de datos edificio (Cargamos los resultados de la Sesión 2)</a:t>
+            </a:r>
+          </a:p>
+          <a:p>
+            <a:pPr lvl="1"/>
+            <a:r>
+              <a:rPr lang="es-ES" dirty="0"/>
+              <a:t>Vamos a hacer un </a:t>
+            </a:r>
+            <a:r>
+              <a:rPr lang="es-ES" dirty="0" err="1"/>
+              <a:t>boxplot</a:t>
+            </a:r>
+            <a:r>
+              <a:rPr lang="es-ES" dirty="0"/>
+              <a:t> por rangos de temperatura:</a:t>
+            </a:r>
+          </a:p>
+          <a:p>
+            <a:pPr lvl="2"/>
+            <a:r>
+              <a:rPr lang="es-ES" dirty="0"/>
+              <a:t>4 Rangos </a:t>
+            </a:r>
+            <a:r>
+              <a:rPr lang="es-ES" dirty="0">
+                <a:sym typeface="Wingdings" panose="05000000000000000000" pitchFamily="2" charset="2"/>
+              </a:rPr>
+              <a:t> Definidos por cuartiles</a:t>
+            </a:r>
+          </a:p>
+          <a:p>
+            <a:pPr marL="914400" lvl="2" indent="0">
+              <a:buNone/>
+            </a:pPr>
+            <a:endParaRPr lang="es-ES" dirty="0"/>
+          </a:p>
+        </p:txBody>
+      </p:sp>
+      <p:pic>
+        <p:nvPicPr>
+          <p:cNvPr id="5" name="Picture 4">
+            <a:extLst>
+              <a:ext uri="{FF2B5EF4-FFF2-40B4-BE49-F238E27FC236}">
+                <a16:creationId xmlns:a16="http://schemas.microsoft.com/office/drawing/2014/main" id="{0ADD68E3-12A2-4928-B707-17C86D216845}"/>
+              </a:ext>
+            </a:extLst>
+          </p:cNvPr>
+          <p:cNvPicPr>
+            <a:picLocks noChangeAspect="1"/>
+          </p:cNvPicPr>
+          <p:nvPr/>
+        </p:nvPicPr>
+        <p:blipFill>
+          <a:blip r:embed="rId2"/>
+          <a:stretch>
+            <a:fillRect/>
+          </a:stretch>
+        </p:blipFill>
+        <p:spPr>
+          <a:xfrm>
+            <a:off x="6165047" y="3269673"/>
+            <a:ext cx="5740626" cy="3130839"/>
+          </a:xfrm>
+          <a:prstGeom prst="rect">
+            <a:avLst/>
+          </a:prstGeom>
+        </p:spPr>
+      </p:pic>
+      <p:sp>
+        <p:nvSpPr>
+          <p:cNvPr id="6" name="TextBox 5">
+            <a:extLst>
+              <a:ext uri="{FF2B5EF4-FFF2-40B4-BE49-F238E27FC236}">
+                <a16:creationId xmlns:a16="http://schemas.microsoft.com/office/drawing/2014/main" id="{B292E0E1-FBD1-4592-A76D-304C1C742191}"/>
+              </a:ext>
+            </a:extLst>
+          </p:cNvPr>
+          <p:cNvSpPr txBox="1"/>
+          <p:nvPr/>
+        </p:nvSpPr>
+        <p:spPr>
+          <a:xfrm>
+            <a:off x="923636" y="4220921"/>
+            <a:ext cx="4572000" cy="923330"/>
+          </a:xfrm>
+          <a:prstGeom prst="rect">
+            <a:avLst/>
+          </a:prstGeom>
+          <a:noFill/>
+        </p:spPr>
+        <p:txBody>
+          <a:bodyPr wrap="square" rtlCol="0">
+            <a:spAutoFit/>
           </a:bodyPr>
           <a:lstStyle/>
           <a:p>
             <a:r>
               <a:rPr lang="es-ES" dirty="0"/>
-              <a:t>Comprender las cargas térmicas en la edificación y sus dinámicas principales</a:t>
-            </a:r>
+              <a:t>Objetivo:</a:t>
+            </a:r>
+          </a:p>
+          <a:p>
+            <a:endParaRPr lang="es-ES" dirty="0"/>
           </a:p>
           <a:p>
             <a:r>
               <a:rPr lang="es-ES" dirty="0"/>
-              <a:t>Introducir el concepto de Medida y Verificación de ahorros energéticos</a:t>
-            </a:r>
-          </a:p>
-          <a:p>
-            <a:r>
-              <a:rPr lang="es-ES" dirty="0"/>
-              <a:t>Disponer de herramientas para la realización de análisis de datos</a:t>
-            </a:r>
-          </a:p>
-          <a:p>
-            <a:r>
-              <a:rPr lang="es-ES" dirty="0"/>
-              <a:t>Identificar las variables relevantes y modelar la dependencia de las cargas térmicas frente a las mismas</a:t>
-            </a:r>
-          </a:p>
-          <a:p>
-            <a:r>
-              <a:rPr lang="es-ES" dirty="0"/>
-              <a:t>Conocer los métodos de análisis estadístico y las métricas de error</a:t>
-            </a:r>
-          </a:p>
-          <a:p>
-            <a:r>
-              <a:rPr lang="es-ES" dirty="0"/>
-              <a:t>Introducir distintos métodos de análisis clásicos y modernos</a:t>
-            </a:r>
-          </a:p>
-          <a:p>
-            <a:r>
-              <a:rPr lang="es-ES" dirty="0"/>
-              <a:t>Introducir métodos de clasificación y segmentación de datos</a:t>
-            </a:r>
-          </a:p>
-          <a:p>
-            <a:r>
-              <a:rPr lang="es-ES" dirty="0"/>
-              <a:t>Introducir métodos de detección de errores y reparación de series temporales</a:t>
-            </a:r>
-          </a:p>
-          <a:p>
-            <a:endParaRPr lang="es-ES" dirty="0"/>
-          </a:p>
-          <a:p>
-            <a:pPr marL="0" indent="0">
-              <a:buNone/>
-            </a:pPr>
-            <a:r>
-              <a:rPr lang="es-ES" i="1" dirty="0"/>
-              <a:t>Enunciar los problemas, posibles vías de solución, proporcionar herramientas y referencias útiles</a:t>
+              <a:t>Usando GGPLOT</a:t>
             </a:r>
           </a:p>
         </p:txBody>
@@ -11047,152 +13975,7 @@
     </p:spTree>
     <p:extLst>
       <p:ext uri="{BB962C8B-B14F-4D97-AF65-F5344CB8AC3E}">
-        <p14:creationId xmlns:p14="http://schemas.microsoft.com/office/powerpoint/2010/main" val="1913449723"/>
-      </p:ext>
-    </p:extLst>
-  </p:cSld>
-  <p:clrMapOvr>
-    <a:masterClrMapping/>
-  </p:clrMapOvr>
-</p:sld>
-</file>
-
-<file path=ppt/slides/slide30.xml><?xml version="1.0" encoding="utf-8"?>
-<p:sld xmlns:a="http://schemas.openxmlformats.org/drawingml/2006/main" xmlns:r="http://schemas.openxmlformats.org/officeDocument/2006/relationships" xmlns:p="http://schemas.openxmlformats.org/presentationml/2006/main">
-  <p:cSld>
-    <p:spTree>
-      <p:nvGrpSpPr>
-        <p:cNvPr id="1" name=""/>
-        <p:cNvGrpSpPr/>
-        <p:nvPr/>
-      </p:nvGrpSpPr>
-      <p:grpSpPr>
-        <a:xfrm>
-          <a:off x="0" y="0"/>
-          <a:ext cx="0" cy="0"/>
-          <a:chOff x="0" y="0"/>
-          <a:chExt cx="0" cy="0"/>
-        </a:xfrm>
-      </p:grpSpPr>
-      <p:sp>
-        <p:nvSpPr>
-          <p:cNvPr id="4" name="Título 3">
-            <a:extLst>
-              <a:ext uri="{FF2B5EF4-FFF2-40B4-BE49-F238E27FC236}">
-                <a16:creationId xmlns:a16="http://schemas.microsoft.com/office/drawing/2014/main" id="{57358FC5-0DFC-4396-9893-E446212006B0}"/>
-              </a:ext>
-            </a:extLst>
-          </p:cNvPr>
-          <p:cNvSpPr>
-            <a:spLocks noGrp="1"/>
-          </p:cNvSpPr>
-          <p:nvPr>
-            <p:ph type="ctrTitle"/>
-          </p:nvPr>
-        </p:nvSpPr>
-        <p:spPr/>
-        <p:txBody>
-          <a:bodyPr>
-            <a:noAutofit/>
-          </a:bodyPr>
-          <a:lstStyle/>
-          <a:p>
-            <a:r>
-              <a:rPr lang="es-ES" sz="4400" dirty="0"/>
-              <a:t>Estudio de consumo de energía mediante métodos de análisis de datos</a:t>
-            </a:r>
-            <a:br>
-              <a:rPr lang="es-ES" sz="4400" dirty="0"/>
-            </a:br>
-            <a:r>
-              <a:rPr lang="es-ES" sz="2800" dirty="0"/>
-              <a:t>Contexto, métodos de análisis, herramientas y aplicaciones</a:t>
-            </a:r>
-            <a:endParaRPr lang="en-GB" sz="4400" dirty="0"/>
-          </a:p>
-        </p:txBody>
-      </p:sp>
-      <p:sp>
-        <p:nvSpPr>
-          <p:cNvPr id="5" name="Subtítulo 4">
-            <a:extLst>
-              <a:ext uri="{FF2B5EF4-FFF2-40B4-BE49-F238E27FC236}">
-                <a16:creationId xmlns:a16="http://schemas.microsoft.com/office/drawing/2014/main" id="{5BE36759-AD9E-492B-A539-7E3579699A77}"/>
-              </a:ext>
-            </a:extLst>
-          </p:cNvPr>
-          <p:cNvSpPr>
-            <a:spLocks noGrp="1"/>
-          </p:cNvSpPr>
-          <p:nvPr>
-            <p:ph type="subTitle" idx="1"/>
-          </p:nvPr>
-        </p:nvSpPr>
-        <p:spPr>
-          <a:xfrm>
-            <a:off x="1524000" y="3602038"/>
-            <a:ext cx="9144000" cy="1310204"/>
-          </a:xfrm>
-        </p:spPr>
-        <p:txBody>
-          <a:bodyPr numCol="2">
-            <a:normAutofit/>
-          </a:bodyPr>
-          <a:lstStyle/>
-          <a:p>
-            <a:pPr algn="l"/>
-            <a:r>
-              <a:rPr lang="es-ES" sz="2000" dirty="0"/>
-              <a:t>Mikel Lumbreras Mugaguren</a:t>
-            </a:r>
-          </a:p>
-          <a:p>
-            <a:pPr algn="l"/>
-            <a:r>
-              <a:rPr lang="es-ES" sz="2000" dirty="0"/>
-              <a:t>946014985</a:t>
-            </a:r>
-          </a:p>
-          <a:p>
-            <a:pPr algn="l"/>
-            <a:r>
-              <a:rPr lang="es-ES" sz="2000" dirty="0" err="1">
-                <a:hlinkClick r:id="rId2"/>
-              </a:rPr>
-              <a:t>mikel.lumbreras@ehu.eus</a:t>
-            </a:r>
-            <a:endParaRPr lang="es-ES" sz="2000" dirty="0"/>
-          </a:p>
-          <a:p>
-            <a:pPr algn="l"/>
-            <a:r>
-              <a:rPr lang="es-ES" sz="2000" dirty="0"/>
-              <a:t>Roberto Garay Martinez</a:t>
-            </a:r>
-          </a:p>
-          <a:p>
-            <a:pPr algn="l"/>
-            <a:r>
-              <a:rPr lang="es-ES" sz="2000" dirty="0"/>
-              <a:t>667 178 958</a:t>
-            </a:r>
-          </a:p>
-          <a:p>
-            <a:pPr algn="l"/>
-            <a:r>
-              <a:rPr lang="es-ES" sz="2000" dirty="0">
-                <a:hlinkClick r:id="rId3"/>
-              </a:rPr>
-              <a:t>roberto.garay@tecnalia.com</a:t>
-            </a:r>
-            <a:endParaRPr lang="es-ES" sz="2000" dirty="0"/>
-          </a:p>
-        </p:txBody>
-      </p:sp>
-    </p:spTree>
-    <p:extLst>
-      <p:ext uri="{BB962C8B-B14F-4D97-AF65-F5344CB8AC3E}">
-        <p14:creationId xmlns:p14="http://schemas.microsoft.com/office/powerpoint/2010/main" val="3967490461"/>
+        <p14:creationId xmlns:p14="http://schemas.microsoft.com/office/powerpoint/2010/main" val="4220847849"/>
       </p:ext>
     </p:extLst>
   </p:cSld>
@@ -12155,6 +14938,539 @@
 </p:sld>
 </file>
 
+<file path=ppt/slides/slide40.xml><?xml version="1.0" encoding="utf-8"?>
+<p:sld xmlns:a="http://schemas.openxmlformats.org/drawingml/2006/main" xmlns:r="http://schemas.openxmlformats.org/officeDocument/2006/relationships" xmlns:p="http://schemas.openxmlformats.org/presentationml/2006/main">
+  <p:cSld>
+    <p:spTree>
+      <p:nvGrpSpPr>
+        <p:cNvPr id="1" name=""/>
+        <p:cNvGrpSpPr/>
+        <p:nvPr/>
+      </p:nvGrpSpPr>
+      <p:grpSpPr>
+        <a:xfrm>
+          <a:off x="0" y="0"/>
+          <a:ext cx="0" cy="0"/>
+          <a:chOff x="0" y="0"/>
+          <a:chExt cx="0" cy="0"/>
+        </a:xfrm>
+      </p:grpSpPr>
+      <p:sp>
+        <p:nvSpPr>
+          <p:cNvPr id="2" name="Title 1">
+            <a:extLst>
+              <a:ext uri="{FF2B5EF4-FFF2-40B4-BE49-F238E27FC236}">
+                <a16:creationId xmlns:a16="http://schemas.microsoft.com/office/drawing/2014/main" id="{E9889F8A-3C1A-4580-B462-7B4E04F6E33B}"/>
+              </a:ext>
+            </a:extLst>
+          </p:cNvPr>
+          <p:cNvSpPr>
+            <a:spLocks noGrp="1"/>
+          </p:cNvSpPr>
+          <p:nvPr>
+            <p:ph type="title"/>
+          </p:nvPr>
+        </p:nvSpPr>
+        <p:spPr/>
+        <p:txBody>
+          <a:bodyPr/>
+          <a:lstStyle/>
+          <a:p>
+            <a:r>
+              <a:rPr lang="es-ES" dirty="0"/>
+              <a:t>Práctica Sesión 4: </a:t>
+            </a:r>
+            <a:r>
+              <a:rPr lang="es-ES" dirty="0" err="1"/>
+              <a:t>Clustering</a:t>
+            </a:r>
+            <a:endParaRPr lang="es-ES" dirty="0"/>
+          </a:p>
+        </p:txBody>
+      </p:sp>
+      <p:sp>
+        <p:nvSpPr>
+          <p:cNvPr id="3" name="Content Placeholder 2">
+            <a:extLst>
+              <a:ext uri="{FF2B5EF4-FFF2-40B4-BE49-F238E27FC236}">
+                <a16:creationId xmlns:a16="http://schemas.microsoft.com/office/drawing/2014/main" id="{051682E3-FCE3-41C1-9113-756D8EA13F28}"/>
+              </a:ext>
+            </a:extLst>
+          </p:cNvPr>
+          <p:cNvSpPr>
+            <a:spLocks noGrp="1"/>
+          </p:cNvSpPr>
+          <p:nvPr>
+            <p:ph idx="1"/>
+          </p:nvPr>
+        </p:nvSpPr>
+        <p:spPr/>
+        <p:txBody>
+          <a:bodyPr/>
+          <a:lstStyle/>
+          <a:p>
+            <a:r>
+              <a:rPr lang="es-ES" dirty="0"/>
+              <a:t>SCRIPT 2: Identificación de </a:t>
+            </a:r>
+            <a:r>
+              <a:rPr lang="es-ES" dirty="0" err="1"/>
+              <a:t>outliers</a:t>
+            </a:r>
+            <a:r>
+              <a:rPr lang="es-ES" dirty="0"/>
+              <a:t> (45’)</a:t>
+            </a:r>
+          </a:p>
+          <a:p>
+            <a:pPr marL="0" indent="0">
+              <a:buNone/>
+            </a:pPr>
+            <a:endParaRPr lang="es-ES" dirty="0"/>
+          </a:p>
+          <a:p>
+            <a:pPr lvl="1"/>
+            <a:r>
+              <a:rPr lang="es-ES" dirty="0"/>
+              <a:t>Método 1: </a:t>
+            </a:r>
+            <a:r>
+              <a:rPr lang="es-ES" dirty="0" err="1"/>
+              <a:t>Intercuartil</a:t>
+            </a:r>
+            <a:r>
+              <a:rPr lang="es-ES" dirty="0"/>
+              <a:t> IQR </a:t>
+            </a:r>
+            <a:r>
+              <a:rPr lang="es-ES" dirty="0">
+                <a:sym typeface="Wingdings" panose="05000000000000000000" pitchFamily="2" charset="2"/>
+              </a:rPr>
+              <a:t> Función 1</a:t>
+            </a:r>
+            <a:endParaRPr lang="es-ES" dirty="0"/>
+          </a:p>
+          <a:p>
+            <a:pPr lvl="1"/>
+            <a:r>
+              <a:rPr lang="es-ES" dirty="0"/>
+              <a:t>Método 2: </a:t>
+            </a:r>
+            <a:r>
+              <a:rPr lang="es-ES" dirty="0" err="1"/>
+              <a:t>Density</a:t>
+            </a:r>
+            <a:r>
+              <a:rPr lang="es-ES" dirty="0"/>
+              <a:t> </a:t>
+            </a:r>
+            <a:r>
+              <a:rPr lang="es-ES" dirty="0" err="1"/>
+              <a:t>Based</a:t>
+            </a:r>
+            <a:r>
+              <a:rPr lang="es-ES" dirty="0"/>
+              <a:t> </a:t>
+            </a:r>
+            <a:r>
+              <a:rPr lang="es-ES" dirty="0" err="1"/>
+              <a:t>Clustering</a:t>
+            </a:r>
+            <a:r>
+              <a:rPr lang="es-ES" dirty="0"/>
+              <a:t> </a:t>
+            </a:r>
+            <a:r>
+              <a:rPr lang="es-ES" dirty="0">
+                <a:sym typeface="Wingdings" panose="05000000000000000000" pitchFamily="2" charset="2"/>
+              </a:rPr>
+              <a:t> Función 2</a:t>
+            </a:r>
+            <a:endParaRPr lang="es-ES" dirty="0"/>
+          </a:p>
+          <a:p>
+            <a:pPr lvl="1"/>
+            <a:r>
+              <a:rPr lang="es-ES" dirty="0"/>
+              <a:t>Comparación entre los </a:t>
+            </a:r>
+            <a:r>
+              <a:rPr lang="es-ES" dirty="0" err="1"/>
+              <a:t>outliers</a:t>
+            </a:r>
+            <a:r>
+              <a:rPr lang="es-ES" dirty="0"/>
+              <a:t> identificados por los dos métodos</a:t>
+            </a:r>
+          </a:p>
+          <a:p>
+            <a:pPr lvl="1"/>
+            <a:endParaRPr lang="es-ES" dirty="0"/>
+          </a:p>
+        </p:txBody>
+      </p:sp>
+    </p:spTree>
+    <p:extLst>
+      <p:ext uri="{BB962C8B-B14F-4D97-AF65-F5344CB8AC3E}">
+        <p14:creationId xmlns:p14="http://schemas.microsoft.com/office/powerpoint/2010/main" val="1240959078"/>
+      </p:ext>
+    </p:extLst>
+  </p:cSld>
+  <p:clrMapOvr>
+    <a:masterClrMapping/>
+  </p:clrMapOvr>
+</p:sld>
+</file>
+
+<file path=ppt/slides/slide41.xml><?xml version="1.0" encoding="utf-8"?>
+<p:sld xmlns:a="http://schemas.openxmlformats.org/drawingml/2006/main" xmlns:r="http://schemas.openxmlformats.org/officeDocument/2006/relationships" xmlns:p="http://schemas.openxmlformats.org/presentationml/2006/main">
+  <p:cSld>
+    <p:spTree>
+      <p:nvGrpSpPr>
+        <p:cNvPr id="1" name=""/>
+        <p:cNvGrpSpPr/>
+        <p:nvPr/>
+      </p:nvGrpSpPr>
+      <p:grpSpPr>
+        <a:xfrm>
+          <a:off x="0" y="0"/>
+          <a:ext cx="0" cy="0"/>
+          <a:chOff x="0" y="0"/>
+          <a:chExt cx="0" cy="0"/>
+        </a:xfrm>
+      </p:grpSpPr>
+      <p:sp>
+        <p:nvSpPr>
+          <p:cNvPr id="2" name="Title 1">
+            <a:extLst>
+              <a:ext uri="{FF2B5EF4-FFF2-40B4-BE49-F238E27FC236}">
+                <a16:creationId xmlns:a16="http://schemas.microsoft.com/office/drawing/2014/main" id="{E9889F8A-3C1A-4580-B462-7B4E04F6E33B}"/>
+              </a:ext>
+            </a:extLst>
+          </p:cNvPr>
+          <p:cNvSpPr>
+            <a:spLocks noGrp="1"/>
+          </p:cNvSpPr>
+          <p:nvPr>
+            <p:ph type="title"/>
+          </p:nvPr>
+        </p:nvSpPr>
+        <p:spPr/>
+        <p:txBody>
+          <a:bodyPr/>
+          <a:lstStyle/>
+          <a:p>
+            <a:r>
+              <a:rPr lang="es-ES" dirty="0"/>
+              <a:t>Práctica Sesión 4: </a:t>
+            </a:r>
+            <a:r>
+              <a:rPr lang="es-ES" dirty="0" err="1"/>
+              <a:t>Clustering</a:t>
+            </a:r>
+            <a:endParaRPr lang="es-ES" dirty="0"/>
+          </a:p>
+        </p:txBody>
+      </p:sp>
+      <p:sp>
+        <p:nvSpPr>
+          <p:cNvPr id="3" name="Content Placeholder 2">
+            <a:extLst>
+              <a:ext uri="{FF2B5EF4-FFF2-40B4-BE49-F238E27FC236}">
+                <a16:creationId xmlns:a16="http://schemas.microsoft.com/office/drawing/2014/main" id="{051682E3-FCE3-41C1-9113-756D8EA13F28}"/>
+              </a:ext>
+            </a:extLst>
+          </p:cNvPr>
+          <p:cNvSpPr>
+            <a:spLocks noGrp="1"/>
+          </p:cNvSpPr>
+          <p:nvPr>
+            <p:ph idx="1"/>
+          </p:nvPr>
+        </p:nvSpPr>
+        <p:spPr>
+          <a:xfrm>
+            <a:off x="838199" y="1825626"/>
+            <a:ext cx="10764915" cy="4014736"/>
+          </a:xfrm>
+        </p:spPr>
+        <p:txBody>
+          <a:bodyPr>
+            <a:normAutofit/>
+          </a:bodyPr>
+          <a:lstStyle/>
+          <a:p>
+            <a:r>
+              <a:rPr lang="es-ES" dirty="0"/>
+              <a:t>SCRIPT 3: Introducción al K-</a:t>
+            </a:r>
+            <a:r>
+              <a:rPr lang="es-ES" dirty="0" err="1"/>
+              <a:t>means</a:t>
+            </a:r>
+            <a:r>
+              <a:rPr lang="es-ES" dirty="0"/>
+              <a:t> (1h)</a:t>
+            </a:r>
+          </a:p>
+          <a:p>
+            <a:endParaRPr lang="es-ES" dirty="0"/>
+          </a:p>
+          <a:p>
+            <a:pPr lvl="1"/>
+            <a:r>
+              <a:rPr lang="es-ES" dirty="0"/>
+              <a:t>Cargar librerías necesarias</a:t>
+            </a:r>
+          </a:p>
+          <a:p>
+            <a:pPr lvl="1"/>
+            <a:r>
+              <a:rPr lang="es-ES" dirty="0"/>
+              <a:t>Dar forma a los datos </a:t>
+            </a:r>
+            <a:r>
+              <a:rPr lang="es-ES" dirty="0">
+                <a:sym typeface="Wingdings" panose="05000000000000000000" pitchFamily="2" charset="2"/>
+              </a:rPr>
+              <a:t> Las cargas térmicas serán propiedad de nuestra variable a </a:t>
+            </a:r>
+            <a:r>
+              <a:rPr lang="es-ES" dirty="0" err="1">
+                <a:sym typeface="Wingdings" panose="05000000000000000000" pitchFamily="2" charset="2"/>
+              </a:rPr>
+              <a:t>clusterizar</a:t>
+            </a:r>
+            <a:r>
+              <a:rPr lang="es-ES" dirty="0">
+                <a:sym typeface="Wingdings" panose="05000000000000000000" pitchFamily="2" charset="2"/>
+              </a:rPr>
+              <a:t> (Días)</a:t>
+            </a:r>
+          </a:p>
+          <a:p>
+            <a:pPr lvl="1"/>
+            <a:r>
+              <a:rPr lang="es-ES" dirty="0">
+                <a:sym typeface="Wingdings" panose="05000000000000000000" pitchFamily="2" charset="2"/>
+              </a:rPr>
+              <a:t>Normalizamos los datos y hacemos la segmentación para K=4 y para K=3</a:t>
+            </a:r>
+          </a:p>
+          <a:p>
+            <a:pPr lvl="1"/>
+            <a:r>
+              <a:rPr lang="es-ES" dirty="0">
+                <a:sym typeface="Wingdings" panose="05000000000000000000" pitchFamily="2" charset="2"/>
+              </a:rPr>
+              <a:t>Comparamos rendimientos del proceso de </a:t>
+            </a:r>
+            <a:r>
+              <a:rPr lang="es-ES" dirty="0" err="1">
+                <a:sym typeface="Wingdings" panose="05000000000000000000" pitchFamily="2" charset="2"/>
+              </a:rPr>
+              <a:t>clustering</a:t>
+            </a:r>
+            <a:r>
+              <a:rPr lang="es-ES" dirty="0">
+                <a:sym typeface="Wingdings" panose="05000000000000000000" pitchFamily="2" charset="2"/>
+              </a:rPr>
+              <a:t> mediante </a:t>
+            </a:r>
+            <a:r>
+              <a:rPr lang="es-ES" dirty="0" err="1">
+                <a:sym typeface="Wingdings" panose="05000000000000000000" pitchFamily="2" charset="2"/>
+              </a:rPr>
+              <a:t>CVIs</a:t>
+            </a:r>
+            <a:r>
+              <a:rPr lang="es-ES" dirty="0">
+                <a:sym typeface="Wingdings" panose="05000000000000000000" pitchFamily="2" charset="2"/>
+              </a:rPr>
+              <a:t> </a:t>
+            </a:r>
+          </a:p>
+          <a:p>
+            <a:pPr lvl="1"/>
+            <a:endParaRPr lang="es-ES" dirty="0"/>
+          </a:p>
+          <a:p>
+            <a:endParaRPr lang="es-ES" dirty="0"/>
+          </a:p>
+          <a:p>
+            <a:endParaRPr lang="es-ES" dirty="0"/>
+          </a:p>
+          <a:p>
+            <a:endParaRPr lang="es-ES" dirty="0"/>
+          </a:p>
+          <a:p>
+            <a:pPr lvl="1"/>
+            <a:endParaRPr lang="es-ES" sz="1800" dirty="0"/>
+          </a:p>
+          <a:p>
+            <a:pPr lvl="1"/>
+            <a:endParaRPr lang="es-ES" dirty="0"/>
+          </a:p>
+        </p:txBody>
+      </p:sp>
+    </p:spTree>
+    <p:extLst>
+      <p:ext uri="{BB962C8B-B14F-4D97-AF65-F5344CB8AC3E}">
+        <p14:creationId xmlns:p14="http://schemas.microsoft.com/office/powerpoint/2010/main" val="2318141971"/>
+      </p:ext>
+    </p:extLst>
+  </p:cSld>
+  <p:clrMapOvr>
+    <a:masterClrMapping/>
+  </p:clrMapOvr>
+</p:sld>
+</file>
+
+<file path=ppt/slides/slide42.xml><?xml version="1.0" encoding="utf-8"?>
+<p:sld xmlns:a="http://schemas.openxmlformats.org/drawingml/2006/main" xmlns:r="http://schemas.openxmlformats.org/officeDocument/2006/relationships" xmlns:p="http://schemas.openxmlformats.org/presentationml/2006/main">
+  <p:cSld>
+    <p:spTree>
+      <p:nvGrpSpPr>
+        <p:cNvPr id="1" name=""/>
+        <p:cNvGrpSpPr/>
+        <p:nvPr/>
+      </p:nvGrpSpPr>
+      <p:grpSpPr>
+        <a:xfrm>
+          <a:off x="0" y="0"/>
+          <a:ext cx="0" cy="0"/>
+          <a:chOff x="0" y="0"/>
+          <a:chExt cx="0" cy="0"/>
+        </a:xfrm>
+      </p:grpSpPr>
+      <p:sp>
+        <p:nvSpPr>
+          <p:cNvPr id="4" name="Título 3">
+            <a:extLst>
+              <a:ext uri="{FF2B5EF4-FFF2-40B4-BE49-F238E27FC236}">
+                <a16:creationId xmlns:a16="http://schemas.microsoft.com/office/drawing/2014/main" id="{57358FC5-0DFC-4396-9893-E446212006B0}"/>
+              </a:ext>
+            </a:extLst>
+          </p:cNvPr>
+          <p:cNvSpPr>
+            <a:spLocks noGrp="1"/>
+          </p:cNvSpPr>
+          <p:nvPr>
+            <p:ph type="ctrTitle"/>
+          </p:nvPr>
+        </p:nvSpPr>
+        <p:spPr/>
+        <p:txBody>
+          <a:bodyPr>
+            <a:noAutofit/>
+          </a:bodyPr>
+          <a:lstStyle/>
+          <a:p>
+            <a:r>
+              <a:rPr lang="es-ES" sz="4400" dirty="0"/>
+              <a:t>Estudio de consumo de energía mediante métodos de análisis de datos</a:t>
+            </a:r>
+            <a:br>
+              <a:rPr lang="es-ES" sz="4400" dirty="0"/>
+            </a:br>
+            <a:r>
+              <a:rPr lang="es-ES" sz="2800" dirty="0"/>
+              <a:t>Contexto, métodos de análisis, herramientas y aplicaciones</a:t>
+            </a:r>
+            <a:endParaRPr lang="en-GB" sz="4400" dirty="0"/>
+          </a:p>
+        </p:txBody>
+      </p:sp>
+      <p:sp>
+        <p:nvSpPr>
+          <p:cNvPr id="5" name="Subtítulo 4">
+            <a:extLst>
+              <a:ext uri="{FF2B5EF4-FFF2-40B4-BE49-F238E27FC236}">
+                <a16:creationId xmlns:a16="http://schemas.microsoft.com/office/drawing/2014/main" id="{5BE36759-AD9E-492B-A539-7E3579699A77}"/>
+              </a:ext>
+            </a:extLst>
+          </p:cNvPr>
+          <p:cNvSpPr>
+            <a:spLocks noGrp="1"/>
+          </p:cNvSpPr>
+          <p:nvPr>
+            <p:ph type="subTitle" idx="1"/>
+          </p:nvPr>
+        </p:nvSpPr>
+        <p:spPr>
+          <a:xfrm>
+            <a:off x="1524000" y="3602038"/>
+            <a:ext cx="9144000" cy="1310204"/>
+          </a:xfrm>
+        </p:spPr>
+        <p:txBody>
+          <a:bodyPr numCol="2">
+            <a:normAutofit/>
+          </a:bodyPr>
+          <a:lstStyle/>
+          <a:p>
+            <a:pPr algn="l"/>
+            <a:r>
+              <a:rPr lang="es-ES" sz="2000" dirty="0"/>
+              <a:t>Mikel Lumbreras Mugaguren</a:t>
+            </a:r>
+          </a:p>
+          <a:p>
+            <a:pPr algn="l"/>
+            <a:r>
+              <a:rPr lang="es-ES" sz="2000" dirty="0"/>
+              <a:t>946014985</a:t>
+            </a:r>
+          </a:p>
+          <a:p>
+            <a:pPr algn="l"/>
+            <a:r>
+              <a:rPr lang="es-ES" sz="2000" dirty="0" err="1">
+                <a:hlinkClick r:id="rId2"/>
+              </a:rPr>
+              <a:t>mikel.lumbreras@ehu.eus</a:t>
+            </a:r>
+            <a:endParaRPr lang="es-ES" sz="2000" dirty="0"/>
+          </a:p>
+          <a:p>
+            <a:pPr algn="l"/>
+            <a:r>
+              <a:rPr lang="es-ES" sz="2000" dirty="0"/>
+              <a:t>Roberto Garay Martinez</a:t>
+            </a:r>
+          </a:p>
+          <a:p>
+            <a:pPr algn="l"/>
+            <a:r>
+              <a:rPr lang="es-ES" sz="2000" dirty="0"/>
+              <a:t>667 178 958</a:t>
+            </a:r>
+          </a:p>
+          <a:p>
+            <a:pPr algn="l"/>
+            <a:r>
+              <a:rPr lang="es-ES" sz="2000" dirty="0">
+                <a:hlinkClick r:id="rId3"/>
+              </a:rPr>
+              <a:t>roberto.garay@tecnalia.com</a:t>
+            </a:r>
+            <a:endParaRPr lang="es-ES" sz="2000" dirty="0"/>
+          </a:p>
+        </p:txBody>
+      </p:sp>
+    </p:spTree>
+    <p:extLst>
+      <p:ext uri="{BB962C8B-B14F-4D97-AF65-F5344CB8AC3E}">
+        <p14:creationId xmlns:p14="http://schemas.microsoft.com/office/powerpoint/2010/main" val="3967490461"/>
+      </p:ext>
+    </p:extLst>
+  </p:cSld>
+  <p:clrMapOvr>
+    <a:masterClrMapping/>
+  </p:clrMapOvr>
+</p:sld>
+</file>
+
 <file path=ppt/slides/slide5.xml><?xml version="1.0" encoding="utf-8"?>
 <p:sld xmlns:a="http://schemas.openxmlformats.org/drawingml/2006/main" xmlns:r="http://schemas.openxmlformats.org/officeDocument/2006/relationships" xmlns:p="http://schemas.openxmlformats.org/presentationml/2006/main">
   <p:cSld>
@@ -13489,12 +16805,9 @@
           <a:p>
             <a:r>
               <a:rPr lang="es-ES" sz="4800" b="1" u="sng" dirty="0"/>
-              <a:t>Módulo 4: </a:t>
-            </a:r>
-            <a:r>
-              <a:rPr lang="es-ES" sz="4800" dirty="0"/>
-              <a:t>Clusterización No Supervisada y Métodos de Imputación</a:t>
-            </a:r>
+              <a:t>Módulo 4: Modelos de Segmentación No-Supervisada</a:t>
+            </a:r>
+            <a:endParaRPr lang="es-ES" sz="4800" dirty="0"/>
           </a:p>
         </p:txBody>
       </p:sp>
@@ -13755,7 +17068,7 @@
           <a:p>
             <a:r>
               <a:rPr lang="es-ES" dirty="0"/>
-              <a:t>Objetivos Módulo 4</a:t>
+              <a:t>Objetivos Sesión 4</a:t>
             </a:r>
           </a:p>
         </p:txBody>
